--- a/Presentation/Img Man Top FSM.pptx
+++ b/Presentation/Img Man Top FSM.pptx
@@ -288,7 +288,7 @@
           <a:p>
             <a:fld id="{D1329CB7-D74C-47FA-A22A-C6A2E8AA6A2B}" type="datetimeFigureOut">
               <a:rPr lang="he-IL" smtClean="0"/>
-              <a:t>י"ט/אב/תשע"ב</a:t>
+              <a:t>ג'/אלול/תשע"ב</a:t>
             </a:fld>
             <a:endParaRPr lang="he-IL"/>
           </a:p>
@@ -458,7 +458,7 @@
           <a:p>
             <a:fld id="{D1329CB7-D74C-47FA-A22A-C6A2E8AA6A2B}" type="datetimeFigureOut">
               <a:rPr lang="he-IL" smtClean="0"/>
-              <a:t>י"ט/אב/תשע"ב</a:t>
+              <a:t>ג'/אלול/תשע"ב</a:t>
             </a:fld>
             <a:endParaRPr lang="he-IL"/>
           </a:p>
@@ -638,7 +638,7 @@
           <a:p>
             <a:fld id="{D1329CB7-D74C-47FA-A22A-C6A2E8AA6A2B}" type="datetimeFigureOut">
               <a:rPr lang="he-IL" smtClean="0"/>
-              <a:t>י"ט/אב/תשע"ב</a:t>
+              <a:t>ג'/אלול/תשע"ב</a:t>
             </a:fld>
             <a:endParaRPr lang="he-IL"/>
           </a:p>
@@ -808,7 +808,7 @@
           <a:p>
             <a:fld id="{D1329CB7-D74C-47FA-A22A-C6A2E8AA6A2B}" type="datetimeFigureOut">
               <a:rPr lang="he-IL" smtClean="0"/>
-              <a:t>י"ט/אב/תשע"ב</a:t>
+              <a:t>ג'/אלול/תשע"ב</a:t>
             </a:fld>
             <a:endParaRPr lang="he-IL"/>
           </a:p>
@@ -1054,7 +1054,7 @@
           <a:p>
             <a:fld id="{D1329CB7-D74C-47FA-A22A-C6A2E8AA6A2B}" type="datetimeFigureOut">
               <a:rPr lang="he-IL" smtClean="0"/>
-              <a:t>י"ט/אב/תשע"ב</a:t>
+              <a:t>ג'/אלול/תשע"ב</a:t>
             </a:fld>
             <a:endParaRPr lang="he-IL"/>
           </a:p>
@@ -1342,7 +1342,7 @@
           <a:p>
             <a:fld id="{D1329CB7-D74C-47FA-A22A-C6A2E8AA6A2B}" type="datetimeFigureOut">
               <a:rPr lang="he-IL" smtClean="0"/>
-              <a:t>י"ט/אב/תשע"ב</a:t>
+              <a:t>ג'/אלול/תשע"ב</a:t>
             </a:fld>
             <a:endParaRPr lang="he-IL"/>
           </a:p>
@@ -1764,7 +1764,7 @@
           <a:p>
             <a:fld id="{D1329CB7-D74C-47FA-A22A-C6A2E8AA6A2B}" type="datetimeFigureOut">
               <a:rPr lang="he-IL" smtClean="0"/>
-              <a:t>י"ט/אב/תשע"ב</a:t>
+              <a:t>ג'/אלול/תשע"ב</a:t>
             </a:fld>
             <a:endParaRPr lang="he-IL"/>
           </a:p>
@@ -1882,7 +1882,7 @@
           <a:p>
             <a:fld id="{D1329CB7-D74C-47FA-A22A-C6A2E8AA6A2B}" type="datetimeFigureOut">
               <a:rPr lang="he-IL" smtClean="0"/>
-              <a:t>י"ט/אב/תשע"ב</a:t>
+              <a:t>ג'/אלול/תשע"ב</a:t>
             </a:fld>
             <a:endParaRPr lang="he-IL"/>
           </a:p>
@@ -1977,7 +1977,7 @@
           <a:p>
             <a:fld id="{D1329CB7-D74C-47FA-A22A-C6A2E8AA6A2B}" type="datetimeFigureOut">
               <a:rPr lang="he-IL" smtClean="0"/>
-              <a:t>י"ט/אב/תשע"ב</a:t>
+              <a:t>ג'/אלול/תשע"ב</a:t>
             </a:fld>
             <a:endParaRPr lang="he-IL"/>
           </a:p>
@@ -2254,7 +2254,7 @@
           <a:p>
             <a:fld id="{D1329CB7-D74C-47FA-A22A-C6A2E8AA6A2B}" type="datetimeFigureOut">
               <a:rPr lang="he-IL" smtClean="0"/>
-              <a:t>י"ט/אב/תשע"ב</a:t>
+              <a:t>ג'/אלול/תשע"ב</a:t>
             </a:fld>
             <a:endParaRPr lang="he-IL"/>
           </a:p>
@@ -2507,7 +2507,7 @@
           <a:p>
             <a:fld id="{D1329CB7-D74C-47FA-A22A-C6A2E8AA6A2B}" type="datetimeFigureOut">
               <a:rPr lang="he-IL" smtClean="0"/>
-              <a:t>י"ט/אב/תשע"ב</a:t>
+              <a:t>ג'/אלול/תשע"ב</a:t>
             </a:fld>
             <a:endParaRPr lang="he-IL"/>
           </a:p>
@@ -2720,7 +2720,7 @@
           <a:p>
             <a:fld id="{D1329CB7-D74C-47FA-A22A-C6A2E8AA6A2B}" type="datetimeFigureOut">
               <a:rPr lang="he-IL" smtClean="0"/>
-              <a:t>י"ט/אב/תשע"ב</a:t>
+              <a:t>ג'/אלול/תשע"ב</a:t>
             </a:fld>
             <a:endParaRPr lang="he-IL"/>
           </a:p>
@@ -3103,7 +3103,7 @@
         </p:nvSpPr>
         <p:spPr>
           <a:xfrm>
-            <a:off x="1367172" y="705816"/>
+            <a:off x="1194251" y="478229"/>
             <a:ext cx="1224136" cy="1224136"/>
           </a:xfrm>
           <a:prstGeom prst="ellipse">
@@ -3369,13 +3369,13 @@
           <p:nvPr/>
         </p:nvCxnSpPr>
         <p:spPr>
-          <a:xfrm rot="5400000" flipH="1" flipV="1">
-            <a:off x="4004061" y="-706937"/>
-            <a:ext cx="12700" cy="3184048"/>
+          <a:xfrm rot="16200000" flipH="1">
+            <a:off x="3803806" y="-907191"/>
+            <a:ext cx="227587" cy="3356969"/>
           </a:xfrm>
           <a:prstGeom prst="curvedConnector3">
             <a:avLst>
-              <a:gd name="adj1" fmla="val 388055"/>
+              <a:gd name="adj1" fmla="val -179215"/>
             </a:avLst>
           </a:prstGeom>
           <a:ln>
@@ -3546,17 +3546,19 @@
         <p:nvCxnSpPr>
           <p:cNvPr id="24" name="Curved Connector 23"/>
           <p:cNvCxnSpPr>
-            <a:stCxn id="8" idx="0"/>
+            <a:endCxn id="23" idx="2"/>
           </p:cNvCxnSpPr>
           <p:nvPr/>
         </p:nvCxnSpPr>
         <p:spPr>
-          <a:xfrm rot="5400000" flipH="1" flipV="1">
-            <a:off x="3184975" y="601815"/>
-            <a:ext cx="1296144" cy="3350114"/>
-          </a:xfrm>
-          <a:prstGeom prst="curvedConnector2">
-            <a:avLst/>
+          <a:xfrm flipV="1">
+            <a:off x="2064180" y="2102761"/>
+            <a:ext cx="1571716" cy="851262"/>
+          </a:xfrm>
+          <a:prstGeom prst="curvedConnector3">
+            <a:avLst>
+              <a:gd name="adj1" fmla="val 50000"/>
+            </a:avLst>
           </a:prstGeom>
           <a:ln>
             <a:tailEnd type="arrow"/>
@@ -3618,15 +3620,14 @@
         <p:nvCxnSpPr>
           <p:cNvPr id="41" name="Curved Connector 40"/>
           <p:cNvCxnSpPr>
-            <a:stCxn id="5" idx="2"/>
             <a:endCxn id="4" idx="6"/>
           </p:cNvCxnSpPr>
           <p:nvPr/>
         </p:nvCxnSpPr>
         <p:spPr>
           <a:xfrm rot="10800000">
-            <a:off x="2591308" y="1317884"/>
-            <a:ext cx="2772780" cy="12700"/>
+            <a:off x="2418388" y="1090297"/>
+            <a:ext cx="1361525" cy="612068"/>
           </a:xfrm>
           <a:prstGeom prst="curvedConnector3">
             <a:avLst>
@@ -3660,7 +3661,7 @@
         </p:nvSpPr>
         <p:spPr>
           <a:xfrm>
-            <a:off x="3491880" y="476672"/>
+            <a:off x="3203849" y="244589"/>
             <a:ext cx="1152128" cy="369332"/>
           </a:xfrm>
           <a:prstGeom prst="rect">
@@ -3689,7 +3690,7 @@
         </p:nvSpPr>
         <p:spPr>
           <a:xfrm>
-            <a:off x="3401634" y="948551"/>
+            <a:off x="2858486" y="1211664"/>
             <a:ext cx="1152128" cy="369332"/>
           </a:xfrm>
           <a:prstGeom prst="rect">
@@ -3798,7 +3799,7 @@
         </p:nvSpPr>
         <p:spPr>
           <a:xfrm>
-            <a:off x="3635896" y="2618039"/>
+            <a:off x="3635896" y="2924944"/>
             <a:ext cx="2211322" cy="861774"/>
           </a:xfrm>
           <a:prstGeom prst="rect">
@@ -3950,6 +3951,83 @@
           </a:p>
         </p:txBody>
       </p:sp>
+      <p:sp>
+        <p:nvSpPr>
+          <p:cNvPr id="23" name="Oval 22"/>
+          <p:cNvSpPr/>
+          <p:nvPr/>
+        </p:nvSpPr>
+        <p:spPr>
+          <a:xfrm>
+            <a:off x="3635896" y="1490693"/>
+            <a:ext cx="1584176" cy="1224136"/>
+          </a:xfrm>
+          <a:prstGeom prst="ellipse">
+            <a:avLst/>
+          </a:prstGeom>
+        </p:spPr>
+        <p:style>
+          <a:lnRef idx="2">
+            <a:schemeClr val="accent2"/>
+          </a:lnRef>
+          <a:fillRef idx="1">
+            <a:schemeClr val="lt1"/>
+          </a:fillRef>
+          <a:effectRef idx="0">
+            <a:schemeClr val="accent2"/>
+          </a:effectRef>
+          <a:fontRef idx="minor">
+            <a:schemeClr val="dk1"/>
+          </a:fontRef>
+        </p:style>
+        <p:txBody>
+          <a:bodyPr rtlCol="1" anchor="ctr"/>
+          <a:lstStyle/>
+          <a:p>
+            <a:pPr algn="ctr"/>
+            <a:r>
+              <a:rPr lang="en-US" sz="1600" dirty="0" smtClean="0"/>
+              <a:t>Advance coordinate</a:t>
+            </a:r>
+            <a:endParaRPr lang="he-IL" sz="1600" dirty="0"/>
+          </a:p>
+        </p:txBody>
+      </p:sp>
+      <p:cxnSp>
+        <p:nvCxnSpPr>
+          <p:cNvPr id="28" name="Curved Connector 27"/>
+          <p:cNvCxnSpPr/>
+          <p:nvPr/>
+        </p:nvCxnSpPr>
+        <p:spPr>
+          <a:xfrm>
+            <a:off x="5234227" y="2043636"/>
+            <a:ext cx="1714038" cy="671193"/>
+          </a:xfrm>
+          <a:prstGeom prst="curvedConnector3">
+            <a:avLst>
+              <a:gd name="adj1" fmla="val 50000"/>
+            </a:avLst>
+          </a:prstGeom>
+          <a:ln>
+            <a:tailEnd type="arrow"/>
+          </a:ln>
+        </p:spPr>
+        <p:style>
+          <a:lnRef idx="3">
+            <a:schemeClr val="dk1"/>
+          </a:lnRef>
+          <a:fillRef idx="0">
+            <a:schemeClr val="dk1"/>
+          </a:fillRef>
+          <a:effectRef idx="2">
+            <a:schemeClr val="dk1"/>
+          </a:effectRef>
+          <a:fontRef idx="minor">
+            <a:schemeClr val="tx1"/>
+          </a:fontRef>
+        </p:style>
+      </p:cxnSp>
     </p:spTree>
     <p:extLst>
       <p:ext uri="{BB962C8B-B14F-4D97-AF65-F5344CB8AC3E}">

--- a/Presentation/Img Man Top FSM.pptx
+++ b/Presentation/Img Man Top FSM.pptx
@@ -3173,7 +3173,7 @@
             <a:pPr algn="ctr"/>
             <a:r>
               <a:rPr lang="en-US" sz="1600" dirty="0" smtClean="0"/>
-              <a:t>Create coordinate</a:t>
+              <a:t>Initialize coordinate</a:t>
             </a:r>
             <a:endParaRPr lang="he-IL" sz="1600" dirty="0"/>
           </a:p>
@@ -3719,7 +3719,7 @@
         </p:nvSpPr>
         <p:spPr>
           <a:xfrm>
-            <a:off x="7105577" y="5877272"/>
+            <a:off x="7345637" y="4149080"/>
             <a:ext cx="2211322" cy="738664"/>
           </a:xfrm>
           <a:prstGeom prst="rect">
@@ -3940,12 +3940,12 @@
           <a:p>
             <a:pPr algn="l" rtl="0"/>
             <a:r>
-              <a:rPr lang="en-US" dirty="0" err="1" smtClean="0"/>
-              <a:t>Img</a:t>
-            </a:r>
-            <a:r>
               <a:rPr lang="en-US" dirty="0" smtClean="0"/>
-              <a:t> Man Top - FSM</a:t>
+              <a:t>Image </a:t>
+            </a:r>
+            <a:r>
+              <a:rPr lang="en-US" dirty="0" smtClean="0"/>
+              <a:t>Man Top - FSM</a:t>
             </a:r>
             <a:endParaRPr lang="he-IL" dirty="0"/>
           </a:p>
@@ -3987,7 +3987,7 @@
             <a:pPr algn="ctr"/>
             <a:r>
               <a:rPr lang="en-US" sz="1600" dirty="0" smtClean="0"/>
-              <a:t>Advance coordinate</a:t>
+              <a:t>Increment coordinate</a:t>
             </a:r>
             <a:endParaRPr lang="he-IL" sz="1600" dirty="0"/>
           </a:p>

--- a/Presentation/Img Man Top FSM.pptx
+++ b/Presentation/Img Man Top FSM.pptx
@@ -7,7 +7,7 @@
   <p:sldIdLst>
     <p:sldId id="256" r:id="rId2"/>
   </p:sldIdLst>
-  <p:sldSz cx="9144000" cy="6858000" type="screen4x3"/>
+  <p:sldSz cx="10972800" cy="6858000"/>
   <p:notesSz cx="6858000" cy="9144000"/>
   <p:defaultTextStyle>
     <a:defPPr>
@@ -136,8 +136,8 @@
         </p:nvSpPr>
         <p:spPr>
           <a:xfrm>
-            <a:off x="685800" y="2130425"/>
-            <a:ext cx="7772400" cy="1470025"/>
+            <a:off x="822960" y="2130427"/>
+            <a:ext cx="9326880" cy="1470025"/>
           </a:xfrm>
         </p:spPr>
         <p:txBody>
@@ -164,8 +164,8 @@
         </p:nvSpPr>
         <p:spPr>
           <a:xfrm>
-            <a:off x="1371600" y="3886200"/>
-            <a:ext cx="6400800" cy="1752600"/>
+            <a:off x="1645920" y="3886200"/>
+            <a:ext cx="7680960" cy="1752600"/>
           </a:xfrm>
         </p:spPr>
         <p:txBody>
@@ -288,7 +288,7 @@
           <a:p>
             <a:fld id="{D1329CB7-D74C-47FA-A22A-C6A2E8AA6A2B}" type="datetimeFigureOut">
               <a:rPr lang="he-IL" smtClean="0"/>
-              <a:t>ג'/אלול/תשע"ב</a:t>
+              <a:t>ה'/אלול/תשע"ב</a:t>
             </a:fld>
             <a:endParaRPr lang="he-IL"/>
           </a:p>
@@ -458,7 +458,7 @@
           <a:p>
             <a:fld id="{D1329CB7-D74C-47FA-A22A-C6A2E8AA6A2B}" type="datetimeFigureOut">
               <a:rPr lang="he-IL" smtClean="0"/>
-              <a:t>ג'/אלול/תשע"ב</a:t>
+              <a:t>ה'/אלול/תשע"ב</a:t>
             </a:fld>
             <a:endParaRPr lang="he-IL"/>
           </a:p>
@@ -548,8 +548,8 @@
         </p:nvSpPr>
         <p:spPr>
           <a:xfrm>
-            <a:off x="6629400" y="274638"/>
-            <a:ext cx="2057400" cy="5851525"/>
+            <a:off x="7955280" y="274639"/>
+            <a:ext cx="2468880" cy="5851525"/>
           </a:xfrm>
         </p:spPr>
         <p:txBody>
@@ -576,8 +576,8 @@
         </p:nvSpPr>
         <p:spPr>
           <a:xfrm>
-            <a:off x="457200" y="274638"/>
-            <a:ext cx="6019800" cy="5851525"/>
+            <a:off x="548640" y="274639"/>
+            <a:ext cx="7223760" cy="5851525"/>
           </a:xfrm>
         </p:spPr>
         <p:txBody>
@@ -638,7 +638,7 @@
           <a:p>
             <a:fld id="{D1329CB7-D74C-47FA-A22A-C6A2E8AA6A2B}" type="datetimeFigureOut">
               <a:rPr lang="he-IL" smtClean="0"/>
-              <a:t>ג'/אלול/תשע"ב</a:t>
+              <a:t>ה'/אלול/תשע"ב</a:t>
             </a:fld>
             <a:endParaRPr lang="he-IL"/>
           </a:p>
@@ -808,7 +808,7 @@
           <a:p>
             <a:fld id="{D1329CB7-D74C-47FA-A22A-C6A2E8AA6A2B}" type="datetimeFigureOut">
               <a:rPr lang="he-IL" smtClean="0"/>
-              <a:t>ג'/אלול/תשע"ב</a:t>
+              <a:t>ה'/אלול/תשע"ב</a:t>
             </a:fld>
             <a:endParaRPr lang="he-IL"/>
           </a:p>
@@ -898,8 +898,8 @@
         </p:nvSpPr>
         <p:spPr>
           <a:xfrm>
-            <a:off x="722313" y="4406900"/>
-            <a:ext cx="7772400" cy="1362075"/>
+            <a:off x="866776" y="4406902"/>
+            <a:ext cx="9326880" cy="1362075"/>
           </a:xfrm>
         </p:spPr>
         <p:txBody>
@@ -930,8 +930,8 @@
         </p:nvSpPr>
         <p:spPr>
           <a:xfrm>
-            <a:off x="722313" y="2906713"/>
-            <a:ext cx="7772400" cy="1500187"/>
+            <a:off x="866776" y="2906713"/>
+            <a:ext cx="9326880" cy="1500187"/>
           </a:xfrm>
         </p:spPr>
         <p:txBody>
@@ -1054,7 +1054,7 @@
           <a:p>
             <a:fld id="{D1329CB7-D74C-47FA-A22A-C6A2E8AA6A2B}" type="datetimeFigureOut">
               <a:rPr lang="he-IL" smtClean="0"/>
-              <a:t>ג'/אלול/תשע"ב</a:t>
+              <a:t>ה'/אלול/תשע"ב</a:t>
             </a:fld>
             <a:endParaRPr lang="he-IL"/>
           </a:p>
@@ -1167,8 +1167,8 @@
         </p:nvSpPr>
         <p:spPr>
           <a:xfrm>
-            <a:off x="457200" y="1600200"/>
-            <a:ext cx="4038600" cy="4525963"/>
+            <a:off x="548640" y="1600202"/>
+            <a:ext cx="4846320" cy="4525963"/>
           </a:xfrm>
         </p:spPr>
         <p:txBody>
@@ -1252,8 +1252,8 @@
         </p:nvSpPr>
         <p:spPr>
           <a:xfrm>
-            <a:off x="4648200" y="1600200"/>
-            <a:ext cx="4038600" cy="4525963"/>
+            <a:off x="5577840" y="1600202"/>
+            <a:ext cx="4846320" cy="4525963"/>
           </a:xfrm>
         </p:spPr>
         <p:txBody>
@@ -1342,7 +1342,7 @@
           <a:p>
             <a:fld id="{D1329CB7-D74C-47FA-A22A-C6A2E8AA6A2B}" type="datetimeFigureOut">
               <a:rPr lang="he-IL" smtClean="0"/>
-              <a:t>ג'/אלול/תשע"ב</a:t>
+              <a:t>ה'/אלול/תשע"ב</a:t>
             </a:fld>
             <a:endParaRPr lang="he-IL"/>
           </a:p>
@@ -1459,8 +1459,8 @@
         </p:nvSpPr>
         <p:spPr>
           <a:xfrm>
-            <a:off x="457200" y="1535113"/>
-            <a:ext cx="4040188" cy="639762"/>
+            <a:off x="548640" y="1535114"/>
+            <a:ext cx="4848226" cy="639763"/>
           </a:xfrm>
         </p:spPr>
         <p:txBody>
@@ -1524,8 +1524,8 @@
         </p:nvSpPr>
         <p:spPr>
           <a:xfrm>
-            <a:off x="457200" y="2174875"/>
-            <a:ext cx="4040188" cy="3951288"/>
+            <a:off x="548640" y="2174875"/>
+            <a:ext cx="4848226" cy="3951288"/>
           </a:xfrm>
         </p:spPr>
         <p:txBody>
@@ -1609,8 +1609,8 @@
         </p:nvSpPr>
         <p:spPr>
           <a:xfrm>
-            <a:off x="4645025" y="1535113"/>
-            <a:ext cx="4041775" cy="639762"/>
+            <a:off x="5574033" y="1535114"/>
+            <a:ext cx="4850130" cy="639763"/>
           </a:xfrm>
         </p:spPr>
         <p:txBody>
@@ -1674,8 +1674,8 @@
         </p:nvSpPr>
         <p:spPr>
           <a:xfrm>
-            <a:off x="4645025" y="2174875"/>
-            <a:ext cx="4041775" cy="3951288"/>
+            <a:off x="5574033" y="2174875"/>
+            <a:ext cx="4850130" cy="3951288"/>
           </a:xfrm>
         </p:spPr>
         <p:txBody>
@@ -1764,7 +1764,7 @@
           <a:p>
             <a:fld id="{D1329CB7-D74C-47FA-A22A-C6A2E8AA6A2B}" type="datetimeFigureOut">
               <a:rPr lang="he-IL" smtClean="0"/>
-              <a:t>ג'/אלול/תשע"ב</a:t>
+              <a:t>ה'/אלול/תשע"ב</a:t>
             </a:fld>
             <a:endParaRPr lang="he-IL"/>
           </a:p>
@@ -1882,7 +1882,7 @@
           <a:p>
             <a:fld id="{D1329CB7-D74C-47FA-A22A-C6A2E8AA6A2B}" type="datetimeFigureOut">
               <a:rPr lang="he-IL" smtClean="0"/>
-              <a:t>ג'/אלול/תשע"ב</a:t>
+              <a:t>ה'/אלול/תשע"ב</a:t>
             </a:fld>
             <a:endParaRPr lang="he-IL"/>
           </a:p>
@@ -1977,7 +1977,7 @@
           <a:p>
             <a:fld id="{D1329CB7-D74C-47FA-A22A-C6A2E8AA6A2B}" type="datetimeFigureOut">
               <a:rPr lang="he-IL" smtClean="0"/>
-              <a:t>ג'/אלול/תשע"ב</a:t>
+              <a:t>ה'/אלול/תשע"ב</a:t>
             </a:fld>
             <a:endParaRPr lang="he-IL"/>
           </a:p>
@@ -2067,8 +2067,8 @@
         </p:nvSpPr>
         <p:spPr>
           <a:xfrm>
-            <a:off x="457200" y="273050"/>
-            <a:ext cx="3008313" cy="1162050"/>
+            <a:off x="548643" y="273050"/>
+            <a:ext cx="3609976" cy="1162051"/>
           </a:xfrm>
         </p:spPr>
         <p:txBody>
@@ -2099,8 +2099,8 @@
         </p:nvSpPr>
         <p:spPr>
           <a:xfrm>
-            <a:off x="3575050" y="273050"/>
-            <a:ext cx="5111750" cy="5853113"/>
+            <a:off x="4290060" y="273052"/>
+            <a:ext cx="6134100" cy="5853113"/>
           </a:xfrm>
         </p:spPr>
         <p:txBody>
@@ -2184,8 +2184,8 @@
         </p:nvSpPr>
         <p:spPr>
           <a:xfrm>
-            <a:off x="457200" y="1435100"/>
-            <a:ext cx="3008313" cy="4691063"/>
+            <a:off x="548643" y="1435102"/>
+            <a:ext cx="3609976" cy="4691063"/>
           </a:xfrm>
         </p:spPr>
         <p:txBody>
@@ -2254,7 +2254,7 @@
           <a:p>
             <a:fld id="{D1329CB7-D74C-47FA-A22A-C6A2E8AA6A2B}" type="datetimeFigureOut">
               <a:rPr lang="he-IL" smtClean="0"/>
-              <a:t>ג'/אלול/תשע"ב</a:t>
+              <a:t>ה'/אלול/תשע"ב</a:t>
             </a:fld>
             <a:endParaRPr lang="he-IL"/>
           </a:p>
@@ -2344,8 +2344,8 @@
         </p:nvSpPr>
         <p:spPr>
           <a:xfrm>
-            <a:off x="1792288" y="4800600"/>
-            <a:ext cx="5486400" cy="566738"/>
+            <a:off x="2150746" y="4800601"/>
+            <a:ext cx="6583680" cy="566739"/>
           </a:xfrm>
         </p:spPr>
         <p:txBody>
@@ -2376,8 +2376,8 @@
         </p:nvSpPr>
         <p:spPr>
           <a:xfrm>
-            <a:off x="1792288" y="612775"/>
-            <a:ext cx="5486400" cy="4114800"/>
+            <a:off x="2150746" y="612775"/>
+            <a:ext cx="6583680" cy="4114800"/>
           </a:xfrm>
         </p:spPr>
         <p:txBody>
@@ -2437,8 +2437,8 @@
         </p:nvSpPr>
         <p:spPr>
           <a:xfrm>
-            <a:off x="1792288" y="5367338"/>
-            <a:ext cx="5486400" cy="804862"/>
+            <a:off x="2150746" y="5367339"/>
+            <a:ext cx="6583680" cy="804863"/>
           </a:xfrm>
         </p:spPr>
         <p:txBody>
@@ -2507,7 +2507,7 @@
           <a:p>
             <a:fld id="{D1329CB7-D74C-47FA-A22A-C6A2E8AA6A2B}" type="datetimeFigureOut">
               <a:rPr lang="he-IL" smtClean="0"/>
-              <a:t>ג'/אלול/תשע"ב</a:t>
+              <a:t>ה'/אלול/תשע"ב</a:t>
             </a:fld>
             <a:endParaRPr lang="he-IL"/>
           </a:p>
@@ -2602,8 +2602,8 @@
         </p:nvSpPr>
         <p:spPr>
           <a:xfrm>
-            <a:off x="457200" y="274638"/>
-            <a:ext cx="8229600" cy="1143000"/>
+            <a:off x="548640" y="274637"/>
+            <a:ext cx="9875520" cy="1143000"/>
           </a:xfrm>
           <a:prstGeom prst="rect">
             <a:avLst/>
@@ -2635,8 +2635,8 @@
         </p:nvSpPr>
         <p:spPr>
           <a:xfrm>
-            <a:off x="457200" y="1600200"/>
-            <a:ext cx="8229600" cy="4525963"/>
+            <a:off x="548640" y="1600202"/>
+            <a:ext cx="9875520" cy="4525963"/>
           </a:xfrm>
           <a:prstGeom prst="rect">
             <a:avLst/>
@@ -2697,8 +2697,8 @@
         </p:nvSpPr>
         <p:spPr>
           <a:xfrm>
-            <a:off x="6553200" y="6356350"/>
-            <a:ext cx="2133600" cy="365125"/>
+            <a:off x="7863840" y="6356352"/>
+            <a:ext cx="2560320" cy="365125"/>
           </a:xfrm>
           <a:prstGeom prst="rect">
             <a:avLst/>
@@ -2720,7 +2720,7 @@
           <a:p>
             <a:fld id="{D1329CB7-D74C-47FA-A22A-C6A2E8AA6A2B}" type="datetimeFigureOut">
               <a:rPr lang="he-IL" smtClean="0"/>
-              <a:t>ג'/אלול/תשע"ב</a:t>
+              <a:t>ה'/אלול/תשע"ב</a:t>
             </a:fld>
             <a:endParaRPr lang="he-IL"/>
           </a:p>
@@ -2738,8 +2738,8 @@
         </p:nvSpPr>
         <p:spPr>
           <a:xfrm>
-            <a:off x="3124200" y="6356350"/>
-            <a:ext cx="2895600" cy="365125"/>
+            <a:off x="3749040" y="6356352"/>
+            <a:ext cx="3474720" cy="365125"/>
           </a:xfrm>
           <a:prstGeom prst="rect">
             <a:avLst/>
@@ -2775,8 +2775,8 @@
         </p:nvSpPr>
         <p:spPr>
           <a:xfrm>
-            <a:off x="457200" y="6356350"/>
-            <a:ext cx="2133600" cy="365125"/>
+            <a:off x="548640" y="6356352"/>
+            <a:ext cx="2560320" cy="365125"/>
           </a:xfrm>
           <a:prstGeom prst="rect">
             <a:avLst/>
@@ -3103,8 +3103,8 @@
         </p:nvSpPr>
         <p:spPr>
           <a:xfrm>
-            <a:off x="1194251" y="478229"/>
-            <a:ext cx="1224136" cy="1224136"/>
+            <a:off x="1433101" y="478229"/>
+            <a:ext cx="1468963" cy="1224136"/>
           </a:xfrm>
           <a:prstGeom prst="ellipse">
             <a:avLst/>
@@ -3145,8 +3145,8 @@
         </p:nvSpPr>
         <p:spPr>
           <a:xfrm>
-            <a:off x="5364088" y="705816"/>
-            <a:ext cx="1584176" cy="1224136"/>
+            <a:off x="6263146" y="356860"/>
+            <a:ext cx="1901011" cy="1224136"/>
           </a:xfrm>
           <a:prstGeom prst="ellipse">
             <a:avLst/>
@@ -3187,8 +3187,8 @@
         </p:nvSpPr>
         <p:spPr>
           <a:xfrm>
-            <a:off x="6826572" y="2438768"/>
-            <a:ext cx="1384666" cy="1224136"/>
+            <a:off x="8814765" y="2897227"/>
+            <a:ext cx="1324911" cy="1224136"/>
           </a:xfrm>
           <a:prstGeom prst="ellipse">
             <a:avLst/>
@@ -3233,8 +3233,8 @@
         </p:nvSpPr>
         <p:spPr>
           <a:xfrm>
-            <a:off x="5602436" y="4509120"/>
-            <a:ext cx="1345828" cy="1224136"/>
+            <a:off x="6722923" y="4509120"/>
+            <a:ext cx="1614994" cy="1224136"/>
           </a:xfrm>
           <a:prstGeom prst="ellipse">
             <a:avLst/>
@@ -3275,8 +3275,8 @@
         </p:nvSpPr>
         <p:spPr>
           <a:xfrm>
-            <a:off x="1329898" y="2924944"/>
-            <a:ext cx="1656184" cy="1224136"/>
+            <a:off x="1595878" y="2924944"/>
+            <a:ext cx="1987421" cy="1224136"/>
           </a:xfrm>
           <a:prstGeom prst="ellipse">
             <a:avLst/>
@@ -3325,8 +3325,8 @@
         </p:nvSpPr>
         <p:spPr>
           <a:xfrm>
-            <a:off x="2157990" y="4581128"/>
-            <a:ext cx="2088232" cy="1224136"/>
+            <a:off x="2589588" y="4581128"/>
+            <a:ext cx="2505878" cy="1224136"/>
           </a:xfrm>
           <a:prstGeom prst="ellipse">
             <a:avLst/>
@@ -3369,13 +3369,13 @@
           <p:nvPr/>
         </p:nvCxnSpPr>
         <p:spPr>
-          <a:xfrm rot="16200000" flipH="1">
-            <a:off x="3803806" y="-907191"/>
-            <a:ext cx="227587" cy="3356969"/>
+          <a:xfrm rot="5400000" flipH="1" flipV="1">
+            <a:off x="4553559" y="-1330484"/>
+            <a:ext cx="121369" cy="3854603"/>
           </a:xfrm>
           <a:prstGeom prst="curvedConnector3">
             <a:avLst>
-              <a:gd name="adj1" fmla="val -179215"/>
+              <a:gd name="adj1" fmla="val 436059"/>
             </a:avLst>
           </a:prstGeom>
           <a:ln>
@@ -3407,8 +3407,8 @@
         </p:nvCxnSpPr>
         <p:spPr>
           <a:xfrm rot="10800000">
-            <a:off x="4246223" y="5193197"/>
-            <a:ext cx="1356213" cy="14897"/>
+            <a:off x="5095470" y="5193199"/>
+            <a:ext cx="1627456" cy="14897"/>
           </a:xfrm>
           <a:prstGeom prst="curvedConnector3">
             <a:avLst>
@@ -3444,8 +3444,8 @@
         </p:nvCxnSpPr>
         <p:spPr>
           <a:xfrm rot="5400000">
-            <a:off x="6445614" y="4165556"/>
-            <a:ext cx="1458283" cy="452981"/>
+            <a:off x="7880567" y="4120259"/>
+            <a:ext cx="1458283" cy="543577"/>
           </a:xfrm>
           <a:prstGeom prst="curvedConnector2">
             <a:avLst/>
@@ -3473,18 +3473,19 @@
         <p:nvCxnSpPr>
           <p:cNvPr id="17" name="Curved Connector 16"/>
           <p:cNvCxnSpPr>
-            <a:endCxn id="6" idx="7"/>
+            <a:stCxn id="23" idx="6"/>
+            <a:endCxn id="6" idx="6"/>
           </p:cNvCxnSpPr>
           <p:nvPr/>
         </p:nvCxnSpPr>
         <p:spPr>
-          <a:xfrm rot="16200000" flipH="1">
-            <a:off x="6891969" y="1501550"/>
-            <a:ext cx="1136030" cy="1096948"/>
+          <a:xfrm>
+            <a:off x="9645565" y="2193064"/>
+            <a:ext cx="494111" cy="1316231"/>
           </a:xfrm>
           <a:prstGeom prst="curvedConnector3">
             <a:avLst>
-              <a:gd name="adj1" fmla="val 50000"/>
+              <a:gd name="adj1" fmla="val 146265"/>
             </a:avLst>
           </a:prstGeom>
           <a:ln>
@@ -3517,8 +3518,8 @@
         </p:nvCxnSpPr>
         <p:spPr>
           <a:xfrm rot="10800000">
-            <a:off x="1572442" y="3969810"/>
-            <a:ext cx="585549" cy="1223387"/>
+            <a:off x="1886933" y="3969811"/>
+            <a:ext cx="702659" cy="1223387"/>
           </a:xfrm>
           <a:prstGeom prst="curvedConnector2">
             <a:avLst/>
@@ -3545,19 +3546,17 @@
       <p:cxnSp>
         <p:nvCxnSpPr>
           <p:cNvPr id="24" name="Curved Connector 23"/>
-          <p:cNvCxnSpPr>
-            <a:endCxn id="23" idx="2"/>
-          </p:cNvCxnSpPr>
+          <p:cNvCxnSpPr/>
           <p:nvPr/>
         </p:nvCxnSpPr>
         <p:spPr>
           <a:xfrm flipV="1">
-            <a:off x="2064180" y="2102761"/>
-            <a:ext cx="1571716" cy="851262"/>
+            <a:off x="3288565" y="2539447"/>
+            <a:ext cx="4875594" cy="550607"/>
           </a:xfrm>
           <a:prstGeom prst="curvedConnector3">
             <a:avLst>
-              <a:gd name="adj1" fmla="val 50000"/>
+              <a:gd name="adj1" fmla="val 27870"/>
             </a:avLst>
           </a:prstGeom>
           <a:ln>
@@ -3589,8 +3588,8 @@
         </p:nvCxnSpPr>
         <p:spPr>
           <a:xfrm rot="10800000" flipV="1">
-            <a:off x="2986082" y="3356994"/>
-            <a:ext cx="3925430" cy="180018"/>
+            <a:off x="3583298" y="3356994"/>
+            <a:ext cx="4710516" cy="180019"/>
           </a:xfrm>
           <a:prstGeom prst="curvedConnector3">
             <a:avLst>
@@ -3620,14 +3619,15 @@
         <p:nvCxnSpPr>
           <p:cNvPr id="41" name="Curved Connector 40"/>
           <p:cNvCxnSpPr>
+            <a:stCxn id="23" idx="2"/>
             <a:endCxn id="4" idx="6"/>
           </p:cNvCxnSpPr>
           <p:nvPr/>
         </p:nvCxnSpPr>
         <p:spPr>
           <a:xfrm rot="10800000">
-            <a:off x="2418388" y="1090297"/>
-            <a:ext cx="1361525" cy="612068"/>
+            <a:off x="2902065" y="1090298"/>
+            <a:ext cx="5064121" cy="1102767"/>
           </a:xfrm>
           <a:prstGeom prst="curvedConnector3">
             <a:avLst>
@@ -3661,8 +3661,8 @@
         </p:nvSpPr>
         <p:spPr>
           <a:xfrm>
-            <a:off x="3203849" y="244589"/>
-            <a:ext cx="1152128" cy="369332"/>
+            <a:off x="3844619" y="244589"/>
+            <a:ext cx="1382554" cy="369332"/>
           </a:xfrm>
           <a:prstGeom prst="rect">
             <a:avLst/>
@@ -3690,8 +3690,8 @@
         </p:nvSpPr>
         <p:spPr>
           <a:xfrm>
-            <a:off x="2858486" y="1211664"/>
-            <a:ext cx="1152128" cy="369332"/>
+            <a:off x="3430183" y="1211664"/>
+            <a:ext cx="1382554" cy="369332"/>
           </a:xfrm>
           <a:prstGeom prst="rect">
             <a:avLst/>
@@ -3719,8 +3719,8 @@
         </p:nvSpPr>
         <p:spPr>
           <a:xfrm>
-            <a:off x="7345637" y="4149080"/>
-            <a:ext cx="2211322" cy="738664"/>
+            <a:off x="8812883" y="4212171"/>
+            <a:ext cx="2653586" cy="553998"/>
           </a:xfrm>
           <a:prstGeom prst="rect">
             <a:avLst/>
@@ -3799,8 +3799,8 @@
         </p:nvSpPr>
         <p:spPr>
           <a:xfrm>
-            <a:off x="3635896" y="2924944"/>
-            <a:ext cx="2211322" cy="861774"/>
+            <a:off x="4463165" y="3259589"/>
+            <a:ext cx="2653586" cy="861774"/>
           </a:xfrm>
           <a:prstGeom prst="rect">
             <a:avLst/>
@@ -3849,8 +3849,8 @@
         </p:nvSpPr>
         <p:spPr>
           <a:xfrm>
-            <a:off x="4340553" y="5301208"/>
-            <a:ext cx="1261882" cy="276999"/>
+            <a:off x="5208664" y="5301211"/>
+            <a:ext cx="1514258" cy="276999"/>
           </a:xfrm>
           <a:prstGeom prst="rect">
             <a:avLst/>
@@ -3884,7 +3884,7 @@
         </p:nvSpPr>
         <p:spPr>
           <a:xfrm>
-            <a:off x="611560" y="4797152"/>
+            <a:off x="955243" y="4797155"/>
             <a:ext cx="1106841" cy="276999"/>
           </a:xfrm>
           <a:prstGeom prst="rect">
@@ -3919,8 +3919,8 @@
         </p:nvSpPr>
         <p:spPr>
           <a:xfrm>
-            <a:off x="-1742" y="0"/>
-            <a:ext cx="1331640" cy="646331"/>
+            <a:off x="-2090" y="2"/>
+            <a:ext cx="1597968" cy="646331"/>
           </a:xfrm>
           <a:prstGeom prst="rect">
             <a:avLst/>
@@ -3941,11 +3941,7 @@
             <a:pPr algn="l" rtl="0"/>
             <a:r>
               <a:rPr lang="en-US" dirty="0" smtClean="0"/>
-              <a:t>Image </a:t>
-            </a:r>
-            <a:r>
-              <a:rPr lang="en-US" dirty="0" smtClean="0"/>
-              <a:t>Man Top - FSM</a:t>
+              <a:t>Image Man Top - FSM</a:t>
             </a:r>
             <a:endParaRPr lang="he-IL" dirty="0"/>
           </a:p>
@@ -3959,8 +3955,8 @@
         </p:nvSpPr>
         <p:spPr>
           <a:xfrm>
-            <a:off x="3635896" y="1490693"/>
-            <a:ext cx="1584176" cy="1224136"/>
+            <a:off x="7966185" y="1580996"/>
+            <a:ext cx="1679380" cy="1224136"/>
           </a:xfrm>
           <a:prstGeom prst="ellipse">
             <a:avLst/>
@@ -3995,18 +3991,21 @@
       </p:sp>
       <p:cxnSp>
         <p:nvCxnSpPr>
-          <p:cNvPr id="28" name="Curved Connector 27"/>
-          <p:cNvCxnSpPr/>
+          <p:cNvPr id="30" name="Curved Connector 29"/>
+          <p:cNvCxnSpPr>
+            <a:stCxn id="5" idx="7"/>
+            <a:endCxn id="23" idx="0"/>
+          </p:cNvCxnSpPr>
           <p:nvPr/>
         </p:nvCxnSpPr>
         <p:spPr>
-          <a:xfrm>
-            <a:off x="5234227" y="2043636"/>
-            <a:ext cx="1714038" cy="671193"/>
+          <a:xfrm rot="16200000" flipH="1">
+            <a:off x="7823384" y="598506"/>
+            <a:ext cx="1044865" cy="920115"/>
           </a:xfrm>
           <a:prstGeom prst="curvedConnector3">
             <a:avLst>
-              <a:gd name="adj1" fmla="val 50000"/>
+              <a:gd name="adj1" fmla="val 3262"/>
             </a:avLst>
           </a:prstGeom>
           <a:ln>
@@ -4028,6 +4027,87 @@
           </a:fontRef>
         </p:style>
       </p:cxnSp>
+      <p:sp>
+        <p:nvSpPr>
+          <p:cNvPr id="38" name="TextBox 37"/>
+          <p:cNvSpPr txBox="1"/>
+          <p:nvPr/>
+        </p:nvSpPr>
+        <p:spPr>
+          <a:xfrm>
+            <a:off x="9903772" y="1800782"/>
+            <a:ext cx="2653586" cy="553998"/>
+          </a:xfrm>
+          <a:prstGeom prst="rect">
+            <a:avLst/>
+          </a:prstGeom>
+          <a:noFill/>
+        </p:spPr>
+        <p:txBody>
+          <a:bodyPr wrap="square" rtlCol="1">
+            <a:spAutoFit/>
+          </a:bodyPr>
+          <a:lstStyle/>
+          <a:p>
+            <a:pPr algn="l"/>
+            <a:r>
+              <a:rPr lang="en-US" smtClean="0"/>
+              <a:t>One incremented</a:t>
+            </a:r>
+            <a:endParaRPr lang="en-US" dirty="0" smtClean="0"/>
+          </a:p>
+          <a:p>
+            <a:pPr algn="l"/>
+            <a:r>
+              <a:rPr lang="en-US" sz="1200" dirty="0" smtClean="0">
+                <a:solidFill>
+                  <a:schemeClr val="accent3">
+                    <a:lumMod val="50000"/>
+                  </a:schemeClr>
+                </a:solidFill>
+              </a:rPr>
+              <a:t>returns 4 pixel </a:t>
+            </a:r>
+            <a:r>
+              <a:rPr lang="en-US" sz="1200" dirty="0" err="1" smtClean="0">
+                <a:solidFill>
+                  <a:schemeClr val="accent3">
+                    <a:lumMod val="50000"/>
+                  </a:schemeClr>
+                </a:solidFill>
+              </a:rPr>
+              <a:t>addr</a:t>
+            </a:r>
+            <a:r>
+              <a:rPr lang="en-US" sz="1200" dirty="0" smtClean="0">
+                <a:solidFill>
+                  <a:schemeClr val="accent3">
+                    <a:lumMod val="50000"/>
+                  </a:schemeClr>
+                </a:solidFill>
+              </a:rPr>
+              <a:t> + 2 weight </a:t>
+            </a:r>
+            <a:r>
+              <a:rPr lang="en-US" sz="1200" dirty="0" err="1" smtClean="0">
+                <a:solidFill>
+                  <a:schemeClr val="accent3">
+                    <a:lumMod val="50000"/>
+                  </a:schemeClr>
+                </a:solidFill>
+              </a:rPr>
+              <a:t>fracs</a:t>
+            </a:r>
+            <a:endParaRPr lang="en-US" sz="1400" dirty="0" smtClean="0">
+              <a:solidFill>
+                <a:schemeClr val="accent3">
+                  <a:lumMod val="50000"/>
+                </a:schemeClr>
+              </a:solidFill>
+            </a:endParaRPr>
+          </a:p>
+        </p:txBody>
+      </p:sp>
     </p:spTree>
     <p:extLst>
       <p:ext uri="{BB962C8B-B14F-4D97-AF65-F5344CB8AC3E}">

--- a/Presentation/Img Man Top FSM.pptx
+++ b/Presentation/Img Man Top FSM.pptx
@@ -288,7 +288,7 @@
           <a:p>
             <a:fld id="{D1329CB7-D74C-47FA-A22A-C6A2E8AA6A2B}" type="datetimeFigureOut">
               <a:rPr lang="he-IL" smtClean="0"/>
-              <a:t>ה'/אלול/תשע"ב</a:t>
+              <a:t>ט'/אלול/תשע"ב</a:t>
             </a:fld>
             <a:endParaRPr lang="he-IL"/>
           </a:p>
@@ -458,7 +458,7 @@
           <a:p>
             <a:fld id="{D1329CB7-D74C-47FA-A22A-C6A2E8AA6A2B}" type="datetimeFigureOut">
               <a:rPr lang="he-IL" smtClean="0"/>
-              <a:t>ה'/אלול/תשע"ב</a:t>
+              <a:t>ט'/אלול/תשע"ב</a:t>
             </a:fld>
             <a:endParaRPr lang="he-IL"/>
           </a:p>
@@ -638,7 +638,7 @@
           <a:p>
             <a:fld id="{D1329CB7-D74C-47FA-A22A-C6A2E8AA6A2B}" type="datetimeFigureOut">
               <a:rPr lang="he-IL" smtClean="0"/>
-              <a:t>ה'/אלול/תשע"ב</a:t>
+              <a:t>ט'/אלול/תשע"ב</a:t>
             </a:fld>
             <a:endParaRPr lang="he-IL"/>
           </a:p>
@@ -808,7 +808,7 @@
           <a:p>
             <a:fld id="{D1329CB7-D74C-47FA-A22A-C6A2E8AA6A2B}" type="datetimeFigureOut">
               <a:rPr lang="he-IL" smtClean="0"/>
-              <a:t>ה'/אלול/תשע"ב</a:t>
+              <a:t>ט'/אלול/תשע"ב</a:t>
             </a:fld>
             <a:endParaRPr lang="he-IL"/>
           </a:p>
@@ -1054,7 +1054,7 @@
           <a:p>
             <a:fld id="{D1329CB7-D74C-47FA-A22A-C6A2E8AA6A2B}" type="datetimeFigureOut">
               <a:rPr lang="he-IL" smtClean="0"/>
-              <a:t>ה'/אלול/תשע"ב</a:t>
+              <a:t>ט'/אלול/תשע"ב</a:t>
             </a:fld>
             <a:endParaRPr lang="he-IL"/>
           </a:p>
@@ -1342,7 +1342,7 @@
           <a:p>
             <a:fld id="{D1329CB7-D74C-47FA-A22A-C6A2E8AA6A2B}" type="datetimeFigureOut">
               <a:rPr lang="he-IL" smtClean="0"/>
-              <a:t>ה'/אלול/תשע"ב</a:t>
+              <a:t>ט'/אלול/תשע"ב</a:t>
             </a:fld>
             <a:endParaRPr lang="he-IL"/>
           </a:p>
@@ -1764,7 +1764,7 @@
           <a:p>
             <a:fld id="{D1329CB7-D74C-47FA-A22A-C6A2E8AA6A2B}" type="datetimeFigureOut">
               <a:rPr lang="he-IL" smtClean="0"/>
-              <a:t>ה'/אלול/תשע"ב</a:t>
+              <a:t>ט'/אלול/תשע"ב</a:t>
             </a:fld>
             <a:endParaRPr lang="he-IL"/>
           </a:p>
@@ -1882,7 +1882,7 @@
           <a:p>
             <a:fld id="{D1329CB7-D74C-47FA-A22A-C6A2E8AA6A2B}" type="datetimeFigureOut">
               <a:rPr lang="he-IL" smtClean="0"/>
-              <a:t>ה'/אלול/תשע"ב</a:t>
+              <a:t>ט'/אלול/תשע"ב</a:t>
             </a:fld>
             <a:endParaRPr lang="he-IL"/>
           </a:p>
@@ -1977,7 +1977,7 @@
           <a:p>
             <a:fld id="{D1329CB7-D74C-47FA-A22A-C6A2E8AA6A2B}" type="datetimeFigureOut">
               <a:rPr lang="he-IL" smtClean="0"/>
-              <a:t>ה'/אלול/תשע"ב</a:t>
+              <a:t>ט'/אלול/תשע"ב</a:t>
             </a:fld>
             <a:endParaRPr lang="he-IL"/>
           </a:p>
@@ -2254,7 +2254,7 @@
           <a:p>
             <a:fld id="{D1329CB7-D74C-47FA-A22A-C6A2E8AA6A2B}" type="datetimeFigureOut">
               <a:rPr lang="he-IL" smtClean="0"/>
-              <a:t>ה'/אלול/תשע"ב</a:t>
+              <a:t>ט'/אלול/תשע"ב</a:t>
             </a:fld>
             <a:endParaRPr lang="he-IL"/>
           </a:p>
@@ -2507,7 +2507,7 @@
           <a:p>
             <a:fld id="{D1329CB7-D74C-47FA-A22A-C6A2E8AA6A2B}" type="datetimeFigureOut">
               <a:rPr lang="he-IL" smtClean="0"/>
-              <a:t>ה'/אלול/תשע"ב</a:t>
+              <a:t>ט'/אלול/תשע"ב</a:t>
             </a:fld>
             <a:endParaRPr lang="he-IL"/>
           </a:p>
@@ -2720,7 +2720,7 @@
           <a:p>
             <a:fld id="{D1329CB7-D74C-47FA-A22A-C6A2E8AA6A2B}" type="datetimeFigureOut">
               <a:rPr lang="he-IL" smtClean="0"/>
-              <a:t>ה'/אלול/תשע"ב</a:t>
+              <a:t>ט'/אלול/תשע"ב</a:t>
             </a:fld>
             <a:endParaRPr lang="he-IL"/>
           </a:p>
@@ -3361,190 +3361,6 @@
       </p:sp>
       <p:cxnSp>
         <p:nvCxnSpPr>
-          <p:cNvPr id="13" name="Curved Connector 12"/>
-          <p:cNvCxnSpPr>
-            <a:stCxn id="4" idx="7"/>
-            <a:endCxn id="5" idx="1"/>
-          </p:cNvCxnSpPr>
-          <p:nvPr/>
-        </p:nvCxnSpPr>
-        <p:spPr>
-          <a:xfrm rot="5400000" flipH="1" flipV="1">
-            <a:off x="4553559" y="-1330484"/>
-            <a:ext cx="121369" cy="3854603"/>
-          </a:xfrm>
-          <a:prstGeom prst="curvedConnector3">
-            <a:avLst>
-              <a:gd name="adj1" fmla="val 436059"/>
-            </a:avLst>
-          </a:prstGeom>
-          <a:ln>
-            <a:tailEnd type="arrow"/>
-          </a:ln>
-        </p:spPr>
-        <p:style>
-          <a:lnRef idx="3">
-            <a:schemeClr val="dk1"/>
-          </a:lnRef>
-          <a:fillRef idx="0">
-            <a:schemeClr val="dk1"/>
-          </a:fillRef>
-          <a:effectRef idx="2">
-            <a:schemeClr val="dk1"/>
-          </a:effectRef>
-          <a:fontRef idx="minor">
-            <a:schemeClr val="tx1"/>
-          </a:fontRef>
-        </p:style>
-      </p:cxnSp>
-      <p:cxnSp>
-        <p:nvCxnSpPr>
-          <p:cNvPr id="15" name="Curved Connector 14"/>
-          <p:cNvCxnSpPr>
-            <a:endCxn id="9" idx="6"/>
-          </p:cNvCxnSpPr>
-          <p:nvPr/>
-        </p:nvCxnSpPr>
-        <p:spPr>
-          <a:xfrm rot="10800000">
-            <a:off x="5095470" y="5193199"/>
-            <a:ext cx="1627456" cy="14897"/>
-          </a:xfrm>
-          <a:prstGeom prst="curvedConnector3">
-            <a:avLst>
-              <a:gd name="adj1" fmla="val 50000"/>
-            </a:avLst>
-          </a:prstGeom>
-          <a:ln>
-            <a:tailEnd type="arrow"/>
-          </a:ln>
-        </p:spPr>
-        <p:style>
-          <a:lnRef idx="3">
-            <a:schemeClr val="dk1"/>
-          </a:lnRef>
-          <a:fillRef idx="0">
-            <a:schemeClr val="dk1"/>
-          </a:fillRef>
-          <a:effectRef idx="2">
-            <a:schemeClr val="dk1"/>
-          </a:effectRef>
-          <a:fontRef idx="minor">
-            <a:schemeClr val="tx1"/>
-          </a:fontRef>
-        </p:style>
-      </p:cxnSp>
-      <p:cxnSp>
-        <p:nvCxnSpPr>
-          <p:cNvPr id="16" name="Curved Connector 15"/>
-          <p:cNvCxnSpPr>
-            <a:endCxn id="7" idx="6"/>
-          </p:cNvCxnSpPr>
-          <p:nvPr/>
-        </p:nvCxnSpPr>
-        <p:spPr>
-          <a:xfrm rot="5400000">
-            <a:off x="7880567" y="4120259"/>
-            <a:ext cx="1458283" cy="543577"/>
-          </a:xfrm>
-          <a:prstGeom prst="curvedConnector2">
-            <a:avLst/>
-          </a:prstGeom>
-          <a:ln>
-            <a:tailEnd type="arrow"/>
-          </a:ln>
-        </p:spPr>
-        <p:style>
-          <a:lnRef idx="3">
-            <a:schemeClr val="dk1"/>
-          </a:lnRef>
-          <a:fillRef idx="0">
-            <a:schemeClr val="dk1"/>
-          </a:fillRef>
-          <a:effectRef idx="2">
-            <a:schemeClr val="dk1"/>
-          </a:effectRef>
-          <a:fontRef idx="minor">
-            <a:schemeClr val="tx1"/>
-          </a:fontRef>
-        </p:style>
-      </p:cxnSp>
-      <p:cxnSp>
-        <p:nvCxnSpPr>
-          <p:cNvPr id="17" name="Curved Connector 16"/>
-          <p:cNvCxnSpPr>
-            <a:stCxn id="23" idx="6"/>
-            <a:endCxn id="6" idx="6"/>
-          </p:cNvCxnSpPr>
-          <p:nvPr/>
-        </p:nvCxnSpPr>
-        <p:spPr>
-          <a:xfrm>
-            <a:off x="9645565" y="2193064"/>
-            <a:ext cx="494111" cy="1316231"/>
-          </a:xfrm>
-          <a:prstGeom prst="curvedConnector3">
-            <a:avLst>
-              <a:gd name="adj1" fmla="val 146265"/>
-            </a:avLst>
-          </a:prstGeom>
-          <a:ln>
-            <a:tailEnd type="arrow"/>
-          </a:ln>
-        </p:spPr>
-        <p:style>
-          <a:lnRef idx="3">
-            <a:schemeClr val="dk1"/>
-          </a:lnRef>
-          <a:fillRef idx="0">
-            <a:schemeClr val="dk1"/>
-          </a:fillRef>
-          <a:effectRef idx="2">
-            <a:schemeClr val="dk1"/>
-          </a:effectRef>
-          <a:fontRef idx="minor">
-            <a:schemeClr val="tx1"/>
-          </a:fontRef>
-        </p:style>
-      </p:cxnSp>
-      <p:cxnSp>
-        <p:nvCxnSpPr>
-          <p:cNvPr id="21" name="Curved Connector 20"/>
-          <p:cNvCxnSpPr>
-            <a:stCxn id="9" idx="2"/>
-            <a:endCxn id="8" idx="3"/>
-          </p:cNvCxnSpPr>
-          <p:nvPr/>
-        </p:nvCxnSpPr>
-        <p:spPr>
-          <a:xfrm rot="10800000">
-            <a:off x="1886933" y="3969811"/>
-            <a:ext cx="702659" cy="1223387"/>
-          </a:xfrm>
-          <a:prstGeom prst="curvedConnector2">
-            <a:avLst/>
-          </a:prstGeom>
-          <a:ln>
-            <a:tailEnd type="arrow"/>
-          </a:ln>
-        </p:spPr>
-        <p:style>
-          <a:lnRef idx="3">
-            <a:schemeClr val="dk1"/>
-          </a:lnRef>
-          <a:fillRef idx="0">
-            <a:schemeClr val="dk1"/>
-          </a:fillRef>
-          <a:effectRef idx="2">
-            <a:schemeClr val="dk1"/>
-          </a:effectRef>
-          <a:fontRef idx="minor">
-            <a:schemeClr val="tx1"/>
-          </a:fontRef>
-        </p:style>
-      </p:cxnSp>
-      <p:cxnSp>
-        <p:nvCxnSpPr>
           <p:cNvPr id="24" name="Curved Connector 23"/>
           <p:cNvCxnSpPr/>
           <p:nvPr/>
@@ -3578,339 +3394,577 @@
           </a:fontRef>
         </p:style>
       </p:cxnSp>
-      <p:cxnSp>
-        <p:nvCxnSpPr>
-          <p:cNvPr id="29" name="Curved Connector 28"/>
-          <p:cNvCxnSpPr>
-            <a:endCxn id="8" idx="6"/>
-          </p:cNvCxnSpPr>
+      <p:grpSp>
+        <p:nvGrpSpPr>
+          <p:cNvPr id="19" name="Group 18"/>
+          <p:cNvGrpSpPr/>
           <p:nvPr/>
-        </p:nvCxnSpPr>
-        <p:spPr>
-          <a:xfrm rot="10800000" flipV="1">
-            <a:off x="3583298" y="3356994"/>
-            <a:ext cx="4710516" cy="180019"/>
+        </p:nvGrpSpPr>
+        <p:grpSpPr>
+          <a:xfrm>
+            <a:off x="2686939" y="244589"/>
+            <a:ext cx="3735565" cy="646331"/>
+            <a:chOff x="2686939" y="244589"/>
+            <a:chExt cx="3735565" cy="646331"/>
           </a:xfrm>
-          <a:prstGeom prst="curvedConnector3">
-            <a:avLst>
-              <a:gd name="adj1" fmla="val 50000"/>
-            </a:avLst>
-          </a:prstGeom>
-          <a:ln>
-            <a:tailEnd type="arrow"/>
-          </a:ln>
-        </p:spPr>
-        <p:style>
-          <a:lnRef idx="3">
-            <a:schemeClr val="dk1"/>
-          </a:lnRef>
-          <a:fillRef idx="0">
-            <a:schemeClr val="dk1"/>
-          </a:fillRef>
-          <a:effectRef idx="2">
-            <a:schemeClr val="dk1"/>
-          </a:effectRef>
-          <a:fontRef idx="minor">
-            <a:schemeClr val="tx1"/>
-          </a:fontRef>
-        </p:style>
-      </p:cxnSp>
-      <p:cxnSp>
-        <p:nvCxnSpPr>
-          <p:cNvPr id="41" name="Curved Connector 40"/>
-          <p:cNvCxnSpPr>
-            <a:stCxn id="23" idx="2"/>
-            <a:endCxn id="4" idx="6"/>
-          </p:cNvCxnSpPr>
+        </p:grpSpPr>
+        <p:cxnSp>
+          <p:nvCxnSpPr>
+            <p:cNvPr id="13" name="Curved Connector 12"/>
+            <p:cNvCxnSpPr>
+              <a:stCxn id="4" idx="7"/>
+            </p:cNvCxnSpPr>
+            <p:nvPr/>
+          </p:nvCxnSpPr>
+          <p:spPr>
+            <a:xfrm rot="5400000" flipH="1" flipV="1">
+              <a:off x="4524380" y="-1240623"/>
+              <a:ext cx="60683" cy="3735565"/>
+            </a:xfrm>
+            <a:prstGeom prst="curvedConnector4">
+              <a:avLst>
+                <a:gd name="adj1" fmla="val 151552"/>
+                <a:gd name="adj2" fmla="val 52879"/>
+              </a:avLst>
+            </a:prstGeom>
+            <a:ln>
+              <a:tailEnd type="arrow"/>
+            </a:ln>
+          </p:spPr>
+          <p:style>
+            <a:lnRef idx="3">
+              <a:schemeClr val="dk1"/>
+            </a:lnRef>
+            <a:fillRef idx="0">
+              <a:schemeClr val="dk1"/>
+            </a:fillRef>
+            <a:effectRef idx="2">
+              <a:schemeClr val="dk1"/>
+            </a:effectRef>
+            <a:fontRef idx="minor">
+              <a:schemeClr val="tx1"/>
+            </a:fontRef>
+          </p:style>
+        </p:cxnSp>
+        <p:sp>
+          <p:nvSpPr>
+            <p:cNvPr id="46" name="TextBox 45"/>
+            <p:cNvSpPr txBox="1"/>
+            <p:nvPr/>
+          </p:nvSpPr>
+          <p:spPr>
+            <a:xfrm>
+              <a:off x="3844619" y="244589"/>
+              <a:ext cx="1382554" cy="646331"/>
+            </a:xfrm>
+            <a:prstGeom prst="rect">
+              <a:avLst/>
+            </a:prstGeom>
+            <a:noFill/>
+          </p:spPr>
+          <p:txBody>
+            <a:bodyPr wrap="square" rtlCol="1">
+              <a:spAutoFit/>
+            </a:bodyPr>
+            <a:lstStyle/>
+            <a:p>
+              <a:r>
+                <a:rPr lang="en-US" dirty="0" smtClean="0"/>
+                <a:t>Request trigger</a:t>
+              </a:r>
+              <a:endParaRPr lang="en-US" dirty="0" smtClean="0"/>
+            </a:p>
+          </p:txBody>
+        </p:sp>
+      </p:grpSp>
+      <p:grpSp>
+        <p:nvGrpSpPr>
+          <p:cNvPr id="18" name="Group 17"/>
+          <p:cNvGrpSpPr/>
           <p:nvPr/>
-        </p:nvCxnSpPr>
-        <p:spPr>
-          <a:xfrm rot="10800000">
+        </p:nvGrpSpPr>
+        <p:grpSpPr>
+          <a:xfrm>
             <a:off x="2902065" y="1090298"/>
             <a:ext cx="5064121" cy="1102767"/>
+            <a:chOff x="2902065" y="1090298"/>
+            <a:chExt cx="5064121" cy="1102767"/>
           </a:xfrm>
-          <a:prstGeom prst="curvedConnector3">
-            <a:avLst>
-              <a:gd name="adj1" fmla="val 50000"/>
-            </a:avLst>
-          </a:prstGeom>
-          <a:ln>
-            <a:tailEnd type="arrow"/>
-          </a:ln>
-        </p:spPr>
-        <p:style>
-          <a:lnRef idx="3">
-            <a:schemeClr val="dk1"/>
-          </a:lnRef>
-          <a:fillRef idx="0">
-            <a:schemeClr val="dk1"/>
-          </a:fillRef>
-          <a:effectRef idx="2">
-            <a:schemeClr val="dk1"/>
-          </a:effectRef>
-          <a:fontRef idx="minor">
-            <a:schemeClr val="tx1"/>
-          </a:fontRef>
-        </p:style>
-      </p:cxnSp>
-      <p:sp>
-        <p:nvSpPr>
-          <p:cNvPr id="46" name="TextBox 45"/>
-          <p:cNvSpPr txBox="1"/>
+        </p:grpSpPr>
+        <p:cxnSp>
+          <p:nvCxnSpPr>
+            <p:cNvPr id="41" name="Curved Connector 40"/>
+            <p:cNvCxnSpPr>
+              <a:stCxn id="23" idx="2"/>
+              <a:endCxn id="4" idx="6"/>
+            </p:cNvCxnSpPr>
+            <p:nvPr/>
+          </p:nvCxnSpPr>
+          <p:spPr>
+            <a:xfrm rot="10800000">
+              <a:off x="2902065" y="1090298"/>
+              <a:ext cx="5064121" cy="1102767"/>
+            </a:xfrm>
+            <a:prstGeom prst="curvedConnector3">
+              <a:avLst>
+                <a:gd name="adj1" fmla="val 50000"/>
+              </a:avLst>
+            </a:prstGeom>
+            <a:ln>
+              <a:tailEnd type="arrow"/>
+            </a:ln>
+          </p:spPr>
+          <p:style>
+            <a:lnRef idx="3">
+              <a:schemeClr val="dk1"/>
+            </a:lnRef>
+            <a:fillRef idx="0">
+              <a:schemeClr val="dk1"/>
+            </a:fillRef>
+            <a:effectRef idx="2">
+              <a:schemeClr val="dk1"/>
+            </a:effectRef>
+            <a:fontRef idx="minor">
+              <a:schemeClr val="tx1"/>
+            </a:fontRef>
+          </p:style>
+        </p:cxnSp>
+        <p:sp>
+          <p:nvSpPr>
+            <p:cNvPr id="47" name="TextBox 46"/>
+            <p:cNvSpPr txBox="1"/>
+            <p:nvPr/>
+          </p:nvSpPr>
+          <p:spPr>
+            <a:xfrm>
+              <a:off x="3430183" y="1211664"/>
+              <a:ext cx="1382554" cy="369332"/>
+            </a:xfrm>
+            <a:prstGeom prst="rect">
+              <a:avLst/>
+            </a:prstGeom>
+            <a:noFill/>
+          </p:spPr>
+          <p:txBody>
+            <a:bodyPr wrap="square" rtlCol="1">
+              <a:spAutoFit/>
+            </a:bodyPr>
+            <a:lstStyle/>
+            <a:p>
+              <a:r>
+                <a:rPr lang="en-US" dirty="0" smtClean="0"/>
+                <a:t>Finish</a:t>
+              </a:r>
+            </a:p>
+          </p:txBody>
+        </p:sp>
+      </p:grpSp>
+      <p:grpSp>
+        <p:nvGrpSpPr>
+          <p:cNvPr id="10" name="Group 9"/>
+          <p:cNvGrpSpPr/>
           <p:nvPr/>
-        </p:nvSpPr>
-        <p:spPr>
+        </p:nvGrpSpPr>
+        <p:grpSpPr>
           <a:xfrm>
-            <a:off x="3844619" y="244589"/>
-            <a:ext cx="1382554" cy="369332"/>
+            <a:off x="8337920" y="3662906"/>
+            <a:ext cx="3128549" cy="1458283"/>
+            <a:chOff x="8337920" y="3662906"/>
+            <a:chExt cx="3128549" cy="1458283"/>
           </a:xfrm>
-          <a:prstGeom prst="rect">
-            <a:avLst/>
-          </a:prstGeom>
-          <a:noFill/>
-        </p:spPr>
-        <p:txBody>
-          <a:bodyPr wrap="square" rtlCol="1">
-            <a:spAutoFit/>
-          </a:bodyPr>
-          <a:lstStyle/>
-          <a:p>
-            <a:r>
-              <a:rPr lang="en-US" dirty="0" smtClean="0"/>
-              <a:t>Start</a:t>
-            </a:r>
-          </a:p>
-        </p:txBody>
-      </p:sp>
-      <p:sp>
-        <p:nvSpPr>
-          <p:cNvPr id="47" name="TextBox 46"/>
-          <p:cNvSpPr txBox="1"/>
-          <p:nvPr/>
-        </p:nvSpPr>
-        <p:spPr>
-          <a:xfrm>
-            <a:off x="3430183" y="1211664"/>
-            <a:ext cx="1382554" cy="369332"/>
-          </a:xfrm>
-          <a:prstGeom prst="rect">
-            <a:avLst/>
-          </a:prstGeom>
-          <a:noFill/>
-        </p:spPr>
-        <p:txBody>
-          <a:bodyPr wrap="square" rtlCol="1">
-            <a:spAutoFit/>
-          </a:bodyPr>
-          <a:lstStyle/>
-          <a:p>
-            <a:r>
-              <a:rPr lang="en-US" dirty="0" smtClean="0"/>
-              <a:t>Finish</a:t>
-            </a:r>
-          </a:p>
-        </p:txBody>
-      </p:sp>
-      <p:sp>
-        <p:nvSpPr>
-          <p:cNvPr id="49" name="TextBox 48"/>
-          <p:cNvSpPr txBox="1"/>
-          <p:nvPr/>
-        </p:nvSpPr>
-        <p:spPr>
-          <a:xfrm>
-            <a:off x="8812883" y="4212171"/>
-            <a:ext cx="2653586" cy="553998"/>
-          </a:xfrm>
-          <a:prstGeom prst="rect">
-            <a:avLst/>
-          </a:prstGeom>
-          <a:noFill/>
-        </p:spPr>
-        <p:txBody>
-          <a:bodyPr wrap="square" rtlCol="1">
-            <a:spAutoFit/>
-          </a:bodyPr>
-          <a:lstStyle/>
-          <a:p>
-            <a:pPr algn="l"/>
-            <a:r>
-              <a:rPr lang="en-US" dirty="0" smtClean="0"/>
-              <a:t>Data Valid</a:t>
-            </a:r>
-          </a:p>
-          <a:p>
-            <a:pPr algn="l"/>
-            <a:r>
-              <a:rPr lang="en-US" sz="1200" dirty="0" smtClean="0">
+        </p:grpSpPr>
+        <p:cxnSp>
+          <p:nvCxnSpPr>
+            <p:cNvPr id="16" name="Curved Connector 15"/>
+            <p:cNvCxnSpPr>
+              <a:endCxn id="7" idx="6"/>
+            </p:cNvCxnSpPr>
+            <p:nvPr/>
+          </p:nvCxnSpPr>
+          <p:spPr>
+            <a:xfrm rot="5400000">
+              <a:off x="7880567" y="4120259"/>
+              <a:ext cx="1458283" cy="543577"/>
+            </a:xfrm>
+            <a:prstGeom prst="curvedConnector2">
+              <a:avLst/>
+            </a:prstGeom>
+            <a:ln>
+              <a:tailEnd type="arrow"/>
+            </a:ln>
+          </p:spPr>
+          <p:style>
+            <a:lnRef idx="3">
+              <a:schemeClr val="dk1"/>
+            </a:lnRef>
+            <a:fillRef idx="0">
+              <a:schemeClr val="dk1"/>
+            </a:fillRef>
+            <a:effectRef idx="2">
+              <a:schemeClr val="dk1"/>
+            </a:effectRef>
+            <a:fontRef idx="minor">
+              <a:schemeClr val="tx1"/>
+            </a:fontRef>
+          </p:style>
+        </p:cxnSp>
+        <p:sp>
+          <p:nvSpPr>
+            <p:cNvPr id="49" name="TextBox 48"/>
+            <p:cNvSpPr txBox="1"/>
+            <p:nvPr/>
+          </p:nvSpPr>
+          <p:spPr>
+            <a:xfrm>
+              <a:off x="8812883" y="4212171"/>
+              <a:ext cx="2653586" cy="553998"/>
+            </a:xfrm>
+            <a:prstGeom prst="rect">
+              <a:avLst/>
+            </a:prstGeom>
+            <a:noFill/>
+          </p:spPr>
+          <p:txBody>
+            <a:bodyPr wrap="square" rtlCol="1">
+              <a:spAutoFit/>
+            </a:bodyPr>
+            <a:lstStyle/>
+            <a:p>
+              <a:pPr algn="l"/>
+              <a:r>
+                <a:rPr lang="en-US" dirty="0" smtClean="0"/>
+                <a:t>Data Valid</a:t>
+              </a:r>
+            </a:p>
+            <a:p>
+              <a:pPr algn="l"/>
+              <a:r>
+                <a:rPr lang="en-US" sz="1200" dirty="0" smtClean="0">
+                  <a:solidFill>
+                    <a:schemeClr val="accent3">
+                      <a:lumMod val="50000"/>
+                    </a:schemeClr>
+                  </a:solidFill>
+                </a:rPr>
+                <a:t>returns 4 pixel </a:t>
+              </a:r>
+              <a:r>
+                <a:rPr lang="en-US" sz="1200" dirty="0" err="1" smtClean="0">
+                  <a:solidFill>
+                    <a:schemeClr val="accent3">
+                      <a:lumMod val="50000"/>
+                    </a:schemeClr>
+                  </a:solidFill>
+                </a:rPr>
+                <a:t>addr</a:t>
+              </a:r>
+              <a:r>
+                <a:rPr lang="en-US" sz="1200" dirty="0" smtClean="0">
+                  <a:solidFill>
+                    <a:schemeClr val="accent3">
+                      <a:lumMod val="50000"/>
+                    </a:schemeClr>
+                  </a:solidFill>
+                </a:rPr>
+                <a:t> + 2 weight </a:t>
+              </a:r>
+              <a:r>
+                <a:rPr lang="en-US" sz="1200" dirty="0" err="1" smtClean="0">
+                  <a:solidFill>
+                    <a:schemeClr val="accent3">
+                      <a:lumMod val="50000"/>
+                    </a:schemeClr>
+                  </a:solidFill>
+                </a:rPr>
+                <a:t>fracs</a:t>
+              </a:r>
+              <a:endParaRPr lang="en-US" sz="1400" dirty="0" smtClean="0">
                 <a:solidFill>
                   <a:schemeClr val="accent3">
                     <a:lumMod val="50000"/>
                   </a:schemeClr>
                 </a:solidFill>
-              </a:rPr>
-              <a:t>returns 4 pixel </a:t>
-            </a:r>
-            <a:r>
-              <a:rPr lang="en-US" sz="1200" dirty="0" err="1" smtClean="0">
+              </a:endParaRPr>
+            </a:p>
+          </p:txBody>
+        </p:sp>
+      </p:grpSp>
+      <p:grpSp>
+        <p:nvGrpSpPr>
+          <p:cNvPr id="14" name="Group 13"/>
+          <p:cNvGrpSpPr/>
+          <p:nvPr/>
+        </p:nvGrpSpPr>
+        <p:grpSpPr>
+          <a:xfrm>
+            <a:off x="3583299" y="3232019"/>
+            <a:ext cx="5231466" cy="861774"/>
+            <a:chOff x="3662178" y="3232019"/>
+            <a:chExt cx="5231466" cy="861774"/>
+          </a:xfrm>
+        </p:grpSpPr>
+        <p:cxnSp>
+          <p:nvCxnSpPr>
+            <p:cNvPr id="29" name="Curved Connector 28"/>
+            <p:cNvCxnSpPr>
+              <a:stCxn id="6" idx="2"/>
+              <a:endCxn id="8" idx="6"/>
+            </p:cNvCxnSpPr>
+            <p:nvPr/>
+          </p:nvCxnSpPr>
+          <p:spPr>
+            <a:xfrm rot="10800000" flipV="1">
+              <a:off x="3662178" y="3509294"/>
+              <a:ext cx="5231466" cy="27717"/>
+            </a:xfrm>
+            <a:prstGeom prst="curvedConnector3">
+              <a:avLst>
+                <a:gd name="adj1" fmla="val 50000"/>
+              </a:avLst>
+            </a:prstGeom>
+            <a:ln>
+              <a:tailEnd type="arrow"/>
+            </a:ln>
+          </p:spPr>
+          <p:style>
+            <a:lnRef idx="3">
+              <a:schemeClr val="dk1"/>
+            </a:lnRef>
+            <a:fillRef idx="0">
+              <a:schemeClr val="dk1"/>
+            </a:fillRef>
+            <a:effectRef idx="2">
+              <a:schemeClr val="dk1"/>
+            </a:effectRef>
+            <a:fontRef idx="minor">
+              <a:schemeClr val="tx1"/>
+            </a:fontRef>
+          </p:style>
+        </p:cxnSp>
+        <p:sp>
+          <p:nvSpPr>
+            <p:cNvPr id="50" name="TextBox 49"/>
+            <p:cNvSpPr txBox="1"/>
+            <p:nvPr/>
+          </p:nvSpPr>
+          <p:spPr>
+            <a:xfrm>
+              <a:off x="4766320" y="3232019"/>
+              <a:ext cx="2653586" cy="861774"/>
+            </a:xfrm>
+            <a:prstGeom prst="rect">
+              <a:avLst/>
+            </a:prstGeom>
+            <a:noFill/>
+          </p:spPr>
+          <p:txBody>
+            <a:bodyPr wrap="square" rtlCol="1">
+              <a:spAutoFit/>
+            </a:bodyPr>
+            <a:lstStyle/>
+            <a:p>
+              <a:pPr algn="l" rtl="0"/>
+              <a:r>
+                <a:rPr lang="en-US" dirty="0" smtClean="0"/>
+                <a:t>Out of Range - Data not Valid</a:t>
+              </a:r>
+            </a:p>
+            <a:p>
+              <a:pPr algn="l" rtl="0"/>
+              <a:r>
+                <a:rPr lang="en-US" sz="1400" dirty="0" smtClean="0">
+                  <a:solidFill>
+                    <a:schemeClr val="accent3">
+                      <a:lumMod val="50000"/>
+                    </a:schemeClr>
+                  </a:solidFill>
+                </a:rPr>
+                <a:t>Write back black</a:t>
+              </a:r>
+              <a:endParaRPr lang="en-US" sz="1600" dirty="0" smtClean="0">
                 <a:solidFill>
                   <a:schemeClr val="accent3">
                     <a:lumMod val="50000"/>
                   </a:schemeClr>
                 </a:solidFill>
-              </a:rPr>
-              <a:t>addr</a:t>
-            </a:r>
-            <a:r>
-              <a:rPr lang="en-US" sz="1200" dirty="0" smtClean="0">
-                <a:solidFill>
-                  <a:schemeClr val="accent3">
-                    <a:lumMod val="50000"/>
-                  </a:schemeClr>
-                </a:solidFill>
-              </a:rPr>
-              <a:t> + 2 weight </a:t>
-            </a:r>
-            <a:r>
-              <a:rPr lang="en-US" sz="1200" dirty="0" err="1" smtClean="0">
-                <a:solidFill>
-                  <a:schemeClr val="accent3">
-                    <a:lumMod val="50000"/>
-                  </a:schemeClr>
-                </a:solidFill>
-              </a:rPr>
-              <a:t>fracs</a:t>
-            </a:r>
-            <a:endParaRPr lang="en-US" sz="1400" dirty="0" smtClean="0">
-              <a:solidFill>
-                <a:schemeClr val="accent3">
-                  <a:lumMod val="50000"/>
-                </a:schemeClr>
-              </a:solidFill>
-            </a:endParaRPr>
-          </a:p>
-        </p:txBody>
-      </p:sp>
-      <p:sp>
-        <p:nvSpPr>
-          <p:cNvPr id="50" name="TextBox 49"/>
-          <p:cNvSpPr txBox="1"/>
+              </a:endParaRPr>
+            </a:p>
+          </p:txBody>
+        </p:sp>
+      </p:grpSp>
+      <p:grpSp>
+        <p:nvGrpSpPr>
+          <p:cNvPr id="11" name="Group 10"/>
+          <p:cNvGrpSpPr/>
           <p:nvPr/>
-        </p:nvSpPr>
-        <p:spPr>
+        </p:nvGrpSpPr>
+        <p:grpSpPr>
           <a:xfrm>
-            <a:off x="4463165" y="3259589"/>
-            <a:ext cx="2653586" cy="861774"/>
+            <a:off x="5095470" y="5193199"/>
+            <a:ext cx="1627456" cy="385011"/>
+            <a:chOff x="5095470" y="5193199"/>
+            <a:chExt cx="1627456" cy="385011"/>
           </a:xfrm>
-          <a:prstGeom prst="rect">
-            <a:avLst/>
-          </a:prstGeom>
-          <a:noFill/>
-        </p:spPr>
-        <p:txBody>
-          <a:bodyPr wrap="square" rtlCol="1">
-            <a:spAutoFit/>
-          </a:bodyPr>
-          <a:lstStyle/>
-          <a:p>
-            <a:pPr algn="l" rtl="0"/>
-            <a:r>
-              <a:rPr lang="en-US" dirty="0" smtClean="0"/>
-              <a:t>Out of Range - Data not Valid</a:t>
-            </a:r>
-          </a:p>
-          <a:p>
-            <a:pPr algn="l" rtl="0"/>
-            <a:r>
-              <a:rPr lang="en-US" sz="1400" dirty="0" smtClean="0">
-                <a:solidFill>
-                  <a:schemeClr val="accent3">
-                    <a:lumMod val="50000"/>
-                  </a:schemeClr>
-                </a:solidFill>
-              </a:rPr>
-              <a:t>Write back black</a:t>
-            </a:r>
-            <a:endParaRPr lang="en-US" sz="1600" dirty="0" smtClean="0">
-              <a:solidFill>
-                <a:schemeClr val="accent3">
-                  <a:lumMod val="50000"/>
-                </a:schemeClr>
-              </a:solidFill>
-            </a:endParaRPr>
-          </a:p>
-        </p:txBody>
-      </p:sp>
-      <p:sp>
-        <p:nvSpPr>
-          <p:cNvPr id="51" name="Rectangle 50"/>
-          <p:cNvSpPr/>
+        </p:grpSpPr>
+        <p:cxnSp>
+          <p:nvCxnSpPr>
+            <p:cNvPr id="15" name="Curved Connector 14"/>
+            <p:cNvCxnSpPr>
+              <a:endCxn id="9" idx="6"/>
+            </p:cNvCxnSpPr>
+            <p:nvPr/>
+          </p:nvCxnSpPr>
+          <p:spPr>
+            <a:xfrm rot="10800000">
+              <a:off x="5095470" y="5193199"/>
+              <a:ext cx="1627456" cy="14897"/>
+            </a:xfrm>
+            <a:prstGeom prst="curvedConnector3">
+              <a:avLst>
+                <a:gd name="adj1" fmla="val 50000"/>
+              </a:avLst>
+            </a:prstGeom>
+            <a:ln>
+              <a:tailEnd type="arrow"/>
+            </a:ln>
+          </p:spPr>
+          <p:style>
+            <a:lnRef idx="3">
+              <a:schemeClr val="dk1"/>
+            </a:lnRef>
+            <a:fillRef idx="0">
+              <a:schemeClr val="dk1"/>
+            </a:fillRef>
+            <a:effectRef idx="2">
+              <a:schemeClr val="dk1"/>
+            </a:effectRef>
+            <a:fontRef idx="minor">
+              <a:schemeClr val="tx1"/>
+            </a:fontRef>
+          </p:style>
+        </p:cxnSp>
+        <p:sp>
+          <p:nvSpPr>
+            <p:cNvPr id="51" name="Rectangle 50"/>
+            <p:cNvSpPr/>
+            <p:nvPr/>
+          </p:nvSpPr>
+          <p:spPr>
+            <a:xfrm>
+              <a:off x="5208664" y="5301211"/>
+              <a:ext cx="1514258" cy="276999"/>
+            </a:xfrm>
+            <a:prstGeom prst="rect">
+              <a:avLst/>
+            </a:prstGeom>
+          </p:spPr>
+          <p:txBody>
+            <a:bodyPr wrap="square">
+              <a:spAutoFit/>
+            </a:bodyPr>
+            <a:lstStyle/>
+            <a:p>
+              <a:r>
+                <a:rPr lang="en-US" sz="1200" dirty="0" smtClean="0">
+                  <a:solidFill>
+                    <a:schemeClr val="accent3">
+                      <a:lumMod val="50000"/>
+                    </a:schemeClr>
+                  </a:solidFill>
+                </a:rPr>
+                <a:t>returns 4 pixel</a:t>
+              </a:r>
+              <a:endParaRPr lang="he-IL" sz="1200" dirty="0"/>
+            </a:p>
+          </p:txBody>
+        </p:sp>
+      </p:grpSp>
+      <p:grpSp>
+        <p:nvGrpSpPr>
+          <p:cNvPr id="12" name="Group 11"/>
+          <p:cNvGrpSpPr/>
           <p:nvPr/>
-        </p:nvSpPr>
-        <p:spPr>
+        </p:nvGrpSpPr>
+        <p:grpSpPr>
           <a:xfrm>
-            <a:off x="5208664" y="5301211"/>
-            <a:ext cx="1514258" cy="276999"/>
+            <a:off x="955243" y="3969811"/>
+            <a:ext cx="1634349" cy="1223387"/>
+            <a:chOff x="955243" y="3969811"/>
+            <a:chExt cx="1634349" cy="1223387"/>
           </a:xfrm>
-          <a:prstGeom prst="rect">
-            <a:avLst/>
-          </a:prstGeom>
-        </p:spPr>
-        <p:txBody>
-          <a:bodyPr wrap="square">
-            <a:spAutoFit/>
-          </a:bodyPr>
-          <a:lstStyle/>
-          <a:p>
-            <a:r>
-              <a:rPr lang="en-US" sz="1200" dirty="0" smtClean="0">
-                <a:solidFill>
-                  <a:schemeClr val="accent3">
-                    <a:lumMod val="50000"/>
-                  </a:schemeClr>
-                </a:solidFill>
-              </a:rPr>
-              <a:t>returns 4 pixel</a:t>
-            </a:r>
-            <a:endParaRPr lang="he-IL" sz="1200" dirty="0"/>
-          </a:p>
-        </p:txBody>
-      </p:sp>
-      <p:sp>
-        <p:nvSpPr>
-          <p:cNvPr id="52" name="Rectangle 51"/>
-          <p:cNvSpPr/>
-          <p:nvPr/>
-        </p:nvSpPr>
-        <p:spPr>
-          <a:xfrm>
-            <a:off x="955243" y="4797155"/>
-            <a:ext cx="1106841" cy="276999"/>
-          </a:xfrm>
-          <a:prstGeom prst="rect">
-            <a:avLst/>
-          </a:prstGeom>
-        </p:spPr>
-        <p:txBody>
-          <a:bodyPr wrap="none">
-            <a:spAutoFit/>
-          </a:bodyPr>
-          <a:lstStyle/>
-          <a:p>
-            <a:r>
-              <a:rPr lang="en-US" sz="1200" dirty="0" smtClean="0">
-                <a:solidFill>
-                  <a:schemeClr val="accent3">
-                    <a:lumMod val="50000"/>
-                  </a:schemeClr>
-                </a:solidFill>
-              </a:rPr>
-              <a:t>Returns 1 pixel</a:t>
-            </a:r>
-            <a:endParaRPr lang="he-IL" sz="1200" dirty="0"/>
-          </a:p>
-        </p:txBody>
-      </p:sp>
+        </p:grpSpPr>
+        <p:cxnSp>
+          <p:nvCxnSpPr>
+            <p:cNvPr id="21" name="Curved Connector 20"/>
+            <p:cNvCxnSpPr>
+              <a:stCxn id="9" idx="2"/>
+              <a:endCxn id="8" idx="3"/>
+            </p:cNvCxnSpPr>
+            <p:nvPr/>
+          </p:nvCxnSpPr>
+          <p:spPr>
+            <a:xfrm rot="10800000">
+              <a:off x="1886933" y="3969811"/>
+              <a:ext cx="702659" cy="1223387"/>
+            </a:xfrm>
+            <a:prstGeom prst="curvedConnector2">
+              <a:avLst/>
+            </a:prstGeom>
+            <a:ln>
+              <a:tailEnd type="arrow"/>
+            </a:ln>
+          </p:spPr>
+          <p:style>
+            <a:lnRef idx="3">
+              <a:schemeClr val="dk1"/>
+            </a:lnRef>
+            <a:fillRef idx="0">
+              <a:schemeClr val="dk1"/>
+            </a:fillRef>
+            <a:effectRef idx="2">
+              <a:schemeClr val="dk1"/>
+            </a:effectRef>
+            <a:fontRef idx="minor">
+              <a:schemeClr val="tx1"/>
+            </a:fontRef>
+          </p:style>
+        </p:cxnSp>
+        <p:sp>
+          <p:nvSpPr>
+            <p:cNvPr id="52" name="Rectangle 51"/>
+            <p:cNvSpPr/>
+            <p:nvPr/>
+          </p:nvSpPr>
+          <p:spPr>
+            <a:xfrm>
+              <a:off x="955243" y="4797155"/>
+              <a:ext cx="1106841" cy="276999"/>
+            </a:xfrm>
+            <a:prstGeom prst="rect">
+              <a:avLst/>
+            </a:prstGeom>
+          </p:spPr>
+          <p:txBody>
+            <a:bodyPr wrap="none">
+              <a:spAutoFit/>
+            </a:bodyPr>
+            <a:lstStyle/>
+            <a:p>
+              <a:r>
+                <a:rPr lang="en-US" sz="1200" dirty="0" smtClean="0">
+                  <a:solidFill>
+                    <a:schemeClr val="accent3">
+                      <a:lumMod val="50000"/>
+                    </a:schemeClr>
+                  </a:solidFill>
+                </a:rPr>
+                <a:t>Returns 1 pixel</a:t>
+              </a:r>
+              <a:endParaRPr lang="he-IL" sz="1200" dirty="0"/>
+            </a:p>
+          </p:txBody>
+        </p:sp>
+      </p:grpSp>
       <p:sp>
         <p:nvSpPr>
           <p:cNvPr id="53" name="TextBox 52"/>
@@ -3989,125 +4043,174 @@
           </a:p>
         </p:txBody>
       </p:sp>
-      <p:cxnSp>
-        <p:nvCxnSpPr>
-          <p:cNvPr id="30" name="Curved Connector 29"/>
-          <p:cNvCxnSpPr>
-            <a:stCxn id="5" idx="7"/>
-            <a:endCxn id="23" idx="0"/>
-          </p:cNvCxnSpPr>
+      <p:grpSp>
+        <p:nvGrpSpPr>
+          <p:cNvPr id="3" name="Group 2"/>
+          <p:cNvGrpSpPr/>
           <p:nvPr/>
-        </p:nvCxnSpPr>
-        <p:spPr>
-          <a:xfrm rot="16200000" flipH="1">
-            <a:off x="7823384" y="598506"/>
-            <a:ext cx="1044865" cy="920115"/>
+        </p:nvGrpSpPr>
+        <p:grpSpPr>
+          <a:xfrm>
+            <a:off x="9645565" y="1772764"/>
+            <a:ext cx="2673330" cy="1736531"/>
+            <a:chOff x="9645565" y="1772764"/>
+            <a:chExt cx="2673330" cy="1736531"/>
           </a:xfrm>
-          <a:prstGeom prst="curvedConnector3">
-            <a:avLst>
-              <a:gd name="adj1" fmla="val 3262"/>
-            </a:avLst>
-          </a:prstGeom>
-          <a:ln>
-            <a:tailEnd type="arrow"/>
-          </a:ln>
-        </p:spPr>
-        <p:style>
-          <a:lnRef idx="3">
-            <a:schemeClr val="dk1"/>
-          </a:lnRef>
-          <a:fillRef idx="0">
-            <a:schemeClr val="dk1"/>
-          </a:fillRef>
-          <a:effectRef idx="2">
-            <a:schemeClr val="dk1"/>
-          </a:effectRef>
-          <a:fontRef idx="minor">
-            <a:schemeClr val="tx1"/>
-          </a:fontRef>
-        </p:style>
-      </p:cxnSp>
-      <p:sp>
-        <p:nvSpPr>
-          <p:cNvPr id="38" name="TextBox 37"/>
-          <p:cNvSpPr txBox="1"/>
+        </p:grpSpPr>
+        <p:cxnSp>
+          <p:nvCxnSpPr>
+            <p:cNvPr id="17" name="Curved Connector 16"/>
+            <p:cNvCxnSpPr>
+              <a:stCxn id="23" idx="6"/>
+              <a:endCxn id="6" idx="6"/>
+            </p:cNvCxnSpPr>
+            <p:nvPr/>
+          </p:nvCxnSpPr>
+          <p:spPr>
+            <a:xfrm>
+              <a:off x="9645565" y="2193064"/>
+              <a:ext cx="494111" cy="1316231"/>
+            </a:xfrm>
+            <a:prstGeom prst="curvedConnector3">
+              <a:avLst>
+                <a:gd name="adj1" fmla="val 146265"/>
+              </a:avLst>
+            </a:prstGeom>
+            <a:ln>
+              <a:tailEnd type="arrow"/>
+            </a:ln>
+          </p:spPr>
+          <p:style>
+            <a:lnRef idx="3">
+              <a:schemeClr val="dk1"/>
+            </a:lnRef>
+            <a:fillRef idx="0">
+              <a:schemeClr val="dk1"/>
+            </a:fillRef>
+            <a:effectRef idx="2">
+              <a:schemeClr val="dk1"/>
+            </a:effectRef>
+            <a:fontRef idx="minor">
+              <a:schemeClr val="tx1"/>
+            </a:fontRef>
+          </p:style>
+        </p:cxnSp>
+        <p:sp>
+          <p:nvSpPr>
+            <p:cNvPr id="38" name="TextBox 37"/>
+            <p:cNvSpPr txBox="1"/>
+            <p:nvPr/>
+          </p:nvSpPr>
+          <p:spPr>
+            <a:xfrm>
+              <a:off x="9665309" y="1772764"/>
+              <a:ext cx="2653586" cy="369332"/>
+            </a:xfrm>
+            <a:prstGeom prst="rect">
+              <a:avLst/>
+            </a:prstGeom>
+            <a:noFill/>
+          </p:spPr>
+          <p:txBody>
+            <a:bodyPr wrap="square" rtlCol="1">
+              <a:spAutoFit/>
+            </a:bodyPr>
+            <a:lstStyle/>
+            <a:p>
+              <a:pPr algn="l"/>
+              <a:r>
+                <a:rPr lang="en-US" dirty="0" err="1" smtClean="0"/>
+                <a:t>Finish_increment</a:t>
+              </a:r>
+              <a:endParaRPr lang="en-US" dirty="0" smtClean="0"/>
+            </a:p>
+          </p:txBody>
+        </p:sp>
+      </p:grpSp>
+      <p:grpSp>
+        <p:nvGrpSpPr>
+          <p:cNvPr id="2" name="Group 1"/>
+          <p:cNvGrpSpPr/>
           <p:nvPr/>
-        </p:nvSpPr>
-        <p:spPr>
+        </p:nvGrpSpPr>
+        <p:grpSpPr>
           <a:xfrm>
-            <a:off x="9903772" y="1800782"/>
-            <a:ext cx="2653586" cy="553998"/>
+            <a:off x="7885759" y="536131"/>
+            <a:ext cx="3566595" cy="1044865"/>
+            <a:chOff x="7885759" y="536131"/>
+            <a:chExt cx="3566595" cy="1044865"/>
           </a:xfrm>
-          <a:prstGeom prst="rect">
-            <a:avLst/>
-          </a:prstGeom>
-          <a:noFill/>
-        </p:spPr>
-        <p:txBody>
-          <a:bodyPr wrap="square" rtlCol="1">
-            <a:spAutoFit/>
-          </a:bodyPr>
-          <a:lstStyle/>
-          <a:p>
-            <a:pPr algn="l"/>
-            <a:r>
-              <a:rPr lang="en-US" smtClean="0"/>
-              <a:t>One incremented</a:t>
-            </a:r>
-            <a:endParaRPr lang="en-US" dirty="0" smtClean="0"/>
-          </a:p>
-          <a:p>
-            <a:pPr algn="l"/>
-            <a:r>
-              <a:rPr lang="en-US" sz="1200" dirty="0" smtClean="0">
-                <a:solidFill>
-                  <a:schemeClr val="accent3">
-                    <a:lumMod val="50000"/>
-                  </a:schemeClr>
-                </a:solidFill>
-              </a:rPr>
-              <a:t>returns 4 pixel </a:t>
-            </a:r>
-            <a:r>
-              <a:rPr lang="en-US" sz="1200" dirty="0" err="1" smtClean="0">
-                <a:solidFill>
-                  <a:schemeClr val="accent3">
-                    <a:lumMod val="50000"/>
-                  </a:schemeClr>
-                </a:solidFill>
-              </a:rPr>
-              <a:t>addr</a:t>
-            </a:r>
-            <a:r>
-              <a:rPr lang="en-US" sz="1200" dirty="0" smtClean="0">
-                <a:solidFill>
-                  <a:schemeClr val="accent3">
-                    <a:lumMod val="50000"/>
-                  </a:schemeClr>
-                </a:solidFill>
-              </a:rPr>
-              <a:t> + 2 weight </a:t>
-            </a:r>
-            <a:r>
-              <a:rPr lang="en-US" sz="1200" dirty="0" err="1" smtClean="0">
-                <a:solidFill>
-                  <a:schemeClr val="accent3">
-                    <a:lumMod val="50000"/>
-                  </a:schemeClr>
-                </a:solidFill>
-              </a:rPr>
-              <a:t>fracs</a:t>
-            </a:r>
-            <a:endParaRPr lang="en-US" sz="1400" dirty="0" smtClean="0">
-              <a:solidFill>
-                <a:schemeClr val="accent3">
-                  <a:lumMod val="50000"/>
-                </a:schemeClr>
-              </a:solidFill>
-            </a:endParaRPr>
-          </a:p>
-        </p:txBody>
-      </p:sp>
+        </p:grpSpPr>
+        <p:cxnSp>
+          <p:nvCxnSpPr>
+            <p:cNvPr id="30" name="Curved Connector 29"/>
+            <p:cNvCxnSpPr>
+              <a:stCxn id="5" idx="7"/>
+              <a:endCxn id="23" idx="0"/>
+            </p:cNvCxnSpPr>
+            <p:nvPr/>
+          </p:nvCxnSpPr>
+          <p:spPr>
+            <a:xfrm rot="16200000" flipH="1">
+              <a:off x="7823384" y="598506"/>
+              <a:ext cx="1044865" cy="920115"/>
+            </a:xfrm>
+            <a:prstGeom prst="curvedConnector3">
+              <a:avLst>
+                <a:gd name="adj1" fmla="val 3262"/>
+              </a:avLst>
+            </a:prstGeom>
+            <a:ln>
+              <a:tailEnd type="arrow"/>
+            </a:ln>
+          </p:spPr>
+          <p:style>
+            <a:lnRef idx="3">
+              <a:schemeClr val="dk1"/>
+            </a:lnRef>
+            <a:fillRef idx="0">
+              <a:schemeClr val="dk1"/>
+            </a:fillRef>
+            <a:effectRef idx="2">
+              <a:schemeClr val="dk1"/>
+            </a:effectRef>
+            <a:fontRef idx="minor">
+              <a:schemeClr val="tx1"/>
+            </a:fontRef>
+          </p:style>
+        </p:cxnSp>
+        <p:sp>
+          <p:nvSpPr>
+            <p:cNvPr id="26" name="TextBox 25"/>
+            <p:cNvSpPr txBox="1"/>
+            <p:nvPr/>
+          </p:nvSpPr>
+          <p:spPr>
+            <a:xfrm>
+              <a:off x="8798768" y="764704"/>
+              <a:ext cx="2653586" cy="369332"/>
+            </a:xfrm>
+            <a:prstGeom prst="rect">
+              <a:avLst/>
+            </a:prstGeom>
+            <a:noFill/>
+          </p:spPr>
+          <p:txBody>
+            <a:bodyPr wrap="square" rtlCol="1">
+              <a:spAutoFit/>
+            </a:bodyPr>
+            <a:lstStyle/>
+            <a:p>
+              <a:pPr algn="l"/>
+              <a:r>
+                <a:rPr lang="en-US" dirty="0" err="1" smtClean="0"/>
+                <a:t>Finish_init</a:t>
+              </a:r>
+              <a:endParaRPr lang="en-US" dirty="0" smtClean="0"/>
+            </a:p>
+          </p:txBody>
+        </p:sp>
+      </p:grpSp>
     </p:spTree>
     <p:extLst>
       <p:ext uri="{BB962C8B-B14F-4D97-AF65-F5344CB8AC3E}">

--- a/Presentation/Img Man Top FSM.pptx
+++ b/Presentation/Img Man Top FSM.pptx
@@ -288,7 +288,7 @@
           <a:p>
             <a:fld id="{D1329CB7-D74C-47FA-A22A-C6A2E8AA6A2B}" type="datetimeFigureOut">
               <a:rPr lang="he-IL" smtClean="0"/>
-              <a:t>ט'/אלול/תשע"ב</a:t>
+              <a:t>י'/אלול/תשע"ב</a:t>
             </a:fld>
             <a:endParaRPr lang="he-IL"/>
           </a:p>
@@ -458,7 +458,7 @@
           <a:p>
             <a:fld id="{D1329CB7-D74C-47FA-A22A-C6A2E8AA6A2B}" type="datetimeFigureOut">
               <a:rPr lang="he-IL" smtClean="0"/>
-              <a:t>ט'/אלול/תשע"ב</a:t>
+              <a:t>י'/אלול/תשע"ב</a:t>
             </a:fld>
             <a:endParaRPr lang="he-IL"/>
           </a:p>
@@ -638,7 +638,7 @@
           <a:p>
             <a:fld id="{D1329CB7-D74C-47FA-A22A-C6A2E8AA6A2B}" type="datetimeFigureOut">
               <a:rPr lang="he-IL" smtClean="0"/>
-              <a:t>ט'/אלול/תשע"ב</a:t>
+              <a:t>י'/אלול/תשע"ב</a:t>
             </a:fld>
             <a:endParaRPr lang="he-IL"/>
           </a:p>
@@ -808,7 +808,7 @@
           <a:p>
             <a:fld id="{D1329CB7-D74C-47FA-A22A-C6A2E8AA6A2B}" type="datetimeFigureOut">
               <a:rPr lang="he-IL" smtClean="0"/>
-              <a:t>ט'/אלול/תשע"ב</a:t>
+              <a:t>י'/אלול/תשע"ב</a:t>
             </a:fld>
             <a:endParaRPr lang="he-IL"/>
           </a:p>
@@ -1054,7 +1054,7 @@
           <a:p>
             <a:fld id="{D1329CB7-D74C-47FA-A22A-C6A2E8AA6A2B}" type="datetimeFigureOut">
               <a:rPr lang="he-IL" smtClean="0"/>
-              <a:t>ט'/אלול/תשע"ב</a:t>
+              <a:t>י'/אלול/תשע"ב</a:t>
             </a:fld>
             <a:endParaRPr lang="he-IL"/>
           </a:p>
@@ -1342,7 +1342,7 @@
           <a:p>
             <a:fld id="{D1329CB7-D74C-47FA-A22A-C6A2E8AA6A2B}" type="datetimeFigureOut">
               <a:rPr lang="he-IL" smtClean="0"/>
-              <a:t>ט'/אלול/תשע"ב</a:t>
+              <a:t>י'/אלול/תשע"ב</a:t>
             </a:fld>
             <a:endParaRPr lang="he-IL"/>
           </a:p>
@@ -1764,7 +1764,7 @@
           <a:p>
             <a:fld id="{D1329CB7-D74C-47FA-A22A-C6A2E8AA6A2B}" type="datetimeFigureOut">
               <a:rPr lang="he-IL" smtClean="0"/>
-              <a:t>ט'/אלול/תשע"ב</a:t>
+              <a:t>י'/אלול/תשע"ב</a:t>
             </a:fld>
             <a:endParaRPr lang="he-IL"/>
           </a:p>
@@ -1882,7 +1882,7 @@
           <a:p>
             <a:fld id="{D1329CB7-D74C-47FA-A22A-C6A2E8AA6A2B}" type="datetimeFigureOut">
               <a:rPr lang="he-IL" smtClean="0"/>
-              <a:t>ט'/אלול/תשע"ב</a:t>
+              <a:t>י'/אלול/תשע"ב</a:t>
             </a:fld>
             <a:endParaRPr lang="he-IL"/>
           </a:p>
@@ -1977,7 +1977,7 @@
           <a:p>
             <a:fld id="{D1329CB7-D74C-47FA-A22A-C6A2E8AA6A2B}" type="datetimeFigureOut">
               <a:rPr lang="he-IL" smtClean="0"/>
-              <a:t>ט'/אלול/תשע"ב</a:t>
+              <a:t>י'/אלול/תשע"ב</a:t>
             </a:fld>
             <a:endParaRPr lang="he-IL"/>
           </a:p>
@@ -2254,7 +2254,7 @@
           <a:p>
             <a:fld id="{D1329CB7-D74C-47FA-A22A-C6A2E8AA6A2B}" type="datetimeFigureOut">
               <a:rPr lang="he-IL" smtClean="0"/>
-              <a:t>ט'/אלול/תשע"ב</a:t>
+              <a:t>י'/אלול/תשע"ב</a:t>
             </a:fld>
             <a:endParaRPr lang="he-IL"/>
           </a:p>
@@ -2507,7 +2507,7 @@
           <a:p>
             <a:fld id="{D1329CB7-D74C-47FA-A22A-C6A2E8AA6A2B}" type="datetimeFigureOut">
               <a:rPr lang="he-IL" smtClean="0"/>
-              <a:t>ט'/אלול/תשע"ב</a:t>
+              <a:t>י'/אלול/תשע"ב</a:t>
             </a:fld>
             <a:endParaRPr lang="he-IL"/>
           </a:p>
@@ -2720,7 +2720,7 @@
           <a:p>
             <a:fld id="{D1329CB7-D74C-47FA-A22A-C6A2E8AA6A2B}" type="datetimeFigureOut">
               <a:rPr lang="he-IL" smtClean="0"/>
-              <a:t>ט'/אלול/תשע"ב</a:t>
+              <a:t>י'/אלול/תשע"ב</a:t>
             </a:fld>
             <a:endParaRPr lang="he-IL"/>
           </a:p>
@@ -3081,6 +3081,34 @@
 <file path=ppt/slides/slide1.xml><?xml version="1.0" encoding="utf-8"?>
 <p:sld xmlns:a="http://schemas.openxmlformats.org/drawingml/2006/main" xmlns:r="http://schemas.openxmlformats.org/officeDocument/2006/relationships" xmlns:p="http://schemas.openxmlformats.org/presentationml/2006/main">
   <p:cSld>
+    <p:bg>
+      <p:bgPr>
+        <a:gradFill>
+          <a:gsLst>
+            <a:gs pos="0">
+              <a:schemeClr val="accent1">
+                <a:tint val="66000"/>
+                <a:satMod val="160000"/>
+              </a:schemeClr>
+            </a:gs>
+            <a:gs pos="50000">
+              <a:schemeClr val="accent1">
+                <a:tint val="44500"/>
+                <a:satMod val="160000"/>
+              </a:schemeClr>
+            </a:gs>
+            <a:gs pos="100000">
+              <a:schemeClr val="accent1">
+                <a:tint val="23500"/>
+                <a:satMod val="160000"/>
+              </a:schemeClr>
+            </a:gs>
+          </a:gsLst>
+          <a:lin ang="5400000" scaled="0"/>
+        </a:gradFill>
+        <a:effectLst/>
+      </p:bgPr>
+    </p:bg>
     <p:spTree>
       <p:nvGrpSpPr>
         <p:cNvPr id="1" name=""/>
@@ -3111,17 +3139,17 @@
           </a:prstGeom>
         </p:spPr>
         <p:style>
-          <a:lnRef idx="2">
-            <a:schemeClr val="accent2"/>
+          <a:lnRef idx="3">
+            <a:schemeClr val="lt1"/>
           </a:lnRef>
           <a:fillRef idx="1">
-            <a:schemeClr val="lt1"/>
+            <a:schemeClr val="accent4"/>
           </a:fillRef>
-          <a:effectRef idx="0">
-            <a:schemeClr val="accent2"/>
+          <a:effectRef idx="1">
+            <a:schemeClr val="accent4"/>
           </a:effectRef>
           <a:fontRef idx="minor">
-            <a:schemeClr val="dk1"/>
+            <a:schemeClr val="lt1"/>
           </a:fontRef>
         </p:style>
         <p:txBody>
@@ -3130,40 +3158,40 @@
           <a:p>
             <a:pPr algn="ctr"/>
             <a:r>
-              <a:rPr lang="en-US" dirty="0" smtClean="0"/>
+              <a:rPr lang="en-US" b="1" dirty="0" smtClean="0"/>
               <a:t>Idle</a:t>
             </a:r>
-            <a:endParaRPr lang="he-IL" dirty="0"/>
-          </a:p>
-        </p:txBody>
-      </p:sp>
-      <p:sp>
-        <p:nvSpPr>
-          <p:cNvPr id="5" name="Oval 4"/>
+            <a:endParaRPr lang="he-IL" b="1" dirty="0"/>
+          </a:p>
+        </p:txBody>
+      </p:sp>
+      <p:sp>
+        <p:nvSpPr>
+          <p:cNvPr id="6" name="Oval 5"/>
           <p:cNvSpPr/>
           <p:nvPr/>
         </p:nvSpPr>
         <p:spPr>
           <a:xfrm>
-            <a:off x="6263146" y="356860"/>
-            <a:ext cx="1901011" cy="1224136"/>
+            <a:off x="9481726" y="2924944"/>
+            <a:ext cx="1491074" cy="1224136"/>
           </a:xfrm>
           <a:prstGeom prst="ellipse">
             <a:avLst/>
           </a:prstGeom>
         </p:spPr>
         <p:style>
-          <a:lnRef idx="2">
-            <a:schemeClr val="accent2"/>
+          <a:lnRef idx="3">
+            <a:schemeClr val="lt1"/>
           </a:lnRef>
           <a:fillRef idx="1">
-            <a:schemeClr val="lt1"/>
+            <a:schemeClr val="accent4"/>
           </a:fillRef>
-          <a:effectRef idx="0">
-            <a:schemeClr val="accent2"/>
+          <a:effectRef idx="1">
+            <a:schemeClr val="accent4"/>
           </a:effectRef>
           <a:fontRef idx="minor">
-            <a:schemeClr val="dk1"/>
+            <a:schemeClr val="lt1"/>
           </a:fontRef>
         </p:style>
         <p:txBody>
@@ -3172,56 +3200,14 @@
           <a:p>
             <a:pPr algn="ctr"/>
             <a:r>
-              <a:rPr lang="en-US" sz="1600" dirty="0" smtClean="0"/>
-              <a:t>Initialize coordinate</a:t>
-            </a:r>
-            <a:endParaRPr lang="he-IL" sz="1600" dirty="0"/>
-          </a:p>
-        </p:txBody>
-      </p:sp>
-      <p:sp>
-        <p:nvSpPr>
-          <p:cNvPr id="6" name="Oval 5"/>
-          <p:cNvSpPr/>
-          <p:nvPr/>
-        </p:nvSpPr>
-        <p:spPr>
-          <a:xfrm>
-            <a:off x="8814765" y="2897227"/>
-            <a:ext cx="1324911" cy="1224136"/>
-          </a:xfrm>
-          <a:prstGeom prst="ellipse">
-            <a:avLst/>
-          </a:prstGeom>
-        </p:spPr>
-        <p:style>
-          <a:lnRef idx="2">
-            <a:schemeClr val="accent2"/>
-          </a:lnRef>
-          <a:fillRef idx="1">
-            <a:schemeClr val="lt1"/>
-          </a:fillRef>
-          <a:effectRef idx="0">
-            <a:schemeClr val="accent2"/>
-          </a:effectRef>
-          <a:fontRef idx="minor">
-            <a:schemeClr val="dk1"/>
-          </a:fontRef>
-        </p:style>
-        <p:txBody>
-          <a:bodyPr rtlCol="1" anchor="ctr"/>
-          <a:lstStyle/>
-          <a:p>
-            <a:pPr algn="ctr"/>
-            <a:r>
-              <a:rPr lang="en-US" dirty="0" smtClean="0"/>
+              <a:rPr lang="en-US" b="1" dirty="0" smtClean="0"/>
               <a:t>Address </a:t>
             </a:r>
             <a:r>
-              <a:rPr lang="en-US" dirty="0" err="1" smtClean="0"/>
+              <a:rPr lang="en-US" b="1" dirty="0" err="1" smtClean="0"/>
               <a:t>Calc</a:t>
             </a:r>
-            <a:endParaRPr lang="he-IL" dirty="0"/>
+            <a:endParaRPr lang="he-IL" b="1" dirty="0"/>
           </a:p>
         </p:txBody>
       </p:sp>
@@ -3233,7 +3219,7 @@
         </p:nvSpPr>
         <p:spPr>
           <a:xfrm>
-            <a:off x="6722923" y="4509120"/>
+            <a:off x="6634866" y="4545499"/>
             <a:ext cx="1614994" cy="1224136"/>
           </a:xfrm>
           <a:prstGeom prst="ellipse">
@@ -3241,17 +3227,17 @@
           </a:prstGeom>
         </p:spPr>
         <p:style>
-          <a:lnRef idx="2">
-            <a:schemeClr val="accent2"/>
+          <a:lnRef idx="3">
+            <a:schemeClr val="lt1"/>
           </a:lnRef>
           <a:fillRef idx="1">
-            <a:schemeClr val="lt1"/>
+            <a:schemeClr val="accent4"/>
           </a:fillRef>
-          <a:effectRef idx="0">
-            <a:schemeClr val="accent2"/>
+          <a:effectRef idx="1">
+            <a:schemeClr val="accent4"/>
           </a:effectRef>
           <a:fontRef idx="minor">
-            <a:schemeClr val="dk1"/>
+            <a:schemeClr val="lt1"/>
           </a:fontRef>
         </p:style>
         <p:txBody>
@@ -3260,10 +3246,10 @@
           <a:p>
             <a:pPr algn="ctr"/>
             <a:r>
-              <a:rPr lang="en-US" dirty="0" smtClean="0"/>
+              <a:rPr lang="en-US" b="1" dirty="0" smtClean="0"/>
               <a:t>Read from SDRAM</a:t>
             </a:r>
-            <a:endParaRPr lang="he-IL" dirty="0"/>
+            <a:endParaRPr lang="he-IL" b="1" dirty="0"/>
           </a:p>
         </p:txBody>
       </p:sp>
@@ -3283,17 +3269,17 @@
           </a:prstGeom>
         </p:spPr>
         <p:style>
-          <a:lnRef idx="2">
-            <a:schemeClr val="accent2"/>
+          <a:lnRef idx="3">
+            <a:schemeClr val="lt1"/>
           </a:lnRef>
           <a:fillRef idx="1">
-            <a:schemeClr val="lt1"/>
+            <a:schemeClr val="accent4"/>
           </a:fillRef>
-          <a:effectRef idx="0">
-            <a:schemeClr val="accent2"/>
+          <a:effectRef idx="1">
+            <a:schemeClr val="accent4"/>
           </a:effectRef>
           <a:fontRef idx="minor">
-            <a:schemeClr val="dk1"/>
+            <a:schemeClr val="lt1"/>
           </a:fontRef>
         </p:style>
         <p:txBody>
@@ -3302,18 +3288,18 @@
           <a:p>
             <a:pPr algn="ctr"/>
             <a:r>
-              <a:rPr lang="en-US" dirty="0" err="1" smtClean="0"/>
+              <a:rPr lang="en-US" b="1" dirty="0" err="1" smtClean="0"/>
               <a:t>WriteBack</a:t>
             </a:r>
-            <a:endParaRPr lang="en-US" dirty="0" smtClean="0"/>
+            <a:endParaRPr lang="en-US" b="1" dirty="0" smtClean="0"/>
           </a:p>
           <a:p>
             <a:pPr algn="ctr"/>
             <a:r>
-              <a:rPr lang="en-US" dirty="0" smtClean="0"/>
+              <a:rPr lang="en-US" b="1" dirty="0" smtClean="0"/>
               <a:t>To SDRAM</a:t>
             </a:r>
-            <a:endParaRPr lang="he-IL" dirty="0"/>
+            <a:endParaRPr lang="he-IL" b="1" dirty="0"/>
           </a:p>
         </p:txBody>
       </p:sp>
@@ -3325,7 +3311,7 @@
         </p:nvSpPr>
         <p:spPr>
           <a:xfrm>
-            <a:off x="2589588" y="4581128"/>
+            <a:off x="2062084" y="4966142"/>
             <a:ext cx="2505878" cy="1224136"/>
           </a:xfrm>
           <a:prstGeom prst="ellipse">
@@ -3333,17 +3319,17 @@
           </a:prstGeom>
         </p:spPr>
         <p:style>
-          <a:lnRef idx="2">
-            <a:schemeClr val="accent2"/>
+          <a:lnRef idx="3">
+            <a:schemeClr val="lt1"/>
           </a:lnRef>
           <a:fillRef idx="1">
-            <a:schemeClr val="lt1"/>
+            <a:schemeClr val="accent4"/>
           </a:fillRef>
-          <a:effectRef idx="0">
-            <a:schemeClr val="accent2"/>
+          <a:effectRef idx="1">
+            <a:schemeClr val="accent4"/>
           </a:effectRef>
           <a:fontRef idx="minor">
-            <a:schemeClr val="dk1"/>
+            <a:schemeClr val="lt1"/>
           </a:fontRef>
         </p:style>
         <p:txBody>
@@ -3352,31 +3338,32 @@
           <a:p>
             <a:pPr algn="ctr"/>
             <a:r>
-              <a:rPr lang="en-US" dirty="0" smtClean="0"/>
+              <a:rPr lang="en-US" b="1" dirty="0" smtClean="0"/>
               <a:t>Bilinear interpolation</a:t>
             </a:r>
-            <a:endParaRPr lang="he-IL" dirty="0"/>
+            <a:endParaRPr lang="he-IL" b="1" dirty="0"/>
           </a:p>
         </p:txBody>
       </p:sp>
       <p:cxnSp>
         <p:nvCxnSpPr>
           <p:cNvPr id="24" name="Curved Connector 23"/>
-          <p:cNvCxnSpPr/>
+          <p:cNvCxnSpPr>
+            <a:endCxn id="39" idx="3"/>
+          </p:cNvCxnSpPr>
           <p:nvPr/>
         </p:nvCxnSpPr>
         <p:spPr>
           <a:xfrm flipV="1">
-            <a:off x="3288565" y="2539447"/>
-            <a:ext cx="4875594" cy="550607"/>
+            <a:off x="3288565" y="1818575"/>
+            <a:ext cx="2288867" cy="1271481"/>
           </a:xfrm>
-          <a:prstGeom prst="curvedConnector3">
-            <a:avLst>
-              <a:gd name="adj1" fmla="val 27870"/>
-            </a:avLst>
+          <a:prstGeom prst="curvedConnector2">
+            <a:avLst/>
           </a:prstGeom>
           <a:ln>
-            <a:tailEnd type="arrow"/>
+            <a:headEnd type="none" w="med" len="med"/>
+            <a:tailEnd type="triangle" w="med" len="med"/>
           </a:ln>
         </p:spPr>
         <p:style>
@@ -3402,33 +3389,35 @@
         </p:nvGrpSpPr>
         <p:grpSpPr>
           <a:xfrm>
-            <a:off x="2686939" y="244589"/>
-            <a:ext cx="3735565" cy="646331"/>
-            <a:chOff x="2686939" y="244589"/>
-            <a:chExt cx="3735565" cy="646331"/>
+            <a:off x="2902064" y="318058"/>
+            <a:ext cx="2675368" cy="772239"/>
+            <a:chOff x="2981234" y="934315"/>
+            <a:chExt cx="4519649" cy="1095996"/>
           </a:xfrm>
         </p:grpSpPr>
         <p:cxnSp>
           <p:nvCxnSpPr>
             <p:cNvPr id="13" name="Curved Connector 12"/>
             <p:cNvCxnSpPr>
-              <a:stCxn id="4" idx="7"/>
+              <a:stCxn id="4" idx="6"/>
+              <a:endCxn id="39" idx="1"/>
             </p:cNvCxnSpPr>
             <p:nvPr/>
           </p:nvCxnSpPr>
           <p:spPr>
-            <a:xfrm rot="5400000" flipH="1" flipV="1">
-              <a:off x="4524380" y="-1240623"/>
-              <a:ext cx="60683" cy="3735565"/>
+            <a:xfrm flipV="1">
+              <a:off x="2981234" y="1835426"/>
+              <a:ext cx="4519649" cy="194885"/>
             </a:xfrm>
             <a:prstGeom prst="curvedConnector4">
               <a:avLst>
-                <a:gd name="adj1" fmla="val 151552"/>
-                <a:gd name="adj2" fmla="val 52879"/>
+                <a:gd name="adj1" fmla="val 9129"/>
+                <a:gd name="adj2" fmla="val 265386"/>
               </a:avLst>
             </a:prstGeom>
             <a:ln>
-              <a:tailEnd type="arrow"/>
+              <a:headEnd type="none" w="med" len="med"/>
+              <a:tailEnd type="triangle" w="med" len="med"/>
             </a:ln>
           </p:spPr>
           <p:style>
@@ -3454,13 +3443,17 @@
           </p:nvSpPr>
           <p:spPr>
             <a:xfrm>
-              <a:off x="3844619" y="244589"/>
-              <a:ext cx="1382554" cy="646331"/>
+              <a:off x="4670862" y="934315"/>
+              <a:ext cx="2814927" cy="524172"/>
             </a:xfrm>
             <a:prstGeom prst="rect">
               <a:avLst/>
             </a:prstGeom>
-            <a:noFill/>
+            <a:solidFill>
+              <a:srgbClr val="FFCC99">
+                <a:alpha val="30196"/>
+              </a:srgbClr>
+            </a:solidFill>
           </p:spPr>
           <p:txBody>
             <a:bodyPr wrap="square" rtlCol="1">
@@ -3472,7 +3465,6 @@
                 <a:rPr lang="en-US" dirty="0" smtClean="0"/>
                 <a:t>Request trigger</a:t>
               </a:r>
-              <a:endParaRPr lang="en-US" dirty="0" smtClean="0"/>
             </a:p>
           </p:txBody>
         </p:sp>
@@ -3485,33 +3477,31 @@
         </p:nvGrpSpPr>
         <p:grpSpPr>
           <a:xfrm>
-            <a:off x="2902065" y="1090298"/>
-            <a:ext cx="5064121" cy="1102767"/>
-            <a:chOff x="2902065" y="1090298"/>
-            <a:chExt cx="5064121" cy="1102767"/>
+            <a:off x="2686939" y="1523094"/>
+            <a:ext cx="6791248" cy="1905908"/>
+            <a:chOff x="3146487" y="901554"/>
+            <a:chExt cx="5486072" cy="1521671"/>
           </a:xfrm>
         </p:grpSpPr>
         <p:cxnSp>
           <p:nvCxnSpPr>
             <p:cNvPr id="41" name="Curved Connector 40"/>
             <p:cNvCxnSpPr>
-              <a:stCxn id="23" idx="2"/>
-              <a:endCxn id="4" idx="6"/>
+              <a:endCxn id="4" idx="5"/>
             </p:cNvCxnSpPr>
             <p:nvPr/>
           </p:nvCxnSpPr>
           <p:spPr>
             <a:xfrm rot="10800000">
-              <a:off x="2902065" y="1090298"/>
-              <a:ext cx="5064121" cy="1102767"/>
+              <a:off x="3146487" y="901554"/>
+              <a:ext cx="5486072" cy="1521671"/>
             </a:xfrm>
-            <a:prstGeom prst="curvedConnector3">
-              <a:avLst>
-                <a:gd name="adj1" fmla="val 50000"/>
-              </a:avLst>
+            <a:prstGeom prst="curvedConnector2">
+              <a:avLst/>
             </a:prstGeom>
             <a:ln>
-              <a:tailEnd type="arrow"/>
+              <a:headEnd type="none" w="med" len="med"/>
+              <a:tailEnd type="triangle" w="med" len="med"/>
             </a:ln>
           </p:spPr>
           <p:style>
@@ -3537,24 +3527,92 @@
           </p:nvSpPr>
           <p:spPr>
             <a:xfrm>
-              <a:off x="3430183" y="1211664"/>
-              <a:ext cx="1382554" cy="369332"/>
+              <a:off x="5607455" y="1452033"/>
+              <a:ext cx="2772911" cy="737184"/>
             </a:xfrm>
             <a:prstGeom prst="rect">
               <a:avLst/>
             </a:prstGeom>
-            <a:noFill/>
+            <a:solidFill>
+              <a:srgbClr val="FFCC99">
+                <a:alpha val="23137"/>
+              </a:srgbClr>
+            </a:solidFill>
+            <a:ln>
+              <a:noFill/>
+              <a:headEnd type="none" w="med" len="med"/>
+              <a:tailEnd type="triangle" w="med" len="med"/>
+            </a:ln>
           </p:spPr>
+          <p:style>
+            <a:lnRef idx="2">
+              <a:schemeClr val="dk1"/>
+            </a:lnRef>
+            <a:fillRef idx="1">
+              <a:schemeClr val="lt1"/>
+            </a:fillRef>
+            <a:effectRef idx="0">
+              <a:schemeClr val="dk1"/>
+            </a:effectRef>
+            <a:fontRef idx="minor">
+              <a:schemeClr val="dk1"/>
+            </a:fontRef>
+          </p:style>
           <p:txBody>
             <a:bodyPr wrap="square" rtlCol="1">
               <a:spAutoFit/>
             </a:bodyPr>
             <a:lstStyle/>
             <a:p>
+              <a:pPr algn="l"/>
+              <a:r>
+                <a:rPr lang="en-US" dirty="0" err="1" smtClean="0"/>
+                <a:t>Finish_image</a:t>
+              </a:r>
               <a:r>
                 <a:rPr lang="en-US" dirty="0" smtClean="0"/>
-                <a:t>Finish</a:t>
+                <a:t>=1</a:t>
               </a:r>
+              <a:br>
+                <a:rPr lang="en-US" dirty="0" smtClean="0"/>
+              </a:br>
+              <a:r>
+                <a:rPr lang="en-US" dirty="0" smtClean="0">
+                  <a:solidFill>
+                    <a:schemeClr val="accent3">
+                      <a:lumMod val="50000"/>
+                    </a:schemeClr>
+                  </a:solidFill>
+                </a:rPr>
+                <a:t>return to idle after complete full </a:t>
+              </a:r>
+              <a:r>
+                <a:rPr lang="en-US" dirty="0" err="1" smtClean="0">
+                  <a:solidFill>
+                    <a:schemeClr val="accent3">
+                      <a:lumMod val="50000"/>
+                    </a:schemeClr>
+                  </a:solidFill>
+                </a:rPr>
+                <a:t>calc</a:t>
+              </a:r>
+              <a:r>
+                <a:rPr lang="en-US" dirty="0" smtClean="0">
+                  <a:solidFill>
+                    <a:schemeClr val="accent3">
+                      <a:lumMod val="50000"/>
+                    </a:schemeClr>
+                  </a:solidFill>
+                </a:rPr>
+                <a:t> cycle </a:t>
+              </a:r>
+              <a:endParaRPr lang="en-US" sz="2000" dirty="0">
+                <a:solidFill>
+                  <a:schemeClr val="accent3">
+                    <a:lumMod val="50000"/>
+                  </a:schemeClr>
+                </a:solidFill>
+              </a:endParaRPr>
             </a:p>
           </p:txBody>
         </p:sp>
@@ -3567,30 +3625,32 @@
         </p:nvGrpSpPr>
         <p:grpSpPr>
           <a:xfrm>
-            <a:off x="8337920" y="3662906"/>
-            <a:ext cx="3128549" cy="1458283"/>
-            <a:chOff x="8337920" y="3662906"/>
-            <a:chExt cx="3128549" cy="1458283"/>
+            <a:off x="8249861" y="4149080"/>
+            <a:ext cx="2914461" cy="1562485"/>
+            <a:chOff x="8249861" y="4149080"/>
+            <a:chExt cx="2914461" cy="1562485"/>
           </a:xfrm>
         </p:grpSpPr>
         <p:cxnSp>
           <p:nvCxnSpPr>
             <p:cNvPr id="16" name="Curved Connector 15"/>
             <p:cNvCxnSpPr>
+              <a:stCxn id="6" idx="4"/>
               <a:endCxn id="7" idx="6"/>
             </p:cNvCxnSpPr>
             <p:nvPr/>
           </p:nvCxnSpPr>
           <p:spPr>
             <a:xfrm rot="5400000">
-              <a:off x="7880567" y="4120259"/>
-              <a:ext cx="1458283" cy="543577"/>
+              <a:off x="8734319" y="3664622"/>
+              <a:ext cx="1008487" cy="1977403"/>
             </a:xfrm>
             <a:prstGeom prst="curvedConnector2">
               <a:avLst/>
             </a:prstGeom>
             <a:ln>
-              <a:tailEnd type="arrow"/>
+              <a:headEnd type="none" w="med" len="med"/>
+              <a:tailEnd type="triangle" w="med" len="med"/>
             </a:ln>
           </p:spPr>
           <p:style>
@@ -3616,13 +3676,17 @@
           </p:nvSpPr>
           <p:spPr>
             <a:xfrm>
-              <a:off x="8812883" y="4212171"/>
+              <a:off x="8510736" y="5157567"/>
               <a:ext cx="2653586" cy="553998"/>
             </a:xfrm>
             <a:prstGeom prst="rect">
               <a:avLst/>
             </a:prstGeom>
-            <a:noFill/>
+            <a:solidFill>
+              <a:srgbClr val="FFCC99">
+                <a:alpha val="30196"/>
+              </a:srgbClr>
+            </a:solidFill>
           </p:spPr>
           <p:txBody>
             <a:bodyPr wrap="square" rtlCol="1">
@@ -3697,10 +3761,10 @@
         </p:nvGrpSpPr>
         <p:grpSpPr>
           <a:xfrm>
-            <a:off x="3583299" y="3232019"/>
-            <a:ext cx="5231466" cy="861774"/>
-            <a:chOff x="3662178" y="3232019"/>
-            <a:chExt cx="5231466" cy="861774"/>
+            <a:off x="3583300" y="3535103"/>
+            <a:ext cx="5898427" cy="861774"/>
+            <a:chOff x="3662179" y="3535103"/>
+            <a:chExt cx="5898427" cy="861774"/>
           </a:xfrm>
         </p:grpSpPr>
         <p:cxnSp>
@@ -3713,9 +3777,9 @@
             <p:nvPr/>
           </p:nvCxnSpPr>
           <p:spPr>
-            <a:xfrm rot="10800000" flipV="1">
-              <a:off x="3662178" y="3509294"/>
-              <a:ext cx="5231466" cy="27717"/>
+            <a:xfrm rot="10800000">
+              <a:off x="3662179" y="3537012"/>
+              <a:ext cx="5898427" cy="12700"/>
             </a:xfrm>
             <a:prstGeom prst="curvedConnector3">
               <a:avLst>
@@ -3723,7 +3787,8 @@
               </a:avLst>
             </a:prstGeom>
             <a:ln>
-              <a:tailEnd type="arrow"/>
+              <a:headEnd type="none" w="med" len="med"/>
+              <a:tailEnd type="triangle" w="med" len="med"/>
             </a:ln>
           </p:spPr>
           <p:style>
@@ -3749,13 +3814,17 @@
           </p:nvSpPr>
           <p:spPr>
             <a:xfrm>
-              <a:off x="4766320" y="3232019"/>
+              <a:off x="4515823" y="3535103"/>
               <a:ext cx="2653586" cy="861774"/>
             </a:xfrm>
             <a:prstGeom prst="rect">
               <a:avLst/>
             </a:prstGeom>
-            <a:noFill/>
+            <a:solidFill>
+              <a:srgbClr val="FFCC99">
+                <a:alpha val="30196"/>
+              </a:srgbClr>
+            </a:solidFill>
           </p:spPr>
           <p:txBody>
             <a:bodyPr wrap="square" rtlCol="1">
@@ -3800,32 +3869,35 @@
         </p:nvGrpSpPr>
         <p:grpSpPr>
           <a:xfrm>
-            <a:off x="5095470" y="5193199"/>
-            <a:ext cx="1627456" cy="385011"/>
-            <a:chOff x="5095470" y="5193199"/>
-            <a:chExt cx="1627456" cy="385011"/>
+            <a:off x="4567962" y="5578210"/>
+            <a:ext cx="2303414" cy="337875"/>
+            <a:chOff x="4567962" y="5578210"/>
+            <a:chExt cx="2303414" cy="337875"/>
           </a:xfrm>
         </p:grpSpPr>
         <p:cxnSp>
           <p:nvCxnSpPr>
             <p:cNvPr id="15" name="Curved Connector 14"/>
             <p:cNvCxnSpPr>
+              <a:stCxn id="7" idx="3"/>
               <a:endCxn id="9" idx="6"/>
             </p:cNvCxnSpPr>
             <p:nvPr/>
           </p:nvCxnSpPr>
           <p:spPr>
-            <a:xfrm rot="10800000">
-              <a:off x="5095470" y="5193199"/>
-              <a:ext cx="1627456" cy="14897"/>
+            <a:xfrm rot="5400000" flipH="1">
+              <a:off x="5713592" y="4432580"/>
+              <a:ext cx="12154" cy="2303414"/>
             </a:xfrm>
-            <a:prstGeom prst="curvedConnector3">
+            <a:prstGeom prst="curvedConnector4">
               <a:avLst>
-                <a:gd name="adj1" fmla="val 50000"/>
+                <a:gd name="adj1" fmla="val -4702156"/>
+                <a:gd name="adj2" fmla="val 70848"/>
               </a:avLst>
             </a:prstGeom>
             <a:ln>
-              <a:tailEnd type="arrow"/>
+              <a:headEnd type="none" w="med" len="med"/>
+              <a:tailEnd type="triangle" w="med" len="med"/>
             </a:ln>
           </p:spPr>
           <p:style>
@@ -3851,7 +3923,7 @@
           </p:nvSpPr>
           <p:spPr>
             <a:xfrm>
-              <a:off x="5208664" y="5301211"/>
+              <a:off x="4835654" y="5639086"/>
               <a:ext cx="1514258" cy="276999"/>
             </a:xfrm>
             <a:prstGeom prst="rect">
@@ -3887,10 +3959,10 @@
         </p:nvGrpSpPr>
         <p:grpSpPr>
           <a:xfrm>
-            <a:off x="955243" y="3969811"/>
-            <a:ext cx="1634349" cy="1223387"/>
-            <a:chOff x="955243" y="3969811"/>
-            <a:chExt cx="1634349" cy="1223387"/>
+            <a:off x="843416" y="3969810"/>
+            <a:ext cx="1218669" cy="1608401"/>
+            <a:chOff x="843416" y="3969810"/>
+            <a:chExt cx="1218669" cy="1608401"/>
           </a:xfrm>
         </p:grpSpPr>
         <p:cxnSp>
@@ -3904,14 +3976,15 @@
           </p:nvCxnSpPr>
           <p:spPr>
             <a:xfrm rot="10800000">
-              <a:off x="1886933" y="3969811"/>
-              <a:ext cx="702659" cy="1223387"/>
+              <a:off x="1886930" y="3969810"/>
+              <a:ext cx="175155" cy="1608401"/>
             </a:xfrm>
             <a:prstGeom prst="curvedConnector2">
               <a:avLst/>
             </a:prstGeom>
             <a:ln>
-              <a:tailEnd type="arrow"/>
+              <a:headEnd type="none" w="med" len="med"/>
+              <a:tailEnd type="triangle" w="med" len="med"/>
             </a:ln>
           </p:spPr>
           <p:style>
@@ -3937,7 +4010,7 @@
           </p:nvSpPr>
           <p:spPr>
             <a:xfrm>
-              <a:off x="955243" y="4797155"/>
+              <a:off x="843416" y="4797155"/>
               <a:ext cx="1106841" cy="276999"/>
             </a:xfrm>
             <a:prstGeom prst="rect">
@@ -4001,48 +4074,6 @@
           </a:p>
         </p:txBody>
       </p:sp>
-      <p:sp>
-        <p:nvSpPr>
-          <p:cNvPr id="23" name="Oval 22"/>
-          <p:cNvSpPr/>
-          <p:nvPr/>
-        </p:nvSpPr>
-        <p:spPr>
-          <a:xfrm>
-            <a:off x="7966185" y="1580996"/>
-            <a:ext cx="1679380" cy="1224136"/>
-          </a:xfrm>
-          <a:prstGeom prst="ellipse">
-            <a:avLst/>
-          </a:prstGeom>
-        </p:spPr>
-        <p:style>
-          <a:lnRef idx="2">
-            <a:schemeClr val="accent2"/>
-          </a:lnRef>
-          <a:fillRef idx="1">
-            <a:schemeClr val="lt1"/>
-          </a:fillRef>
-          <a:effectRef idx="0">
-            <a:schemeClr val="accent2"/>
-          </a:effectRef>
-          <a:fontRef idx="minor">
-            <a:schemeClr val="dk1"/>
-          </a:fontRef>
-        </p:style>
-        <p:txBody>
-          <a:bodyPr rtlCol="1" anchor="ctr"/>
-          <a:lstStyle/>
-          <a:p>
-            <a:pPr algn="ctr"/>
-            <a:r>
-              <a:rPr lang="en-US" sz="1600" dirty="0" smtClean="0"/>
-              <a:t>Increment coordinate</a:t>
-            </a:r>
-            <a:endParaRPr lang="he-IL" sz="1600" dirty="0"/>
-          </a:p>
-        </p:txBody>
-      </p:sp>
       <p:grpSp>
         <p:nvGrpSpPr>
           <p:cNvPr id="3" name="Group 2"/>
@@ -4051,33 +4082,32 @@
         </p:nvGrpSpPr>
         <p:grpSpPr>
           <a:xfrm>
-            <a:off x="9645565" y="1772764"/>
-            <a:ext cx="2673330" cy="1736531"/>
-            <a:chOff x="9645565" y="1772764"/>
-            <a:chExt cx="2673330" cy="1736531"/>
+            <a:off x="7442363" y="1090297"/>
+            <a:ext cx="2784900" cy="1834647"/>
+            <a:chOff x="9419569" y="2682252"/>
+            <a:chExt cx="2784900" cy="1834647"/>
           </a:xfrm>
         </p:grpSpPr>
         <p:cxnSp>
           <p:nvCxnSpPr>
             <p:cNvPr id="17" name="Curved Connector 16"/>
             <p:cNvCxnSpPr>
-              <a:stCxn id="23" idx="6"/>
-              <a:endCxn id="6" idx="6"/>
+              <a:stCxn id="39" idx="6"/>
+              <a:endCxn id="6" idx="0"/>
             </p:cNvCxnSpPr>
             <p:nvPr/>
           </p:nvCxnSpPr>
           <p:spPr>
             <a:xfrm>
-              <a:off x="9645565" y="2193064"/>
-              <a:ext cx="494111" cy="1316231"/>
+              <a:off x="9419569" y="2977733"/>
+              <a:ext cx="2784900" cy="1539166"/>
             </a:xfrm>
-            <a:prstGeom prst="curvedConnector3">
-              <a:avLst>
-                <a:gd name="adj1" fmla="val 146265"/>
-              </a:avLst>
+            <a:prstGeom prst="curvedConnector2">
+              <a:avLst/>
             </a:prstGeom>
             <a:ln>
-              <a:tailEnd type="arrow"/>
+              <a:headEnd type="none" w="med" len="med"/>
+              <a:tailEnd type="triangle" w="med" len="med"/>
             </a:ln>
           </p:spPr>
           <p:style>
@@ -4103,13 +4133,17 @@
           </p:nvSpPr>
           <p:spPr>
             <a:xfrm>
-              <a:off x="9665309" y="1772764"/>
-              <a:ext cx="2653586" cy="369332"/>
+              <a:off x="9966147" y="2682252"/>
+              <a:ext cx="1745931" cy="369332"/>
             </a:xfrm>
             <a:prstGeom prst="rect">
               <a:avLst/>
             </a:prstGeom>
-            <a:noFill/>
+            <a:solidFill>
+              <a:srgbClr val="FFCC99">
+                <a:alpha val="30196"/>
+              </a:srgbClr>
+            </a:solidFill>
           </p:spPr>
           <p:txBody>
             <a:bodyPr wrap="square" rtlCol="1">
@@ -4120,97 +4154,59 @@
               <a:pPr algn="l"/>
               <a:r>
                 <a:rPr lang="en-US" dirty="0" err="1" smtClean="0"/>
-                <a:t>Finish_increment</a:t>
+                <a:t>Finish_image</a:t>
+              </a:r>
+              <a:r>
+                <a:rPr lang="en-US" dirty="0" smtClean="0"/>
+                <a:t>=0</a:t>
               </a:r>
               <a:endParaRPr lang="en-US" dirty="0" smtClean="0"/>
             </a:p>
           </p:txBody>
         </p:sp>
       </p:grpSp>
-      <p:grpSp>
-        <p:nvGrpSpPr>
-          <p:cNvPr id="2" name="Group 1"/>
-          <p:cNvGrpSpPr/>
+      <p:sp>
+        <p:nvSpPr>
+          <p:cNvPr id="39" name="Oval 38"/>
+          <p:cNvSpPr/>
           <p:nvPr/>
-        </p:nvGrpSpPr>
-        <p:grpSpPr>
+        </p:nvSpPr>
+        <p:spPr>
           <a:xfrm>
-            <a:off x="7885759" y="536131"/>
-            <a:ext cx="3566595" cy="1044865"/>
-            <a:chOff x="7885759" y="536131"/>
-            <a:chExt cx="3566595" cy="1044865"/>
+            <a:off x="5257460" y="773710"/>
+            <a:ext cx="2184903" cy="1224136"/>
           </a:xfrm>
-        </p:grpSpPr>
-        <p:cxnSp>
-          <p:nvCxnSpPr>
-            <p:cNvPr id="30" name="Curved Connector 29"/>
-            <p:cNvCxnSpPr>
-              <a:stCxn id="5" idx="7"/>
-              <a:endCxn id="23" idx="0"/>
-            </p:cNvCxnSpPr>
-            <p:nvPr/>
-          </p:nvCxnSpPr>
-          <p:spPr>
-            <a:xfrm rot="16200000" flipH="1">
-              <a:off x="7823384" y="598506"/>
-              <a:ext cx="1044865" cy="920115"/>
-            </a:xfrm>
-            <a:prstGeom prst="curvedConnector3">
-              <a:avLst>
-                <a:gd name="adj1" fmla="val 3262"/>
-              </a:avLst>
-            </a:prstGeom>
-            <a:ln>
-              <a:tailEnd type="arrow"/>
-            </a:ln>
-          </p:spPr>
-          <p:style>
-            <a:lnRef idx="3">
-              <a:schemeClr val="dk1"/>
-            </a:lnRef>
-            <a:fillRef idx="0">
-              <a:schemeClr val="dk1"/>
-            </a:fillRef>
-            <a:effectRef idx="2">
-              <a:schemeClr val="dk1"/>
-            </a:effectRef>
-            <a:fontRef idx="minor">
-              <a:schemeClr val="tx1"/>
-            </a:fontRef>
-          </p:style>
-        </p:cxnSp>
-        <p:sp>
-          <p:nvSpPr>
-            <p:cNvPr id="26" name="TextBox 25"/>
-            <p:cNvSpPr txBox="1"/>
-            <p:nvPr/>
-          </p:nvSpPr>
-          <p:spPr>
-            <a:xfrm>
-              <a:off x="8798768" y="764704"/>
-              <a:ext cx="2653586" cy="369332"/>
-            </a:xfrm>
-            <a:prstGeom prst="rect">
-              <a:avLst/>
-            </a:prstGeom>
-            <a:noFill/>
-          </p:spPr>
-          <p:txBody>
-            <a:bodyPr wrap="square" rtlCol="1">
-              <a:spAutoFit/>
-            </a:bodyPr>
-            <a:lstStyle/>
-            <a:p>
-              <a:pPr algn="l"/>
-              <a:r>
-                <a:rPr lang="en-US" dirty="0" err="1" smtClean="0"/>
-                <a:t>Finish_init</a:t>
-              </a:r>
-              <a:endParaRPr lang="en-US" dirty="0" smtClean="0"/>
-            </a:p>
-          </p:txBody>
-        </p:sp>
-      </p:grpSp>
+          <a:prstGeom prst="ellipse">
+            <a:avLst/>
+          </a:prstGeom>
+        </p:spPr>
+        <p:style>
+          <a:lnRef idx="3">
+            <a:schemeClr val="lt1"/>
+          </a:lnRef>
+          <a:fillRef idx="1">
+            <a:schemeClr val="accent4"/>
+          </a:fillRef>
+          <a:effectRef idx="1">
+            <a:schemeClr val="accent4"/>
+          </a:effectRef>
+          <a:fontRef idx="minor">
+            <a:schemeClr val="lt1"/>
+          </a:fontRef>
+        </p:style>
+        <p:txBody>
+          <a:bodyPr rtlCol="1" anchor="ctr"/>
+          <a:lstStyle/>
+          <a:p>
+            <a:pPr algn="ctr"/>
+            <a:r>
+              <a:rPr lang="en-US" b="1" dirty="0" smtClean="0"/>
+              <a:t>Increment Coordinate</a:t>
+            </a:r>
+            <a:endParaRPr lang="he-IL" b="1" dirty="0"/>
+          </a:p>
+        </p:txBody>
+      </p:sp>
     </p:spTree>
     <p:extLst>
       <p:ext uri="{BB962C8B-B14F-4D97-AF65-F5344CB8AC3E}">
@@ -4221,6 +4217,13 @@
   <p:clrMapOvr>
     <a:masterClrMapping/>
   </p:clrMapOvr>
+  <p:timing>
+    <p:tnLst>
+      <p:par>
+        <p:cTn id="1" dur="indefinite" restart="never" nodeType="tmRoot"/>
+      </p:par>
+    </p:tnLst>
+  </p:timing>
 </p:sld>
 </file>
 

--- a/Presentation/Img Man Top FSM.pptx
+++ b/Presentation/Img Man Top FSM.pptx
@@ -288,7 +288,7 @@
           <a:p>
             <a:fld id="{D1329CB7-D74C-47FA-A22A-C6A2E8AA6A2B}" type="datetimeFigureOut">
               <a:rPr lang="he-IL" smtClean="0"/>
-              <a:t>י'/אלול/תשע"ב</a:t>
+              <a:t>י"ז/חשון/תשע"ג</a:t>
             </a:fld>
             <a:endParaRPr lang="he-IL"/>
           </a:p>
@@ -458,7 +458,7 @@
           <a:p>
             <a:fld id="{D1329CB7-D74C-47FA-A22A-C6A2E8AA6A2B}" type="datetimeFigureOut">
               <a:rPr lang="he-IL" smtClean="0"/>
-              <a:t>י'/אלול/תשע"ב</a:t>
+              <a:t>י"ז/חשון/תשע"ג</a:t>
             </a:fld>
             <a:endParaRPr lang="he-IL"/>
           </a:p>
@@ -638,7 +638,7 @@
           <a:p>
             <a:fld id="{D1329CB7-D74C-47FA-A22A-C6A2E8AA6A2B}" type="datetimeFigureOut">
               <a:rPr lang="he-IL" smtClean="0"/>
-              <a:t>י'/אלול/תשע"ב</a:t>
+              <a:t>י"ז/חשון/תשע"ג</a:t>
             </a:fld>
             <a:endParaRPr lang="he-IL"/>
           </a:p>
@@ -808,7 +808,7 @@
           <a:p>
             <a:fld id="{D1329CB7-D74C-47FA-A22A-C6A2E8AA6A2B}" type="datetimeFigureOut">
               <a:rPr lang="he-IL" smtClean="0"/>
-              <a:t>י'/אלול/תשע"ב</a:t>
+              <a:t>י"ז/חשון/תשע"ג</a:t>
             </a:fld>
             <a:endParaRPr lang="he-IL"/>
           </a:p>
@@ -1054,7 +1054,7 @@
           <a:p>
             <a:fld id="{D1329CB7-D74C-47FA-A22A-C6A2E8AA6A2B}" type="datetimeFigureOut">
               <a:rPr lang="he-IL" smtClean="0"/>
-              <a:t>י'/אלול/תשע"ב</a:t>
+              <a:t>י"ז/חשון/תשע"ג</a:t>
             </a:fld>
             <a:endParaRPr lang="he-IL"/>
           </a:p>
@@ -1342,7 +1342,7 @@
           <a:p>
             <a:fld id="{D1329CB7-D74C-47FA-A22A-C6A2E8AA6A2B}" type="datetimeFigureOut">
               <a:rPr lang="he-IL" smtClean="0"/>
-              <a:t>י'/אלול/תשע"ב</a:t>
+              <a:t>י"ז/חשון/תשע"ג</a:t>
             </a:fld>
             <a:endParaRPr lang="he-IL"/>
           </a:p>
@@ -1764,7 +1764,7 @@
           <a:p>
             <a:fld id="{D1329CB7-D74C-47FA-A22A-C6A2E8AA6A2B}" type="datetimeFigureOut">
               <a:rPr lang="he-IL" smtClean="0"/>
-              <a:t>י'/אלול/תשע"ב</a:t>
+              <a:t>י"ז/חשון/תשע"ג</a:t>
             </a:fld>
             <a:endParaRPr lang="he-IL"/>
           </a:p>
@@ -1882,7 +1882,7 @@
           <a:p>
             <a:fld id="{D1329CB7-D74C-47FA-A22A-C6A2E8AA6A2B}" type="datetimeFigureOut">
               <a:rPr lang="he-IL" smtClean="0"/>
-              <a:t>י'/אלול/תשע"ב</a:t>
+              <a:t>י"ז/חשון/תשע"ג</a:t>
             </a:fld>
             <a:endParaRPr lang="he-IL"/>
           </a:p>
@@ -1977,7 +1977,7 @@
           <a:p>
             <a:fld id="{D1329CB7-D74C-47FA-A22A-C6A2E8AA6A2B}" type="datetimeFigureOut">
               <a:rPr lang="he-IL" smtClean="0"/>
-              <a:t>י'/אלול/תשע"ב</a:t>
+              <a:t>י"ז/חשון/תשע"ג</a:t>
             </a:fld>
             <a:endParaRPr lang="he-IL"/>
           </a:p>
@@ -2254,7 +2254,7 @@
           <a:p>
             <a:fld id="{D1329CB7-D74C-47FA-A22A-C6A2E8AA6A2B}" type="datetimeFigureOut">
               <a:rPr lang="he-IL" smtClean="0"/>
-              <a:t>י'/אלול/תשע"ב</a:t>
+              <a:t>י"ז/חשון/תשע"ג</a:t>
             </a:fld>
             <a:endParaRPr lang="he-IL"/>
           </a:p>
@@ -2507,7 +2507,7 @@
           <a:p>
             <a:fld id="{D1329CB7-D74C-47FA-A22A-C6A2E8AA6A2B}" type="datetimeFigureOut">
               <a:rPr lang="he-IL" smtClean="0"/>
-              <a:t>י'/אלול/תשע"ב</a:t>
+              <a:t>י"ז/חשון/תשע"ג</a:t>
             </a:fld>
             <a:endParaRPr lang="he-IL"/>
           </a:p>
@@ -2720,7 +2720,7 @@
           <a:p>
             <a:fld id="{D1329CB7-D74C-47FA-A22A-C6A2E8AA6A2B}" type="datetimeFigureOut">
               <a:rPr lang="he-IL" smtClean="0"/>
-              <a:t>י'/אלול/תשע"ב</a:t>
+              <a:t>י"ז/חשון/תשע"ג</a:t>
             </a:fld>
             <a:endParaRPr lang="he-IL"/>
           </a:p>
@@ -3349,17 +3349,19 @@
         <p:nvCxnSpPr>
           <p:cNvPr id="24" name="Curved Connector 23"/>
           <p:cNvCxnSpPr>
-            <a:endCxn id="39" idx="3"/>
+            <a:endCxn id="4" idx="4"/>
           </p:cNvCxnSpPr>
           <p:nvPr/>
         </p:nvCxnSpPr>
         <p:spPr>
-          <a:xfrm flipV="1">
-            <a:off x="3288565" y="1818575"/>
-            <a:ext cx="2288867" cy="1271481"/>
+          <a:xfrm rot="16200000" flipV="1">
+            <a:off x="2034228" y="1835720"/>
+            <a:ext cx="1387692" cy="1120982"/>
           </a:xfrm>
-          <a:prstGeom prst="curvedConnector2">
-            <a:avLst/>
+          <a:prstGeom prst="curvedConnector3">
+            <a:avLst>
+              <a:gd name="adj1" fmla="val 50000"/>
+            </a:avLst>
           </a:prstGeom>
           <a:ln>
             <a:headEnd type="none" w="med" len="med"/>
@@ -3477,10 +3479,10 @@
         </p:nvGrpSpPr>
         <p:grpSpPr>
           <a:xfrm>
-            <a:off x="2686939" y="1523094"/>
-            <a:ext cx="6791248" cy="1905908"/>
-            <a:chOff x="3146487" y="901554"/>
-            <a:chExt cx="5486072" cy="1521671"/>
+            <a:off x="-283201" y="1523094"/>
+            <a:ext cx="9761388" cy="1905908"/>
+            <a:chOff x="747163" y="901554"/>
+            <a:chExt cx="7885396" cy="1521671"/>
           </a:xfrm>
         </p:grpSpPr>
         <p:cxnSp>
@@ -3527,8 +3529,8 @@
           </p:nvSpPr>
           <p:spPr>
             <a:xfrm>
-              <a:off x="5607455" y="1452033"/>
-              <a:ext cx="2772911" cy="737184"/>
+              <a:off x="747163" y="1230055"/>
+              <a:ext cx="2399324" cy="737184"/>
             </a:xfrm>
             <a:prstGeom prst="rect">
               <a:avLst/>
@@ -4160,7 +4162,6 @@
                 <a:rPr lang="en-US" dirty="0" smtClean="0"/>
                 <a:t>=0</a:t>
               </a:r>
-              <a:endParaRPr lang="en-US" dirty="0" smtClean="0"/>
             </a:p>
           </p:txBody>
         </p:sp>
@@ -4204,6 +4205,80 @@
               <a:t>Increment Coordinate</a:t>
             </a:r>
             <a:endParaRPr lang="he-IL" b="1" dirty="0"/>
+          </a:p>
+        </p:txBody>
+      </p:sp>
+      <p:cxnSp>
+        <p:nvCxnSpPr>
+          <p:cNvPr id="32" name="Curved Connector 31"/>
+          <p:cNvCxnSpPr>
+            <a:endCxn id="39" idx="3"/>
+          </p:cNvCxnSpPr>
+          <p:nvPr/>
+        </p:nvCxnSpPr>
+        <p:spPr>
+          <a:xfrm flipV="1">
+            <a:off x="3440965" y="1818575"/>
+            <a:ext cx="2136467" cy="1423882"/>
+          </a:xfrm>
+          <a:prstGeom prst="curvedConnector2">
+            <a:avLst/>
+          </a:prstGeom>
+          <a:ln>
+            <a:headEnd type="none" w="med" len="med"/>
+            <a:tailEnd type="triangle" w="med" len="med"/>
+          </a:ln>
+        </p:spPr>
+        <p:style>
+          <a:lnRef idx="3">
+            <a:schemeClr val="dk1"/>
+          </a:lnRef>
+          <a:fillRef idx="0">
+            <a:schemeClr val="dk1"/>
+          </a:fillRef>
+          <a:effectRef idx="2">
+            <a:schemeClr val="dk1"/>
+          </a:effectRef>
+          <a:fontRef idx="minor">
+            <a:schemeClr val="tx1"/>
+          </a:fontRef>
+        </p:style>
+      </p:cxnSp>
+      <p:sp>
+        <p:nvSpPr>
+          <p:cNvPr id="34" name="TextBox 33"/>
+          <p:cNvSpPr txBox="1"/>
+          <p:nvPr/>
+        </p:nvSpPr>
+        <p:spPr>
+          <a:xfrm>
+            <a:off x="5396653" y="2195572"/>
+            <a:ext cx="1745931" cy="369332"/>
+          </a:xfrm>
+          <a:prstGeom prst="rect">
+            <a:avLst/>
+          </a:prstGeom>
+          <a:solidFill>
+            <a:srgbClr val="FFCC99">
+              <a:alpha val="30196"/>
+            </a:srgbClr>
+          </a:solidFill>
+        </p:spPr>
+        <p:txBody>
+          <a:bodyPr wrap="square" rtlCol="1">
+            <a:spAutoFit/>
+          </a:bodyPr>
+          <a:lstStyle/>
+          <a:p>
+            <a:pPr algn="l"/>
+            <a:r>
+              <a:rPr lang="en-US" dirty="0" err="1" smtClean="0"/>
+              <a:t>Finish_image</a:t>
+            </a:r>
+            <a:r>
+              <a:rPr lang="en-US" dirty="0" smtClean="0"/>
+              <a:t>=0</a:t>
+            </a:r>
           </a:p>
         </p:txBody>
       </p:sp>

--- a/Presentation/Img Man Top FSM.pptx
+++ b/Presentation/Img Man Top FSM.pptx
@@ -6,6 +6,7 @@
   </p:sldMasterIdLst>
   <p:sldIdLst>
     <p:sldId id="256" r:id="rId2"/>
+    <p:sldId id="257" r:id="rId3"/>
   </p:sldIdLst>
   <p:sldSz cx="10972800" cy="6858000"/>
   <p:notesSz cx="6858000" cy="9144000"/>
@@ -288,7 +289,7 @@
           <a:p>
             <a:fld id="{D1329CB7-D74C-47FA-A22A-C6A2E8AA6A2B}" type="datetimeFigureOut">
               <a:rPr lang="he-IL" smtClean="0"/>
-              <a:t>י"ז/חשון/תשע"ג</a:t>
+              <a:t>ט"ז/ניסן/תשע"ג</a:t>
             </a:fld>
             <a:endParaRPr lang="he-IL"/>
           </a:p>
@@ -458,7 +459,7 @@
           <a:p>
             <a:fld id="{D1329CB7-D74C-47FA-A22A-C6A2E8AA6A2B}" type="datetimeFigureOut">
               <a:rPr lang="he-IL" smtClean="0"/>
-              <a:t>י"ז/חשון/תשע"ג</a:t>
+              <a:t>ט"ז/ניסן/תשע"ג</a:t>
             </a:fld>
             <a:endParaRPr lang="he-IL"/>
           </a:p>
@@ -638,7 +639,7 @@
           <a:p>
             <a:fld id="{D1329CB7-D74C-47FA-A22A-C6A2E8AA6A2B}" type="datetimeFigureOut">
               <a:rPr lang="he-IL" smtClean="0"/>
-              <a:t>י"ז/חשון/תשע"ג</a:t>
+              <a:t>ט"ז/ניסן/תשע"ג</a:t>
             </a:fld>
             <a:endParaRPr lang="he-IL"/>
           </a:p>
@@ -808,7 +809,7 @@
           <a:p>
             <a:fld id="{D1329CB7-D74C-47FA-A22A-C6A2E8AA6A2B}" type="datetimeFigureOut">
               <a:rPr lang="he-IL" smtClean="0"/>
-              <a:t>י"ז/חשון/תשע"ג</a:t>
+              <a:t>ט"ז/ניסן/תשע"ג</a:t>
             </a:fld>
             <a:endParaRPr lang="he-IL"/>
           </a:p>
@@ -1054,7 +1055,7 @@
           <a:p>
             <a:fld id="{D1329CB7-D74C-47FA-A22A-C6A2E8AA6A2B}" type="datetimeFigureOut">
               <a:rPr lang="he-IL" smtClean="0"/>
-              <a:t>י"ז/חשון/תשע"ג</a:t>
+              <a:t>ט"ז/ניסן/תשע"ג</a:t>
             </a:fld>
             <a:endParaRPr lang="he-IL"/>
           </a:p>
@@ -1342,7 +1343,7 @@
           <a:p>
             <a:fld id="{D1329CB7-D74C-47FA-A22A-C6A2E8AA6A2B}" type="datetimeFigureOut">
               <a:rPr lang="he-IL" smtClean="0"/>
-              <a:t>י"ז/חשון/תשע"ג</a:t>
+              <a:t>ט"ז/ניסן/תשע"ג</a:t>
             </a:fld>
             <a:endParaRPr lang="he-IL"/>
           </a:p>
@@ -1764,7 +1765,7 @@
           <a:p>
             <a:fld id="{D1329CB7-D74C-47FA-A22A-C6A2E8AA6A2B}" type="datetimeFigureOut">
               <a:rPr lang="he-IL" smtClean="0"/>
-              <a:t>י"ז/חשון/תשע"ג</a:t>
+              <a:t>ט"ז/ניסן/תשע"ג</a:t>
             </a:fld>
             <a:endParaRPr lang="he-IL"/>
           </a:p>
@@ -1882,7 +1883,7 @@
           <a:p>
             <a:fld id="{D1329CB7-D74C-47FA-A22A-C6A2E8AA6A2B}" type="datetimeFigureOut">
               <a:rPr lang="he-IL" smtClean="0"/>
-              <a:t>י"ז/חשון/תשע"ג</a:t>
+              <a:t>ט"ז/ניסן/תשע"ג</a:t>
             </a:fld>
             <a:endParaRPr lang="he-IL"/>
           </a:p>
@@ -1977,7 +1978,7 @@
           <a:p>
             <a:fld id="{D1329CB7-D74C-47FA-A22A-C6A2E8AA6A2B}" type="datetimeFigureOut">
               <a:rPr lang="he-IL" smtClean="0"/>
-              <a:t>י"ז/חשון/תשע"ג</a:t>
+              <a:t>ט"ז/ניסן/תשע"ג</a:t>
             </a:fld>
             <a:endParaRPr lang="he-IL"/>
           </a:p>
@@ -2254,7 +2255,7 @@
           <a:p>
             <a:fld id="{D1329CB7-D74C-47FA-A22A-C6A2E8AA6A2B}" type="datetimeFigureOut">
               <a:rPr lang="he-IL" smtClean="0"/>
-              <a:t>י"ז/חשון/תשע"ג</a:t>
+              <a:t>ט"ז/ניסן/תשע"ג</a:t>
             </a:fld>
             <a:endParaRPr lang="he-IL"/>
           </a:p>
@@ -2507,7 +2508,7 @@
           <a:p>
             <a:fld id="{D1329CB7-D74C-47FA-A22A-C6A2E8AA6A2B}" type="datetimeFigureOut">
               <a:rPr lang="he-IL" smtClean="0"/>
-              <a:t>י"ז/חשון/תשע"ג</a:t>
+              <a:t>ט"ז/ניסן/תשע"ג</a:t>
             </a:fld>
             <a:endParaRPr lang="he-IL"/>
           </a:p>
@@ -2720,7 +2721,7 @@
           <a:p>
             <a:fld id="{D1329CB7-D74C-47FA-A22A-C6A2E8AA6A2B}" type="datetimeFigureOut">
               <a:rPr lang="he-IL" smtClean="0"/>
-              <a:t>י"ז/חשון/תשע"ג</a:t>
+              <a:t>ט"ז/ניסן/תשע"ג</a:t>
             </a:fld>
             <a:endParaRPr lang="he-IL"/>
           </a:p>
@@ -4302,6 +4303,36 @@
 </p:sld>
 </file>
 
+<file path=ppt/slides/slide2.xml><?xml version="1.0" encoding="utf-8"?>
+<p:sld xmlns:a="http://schemas.openxmlformats.org/drawingml/2006/main" xmlns:r="http://schemas.openxmlformats.org/officeDocument/2006/relationships" xmlns:p="http://schemas.openxmlformats.org/presentationml/2006/main">
+  <p:cSld>
+    <p:spTree>
+      <p:nvGrpSpPr>
+        <p:cNvPr id="1" name=""/>
+        <p:cNvGrpSpPr/>
+        <p:nvPr/>
+      </p:nvGrpSpPr>
+      <p:grpSpPr>
+        <a:xfrm>
+          <a:off x="0" y="0"/>
+          <a:ext cx="0" cy="0"/>
+          <a:chOff x="0" y="0"/>
+          <a:chExt cx="0" cy="0"/>
+        </a:xfrm>
+      </p:grpSpPr>
+    </p:spTree>
+    <p:extLst>
+      <p:ext uri="{BB962C8B-B14F-4D97-AF65-F5344CB8AC3E}">
+        <p14:creationId xmlns:p14="http://schemas.microsoft.com/office/powerpoint/2010/main" val="2078617086"/>
+      </p:ext>
+    </p:extLst>
+  </p:cSld>
+  <p:clrMapOvr>
+    <a:masterClrMapping/>
+  </p:clrMapOvr>
+</p:sld>
+</file>
+
 <file path=ppt/theme/theme1.xml><?xml version="1.0" encoding="utf-8"?>
 <a:theme xmlns:a="http://schemas.openxmlformats.org/drawingml/2006/main" name="Office Theme">
   <a:themeElements>

--- a/Presentation/Img Man Top FSM.pptx
+++ b/Presentation/Img Man Top FSM.pptx
@@ -289,7 +289,7 @@
           <a:p>
             <a:fld id="{D1329CB7-D74C-47FA-A22A-C6A2E8AA6A2B}" type="datetimeFigureOut">
               <a:rPr lang="he-IL" smtClean="0"/>
-              <a:t>ט"ז/ניסן/תשע"ג</a:t>
+              <a:t>כ"ד/אייר/תשע"ג</a:t>
             </a:fld>
             <a:endParaRPr lang="he-IL"/>
           </a:p>
@@ -459,7 +459,7 @@
           <a:p>
             <a:fld id="{D1329CB7-D74C-47FA-A22A-C6A2E8AA6A2B}" type="datetimeFigureOut">
               <a:rPr lang="he-IL" smtClean="0"/>
-              <a:t>ט"ז/ניסן/תשע"ג</a:t>
+              <a:t>כ"ד/אייר/תשע"ג</a:t>
             </a:fld>
             <a:endParaRPr lang="he-IL"/>
           </a:p>
@@ -639,7 +639,7 @@
           <a:p>
             <a:fld id="{D1329CB7-D74C-47FA-A22A-C6A2E8AA6A2B}" type="datetimeFigureOut">
               <a:rPr lang="he-IL" smtClean="0"/>
-              <a:t>ט"ז/ניסן/תשע"ג</a:t>
+              <a:t>כ"ד/אייר/תשע"ג</a:t>
             </a:fld>
             <a:endParaRPr lang="he-IL"/>
           </a:p>
@@ -809,7 +809,7 @@
           <a:p>
             <a:fld id="{D1329CB7-D74C-47FA-A22A-C6A2E8AA6A2B}" type="datetimeFigureOut">
               <a:rPr lang="he-IL" smtClean="0"/>
-              <a:t>ט"ז/ניסן/תשע"ג</a:t>
+              <a:t>כ"ד/אייר/תשע"ג</a:t>
             </a:fld>
             <a:endParaRPr lang="he-IL"/>
           </a:p>
@@ -1055,7 +1055,7 @@
           <a:p>
             <a:fld id="{D1329CB7-D74C-47FA-A22A-C6A2E8AA6A2B}" type="datetimeFigureOut">
               <a:rPr lang="he-IL" smtClean="0"/>
-              <a:t>ט"ז/ניסן/תשע"ג</a:t>
+              <a:t>כ"ד/אייר/תשע"ג</a:t>
             </a:fld>
             <a:endParaRPr lang="he-IL"/>
           </a:p>
@@ -1343,7 +1343,7 @@
           <a:p>
             <a:fld id="{D1329CB7-D74C-47FA-A22A-C6A2E8AA6A2B}" type="datetimeFigureOut">
               <a:rPr lang="he-IL" smtClean="0"/>
-              <a:t>ט"ז/ניסן/תשע"ג</a:t>
+              <a:t>כ"ד/אייר/תשע"ג</a:t>
             </a:fld>
             <a:endParaRPr lang="he-IL"/>
           </a:p>
@@ -1765,7 +1765,7 @@
           <a:p>
             <a:fld id="{D1329CB7-D74C-47FA-A22A-C6A2E8AA6A2B}" type="datetimeFigureOut">
               <a:rPr lang="he-IL" smtClean="0"/>
-              <a:t>ט"ז/ניסן/תשע"ג</a:t>
+              <a:t>כ"ד/אייר/תשע"ג</a:t>
             </a:fld>
             <a:endParaRPr lang="he-IL"/>
           </a:p>
@@ -1883,7 +1883,7 @@
           <a:p>
             <a:fld id="{D1329CB7-D74C-47FA-A22A-C6A2E8AA6A2B}" type="datetimeFigureOut">
               <a:rPr lang="he-IL" smtClean="0"/>
-              <a:t>ט"ז/ניסן/תשע"ג</a:t>
+              <a:t>כ"ד/אייר/תשע"ג</a:t>
             </a:fld>
             <a:endParaRPr lang="he-IL"/>
           </a:p>
@@ -1978,7 +1978,7 @@
           <a:p>
             <a:fld id="{D1329CB7-D74C-47FA-A22A-C6A2E8AA6A2B}" type="datetimeFigureOut">
               <a:rPr lang="he-IL" smtClean="0"/>
-              <a:t>ט"ז/ניסן/תשע"ג</a:t>
+              <a:t>כ"ד/אייר/תשע"ג</a:t>
             </a:fld>
             <a:endParaRPr lang="he-IL"/>
           </a:p>
@@ -2255,7 +2255,7 @@
           <a:p>
             <a:fld id="{D1329CB7-D74C-47FA-A22A-C6A2E8AA6A2B}" type="datetimeFigureOut">
               <a:rPr lang="he-IL" smtClean="0"/>
-              <a:t>ט"ז/ניסן/תשע"ג</a:t>
+              <a:t>כ"ד/אייר/תשע"ג</a:t>
             </a:fld>
             <a:endParaRPr lang="he-IL"/>
           </a:p>
@@ -2508,7 +2508,7 @@
           <a:p>
             <a:fld id="{D1329CB7-D74C-47FA-A22A-C6A2E8AA6A2B}" type="datetimeFigureOut">
               <a:rPr lang="he-IL" smtClean="0"/>
-              <a:t>ט"ז/ניסן/תשע"ג</a:t>
+              <a:t>כ"ד/אייר/תשע"ג</a:t>
             </a:fld>
             <a:endParaRPr lang="he-IL"/>
           </a:p>
@@ -2721,7 +2721,7 @@
           <a:p>
             <a:fld id="{D1329CB7-D74C-47FA-A22A-C6A2E8AA6A2B}" type="datetimeFigureOut">
               <a:rPr lang="he-IL" smtClean="0"/>
-              <a:t>ט"ז/ניסן/תשע"ג</a:t>
+              <a:t>כ"ד/אייר/תשע"ג</a:t>
             </a:fld>
             <a:endParaRPr lang="he-IL"/>
           </a:p>
@@ -3220,7 +3220,7 @@
         </p:nvSpPr>
         <p:spPr>
           <a:xfrm>
-            <a:off x="6634866" y="4545499"/>
+            <a:off x="6634866" y="4293096"/>
             <a:ext cx="1614994" cy="1224136"/>
           </a:xfrm>
           <a:prstGeom prst="ellipse">
@@ -3262,7 +3262,7 @@
         </p:nvSpPr>
         <p:spPr>
           <a:xfrm>
-            <a:off x="1595878" y="2924944"/>
+            <a:off x="1986811" y="2708920"/>
             <a:ext cx="1987421" cy="1224136"/>
           </a:xfrm>
           <a:prstGeom prst="ellipse">
@@ -3312,7 +3312,7 @@
         </p:nvSpPr>
         <p:spPr>
           <a:xfrm>
-            <a:off x="2062084" y="4966142"/>
+            <a:off x="3213791" y="4806918"/>
             <a:ext cx="2505878" cy="1224136"/>
           </a:xfrm>
           <a:prstGeom prst="ellipse">
@@ -3350,14 +3350,15 @@
         <p:nvCxnSpPr>
           <p:cNvPr id="24" name="Curved Connector 23"/>
           <p:cNvCxnSpPr>
+            <a:stCxn id="8" idx="0"/>
             <a:endCxn id="4" idx="4"/>
           </p:cNvCxnSpPr>
           <p:nvPr/>
         </p:nvCxnSpPr>
         <p:spPr>
           <a:xfrm rot="16200000" flipV="1">
-            <a:off x="2034228" y="1835720"/>
-            <a:ext cx="1387692" cy="1120982"/>
+            <a:off x="2070776" y="1799173"/>
+            <a:ext cx="1006555" cy="812939"/>
           </a:xfrm>
           <a:prstGeom prst="curvedConnector3">
             <a:avLst>
@@ -3392,10 +3393,10 @@
         </p:nvGrpSpPr>
         <p:grpSpPr>
           <a:xfrm>
-            <a:off x="2902064" y="318058"/>
-            <a:ext cx="2675368" cy="772239"/>
-            <a:chOff x="2981234" y="934315"/>
-            <a:chExt cx="4519649" cy="1095996"/>
+            <a:off x="2902064" y="1090294"/>
+            <a:ext cx="2355395" cy="691814"/>
+            <a:chOff x="2981234" y="2030311"/>
+            <a:chExt cx="3979102" cy="981854"/>
           </a:xfrm>
         </p:grpSpPr>
         <p:cxnSp>
@@ -3403,19 +3404,18 @@
             <p:cNvPr id="13" name="Curved Connector 12"/>
             <p:cNvCxnSpPr>
               <a:stCxn id="4" idx="6"/>
-              <a:endCxn id="39" idx="1"/>
+              <a:endCxn id="39" idx="2"/>
             </p:cNvCxnSpPr>
             <p:nvPr/>
           </p:nvCxnSpPr>
           <p:spPr>
-            <a:xfrm flipV="1">
-              <a:off x="2981234" y="1835426"/>
-              <a:ext cx="4519649" cy="194885"/>
+            <a:xfrm>
+              <a:off x="2981234" y="2030311"/>
+              <a:ext cx="3979102" cy="419360"/>
             </a:xfrm>
-            <a:prstGeom prst="curvedConnector4">
+            <a:prstGeom prst="curvedConnector3">
               <a:avLst>
-                <a:gd name="adj1" fmla="val 9129"/>
-                <a:gd name="adj2" fmla="val 265386"/>
+                <a:gd name="adj1" fmla="val 50000"/>
               </a:avLst>
             </a:prstGeom>
             <a:ln>
@@ -3446,8 +3446,8 @@
           </p:nvSpPr>
           <p:spPr>
             <a:xfrm>
-              <a:off x="4670862" y="934315"/>
-              <a:ext cx="2814927" cy="524172"/>
+              <a:off x="3697683" y="2487992"/>
+              <a:ext cx="2814928" cy="524173"/>
             </a:xfrm>
             <a:prstGeom prst="rect">
               <a:avLst/>
@@ -3474,164 +3474,16 @@
       </p:grpSp>
       <p:grpSp>
         <p:nvGrpSpPr>
-          <p:cNvPr id="18" name="Group 17"/>
-          <p:cNvGrpSpPr/>
-          <p:nvPr/>
-        </p:nvGrpSpPr>
-        <p:grpSpPr>
-          <a:xfrm>
-            <a:off x="-283201" y="1523094"/>
-            <a:ext cx="9761388" cy="1905908"/>
-            <a:chOff x="747163" y="901554"/>
-            <a:chExt cx="7885396" cy="1521671"/>
-          </a:xfrm>
-        </p:grpSpPr>
-        <p:cxnSp>
-          <p:nvCxnSpPr>
-            <p:cNvPr id="41" name="Curved Connector 40"/>
-            <p:cNvCxnSpPr>
-              <a:endCxn id="4" idx="5"/>
-            </p:cNvCxnSpPr>
-            <p:nvPr/>
-          </p:nvCxnSpPr>
-          <p:spPr>
-            <a:xfrm rot="10800000">
-              <a:off x="3146487" y="901554"/>
-              <a:ext cx="5486072" cy="1521671"/>
-            </a:xfrm>
-            <a:prstGeom prst="curvedConnector2">
-              <a:avLst/>
-            </a:prstGeom>
-            <a:ln>
-              <a:headEnd type="none" w="med" len="med"/>
-              <a:tailEnd type="triangle" w="med" len="med"/>
-            </a:ln>
-          </p:spPr>
-          <p:style>
-            <a:lnRef idx="3">
-              <a:schemeClr val="dk1"/>
-            </a:lnRef>
-            <a:fillRef idx="0">
-              <a:schemeClr val="dk1"/>
-            </a:fillRef>
-            <a:effectRef idx="2">
-              <a:schemeClr val="dk1"/>
-            </a:effectRef>
-            <a:fontRef idx="minor">
-              <a:schemeClr val="tx1"/>
-            </a:fontRef>
-          </p:style>
-        </p:cxnSp>
-        <p:sp>
-          <p:nvSpPr>
-            <p:cNvPr id="47" name="TextBox 46"/>
-            <p:cNvSpPr txBox="1"/>
-            <p:nvPr/>
-          </p:nvSpPr>
-          <p:spPr>
-            <a:xfrm>
-              <a:off x="747163" y="1230055"/>
-              <a:ext cx="2399324" cy="737184"/>
-            </a:xfrm>
-            <a:prstGeom prst="rect">
-              <a:avLst/>
-            </a:prstGeom>
-            <a:solidFill>
-              <a:srgbClr val="FFCC99">
-                <a:alpha val="23137"/>
-              </a:srgbClr>
-            </a:solidFill>
-            <a:ln>
-              <a:noFill/>
-              <a:headEnd type="none" w="med" len="med"/>
-              <a:tailEnd type="triangle" w="med" len="med"/>
-            </a:ln>
-          </p:spPr>
-          <p:style>
-            <a:lnRef idx="2">
-              <a:schemeClr val="dk1"/>
-            </a:lnRef>
-            <a:fillRef idx="1">
-              <a:schemeClr val="lt1"/>
-            </a:fillRef>
-            <a:effectRef idx="0">
-              <a:schemeClr val="dk1"/>
-            </a:effectRef>
-            <a:fontRef idx="minor">
-              <a:schemeClr val="dk1"/>
-            </a:fontRef>
-          </p:style>
-          <p:txBody>
-            <a:bodyPr wrap="square" rtlCol="1">
-              <a:spAutoFit/>
-            </a:bodyPr>
-            <a:lstStyle/>
-            <a:p>
-              <a:pPr algn="l"/>
-              <a:r>
-                <a:rPr lang="en-US" dirty="0" err="1" smtClean="0"/>
-                <a:t>Finish_image</a:t>
-              </a:r>
-              <a:r>
-                <a:rPr lang="en-US" dirty="0" smtClean="0"/>
-                <a:t>=1</a:t>
-              </a:r>
-              <a:br>
-                <a:rPr lang="en-US" dirty="0" smtClean="0"/>
-              </a:br>
-              <a:r>
-                <a:rPr lang="en-US" dirty="0" smtClean="0">
-                  <a:solidFill>
-                    <a:schemeClr val="accent3">
-                      <a:lumMod val="50000"/>
-                    </a:schemeClr>
-                  </a:solidFill>
-                </a:rPr>
-                <a:t>return to idle after complete full </a:t>
-              </a:r>
-              <a:r>
-                <a:rPr lang="en-US" dirty="0" err="1" smtClean="0">
-                  <a:solidFill>
-                    <a:schemeClr val="accent3">
-                      <a:lumMod val="50000"/>
-                    </a:schemeClr>
-                  </a:solidFill>
-                </a:rPr>
-                <a:t>calc</a:t>
-              </a:r>
-              <a:r>
-                <a:rPr lang="en-US" dirty="0" smtClean="0">
-                  <a:solidFill>
-                    <a:schemeClr val="accent3">
-                      <a:lumMod val="50000"/>
-                    </a:schemeClr>
-                  </a:solidFill>
-                </a:rPr>
-                <a:t> cycle </a:t>
-              </a:r>
-              <a:endParaRPr lang="en-US" sz="2000" dirty="0">
-                <a:solidFill>
-                  <a:schemeClr val="accent3">
-                    <a:lumMod val="50000"/>
-                  </a:schemeClr>
-                </a:solidFill>
-              </a:endParaRPr>
-            </a:p>
-          </p:txBody>
-        </p:sp>
-      </p:grpSp>
-      <p:grpSp>
-        <p:nvGrpSpPr>
           <p:cNvPr id="10" name="Group 9"/>
           <p:cNvGrpSpPr/>
           <p:nvPr/>
         </p:nvGrpSpPr>
         <p:grpSpPr>
           <a:xfrm>
-            <a:off x="8249861" y="4149080"/>
-            <a:ext cx="2914461" cy="1562485"/>
-            <a:chOff x="8249861" y="4149080"/>
-            <a:chExt cx="2914461" cy="1562485"/>
+            <a:off x="8249860" y="4149081"/>
+            <a:ext cx="2722940" cy="1562484"/>
+            <a:chOff x="8249860" y="4149081"/>
+            <a:chExt cx="2722940" cy="1562484"/>
           </a:xfrm>
         </p:grpSpPr>
         <p:cxnSp>
@@ -3645,8 +3497,8 @@
           </p:nvCxnSpPr>
           <p:spPr>
             <a:xfrm rot="5400000">
-              <a:off x="8734319" y="3664622"/>
-              <a:ext cx="1008487" cy="1977403"/>
+              <a:off x="8860520" y="3538421"/>
+              <a:ext cx="756084" cy="1977403"/>
             </a:xfrm>
             <a:prstGeom prst="curvedConnector2">
               <a:avLst/>
@@ -3679,8 +3531,8 @@
           </p:nvSpPr>
           <p:spPr>
             <a:xfrm>
-              <a:off x="8510736" y="5157567"/>
-              <a:ext cx="2653586" cy="553998"/>
+              <a:off x="8438728" y="5157567"/>
+              <a:ext cx="2534072" cy="553998"/>
             </a:xfrm>
             <a:prstGeom prst="rect">
               <a:avLst/>
@@ -3764,10 +3616,10 @@
         </p:nvGrpSpPr>
         <p:grpSpPr>
           <a:xfrm>
-            <a:off x="3583300" y="3535103"/>
-            <a:ext cx="5898427" cy="861774"/>
-            <a:chOff x="3662179" y="3535103"/>
-            <a:chExt cx="5898427" cy="861774"/>
+            <a:off x="1907042" y="3537011"/>
+            <a:ext cx="7774171" cy="1716413"/>
+            <a:chOff x="1985921" y="3537011"/>
+            <a:chExt cx="7774171" cy="1716413"/>
           </a:xfrm>
         </p:grpSpPr>
         <p:cxnSp>
@@ -3775,19 +3627,17 @@
             <p:cNvPr id="29" name="Curved Connector 28"/>
             <p:cNvCxnSpPr>
               <a:stCxn id="6" idx="2"/>
-              <a:endCxn id="8" idx="6"/>
+              <a:endCxn id="33" idx="7"/>
             </p:cNvCxnSpPr>
             <p:nvPr/>
           </p:nvCxnSpPr>
           <p:spPr>
-            <a:xfrm rot="10800000">
-              <a:off x="3662179" y="3537012"/>
-              <a:ext cx="5898427" cy="12700"/>
+            <a:xfrm rot="10800000" flipV="1">
+              <a:off x="1985921" y="3537011"/>
+              <a:ext cx="7574684" cy="1716413"/>
             </a:xfrm>
-            <a:prstGeom prst="curvedConnector3">
-              <a:avLst>
-                <a:gd name="adj1" fmla="val 50000"/>
-              </a:avLst>
+            <a:prstGeom prst="curvedConnector2">
+              <a:avLst/>
             </a:prstGeom>
             <a:ln>
               <a:headEnd type="none" w="med" len="med"/>
@@ -3817,8 +3667,8 @@
           </p:nvSpPr>
           <p:spPr>
             <a:xfrm>
-              <a:off x="4515823" y="3535103"/>
-              <a:ext cx="2653586" cy="861774"/>
+              <a:off x="6222582" y="3625635"/>
+              <a:ext cx="3537510" cy="584775"/>
             </a:xfrm>
             <a:prstGeom prst="rect">
               <a:avLst/>
@@ -3872,10 +3722,10 @@
         </p:nvGrpSpPr>
         <p:grpSpPr>
           <a:xfrm>
-            <a:off x="4567962" y="5578210"/>
-            <a:ext cx="2303414" cy="337875"/>
-            <a:chOff x="4567962" y="5578210"/>
-            <a:chExt cx="2303414" cy="337875"/>
+            <a:off x="5386574" y="5337961"/>
+            <a:ext cx="1514258" cy="600286"/>
+            <a:chOff x="5386574" y="5337961"/>
+            <a:chExt cx="1514258" cy="600286"/>
           </a:xfrm>
         </p:grpSpPr>
         <p:cxnSp>
@@ -3888,14 +3738,14 @@
             <p:nvPr/>
           </p:nvCxnSpPr>
           <p:spPr>
-            <a:xfrm rot="5400000" flipH="1">
-              <a:off x="5713592" y="4432580"/>
-              <a:ext cx="12154" cy="2303414"/>
+            <a:xfrm rot="5400000">
+              <a:off x="6255011" y="4802620"/>
+              <a:ext cx="81025" cy="1151707"/>
             </a:xfrm>
             <a:prstGeom prst="curvedConnector4">
               <a:avLst>
-                <a:gd name="adj1" fmla="val -4702156"/>
-                <a:gd name="adj2" fmla="val 70848"/>
+                <a:gd name="adj1" fmla="val 282135"/>
+                <a:gd name="adj2" fmla="val 60268"/>
               </a:avLst>
             </a:prstGeom>
             <a:ln>
@@ -3926,7 +3776,7 @@
           </p:nvSpPr>
           <p:spPr>
             <a:xfrm>
-              <a:off x="4835654" y="5639086"/>
+              <a:off x="5386574" y="5661248"/>
               <a:ext cx="1514258" cy="276999"/>
             </a:xfrm>
             <a:prstGeom prst="rect">
@@ -3962,10 +3812,10 @@
         </p:nvGrpSpPr>
         <p:grpSpPr>
           <a:xfrm>
-            <a:off x="843416" y="3969810"/>
-            <a:ext cx="1218669" cy="1608401"/>
-            <a:chOff x="843416" y="3969810"/>
-            <a:chExt cx="1218669" cy="1608401"/>
+            <a:off x="2143553" y="5418986"/>
+            <a:ext cx="1108964" cy="578471"/>
+            <a:chOff x="2143553" y="5418986"/>
+            <a:chExt cx="1108964" cy="578471"/>
           </a:xfrm>
         </p:grpSpPr>
         <p:cxnSp>
@@ -3973,17 +3823,19 @@
             <p:cNvPr id="21" name="Curved Connector 20"/>
             <p:cNvCxnSpPr>
               <a:stCxn id="9" idx="2"/>
-              <a:endCxn id="8" idx="3"/>
+              <a:endCxn id="33" idx="6"/>
             </p:cNvCxnSpPr>
             <p:nvPr/>
           </p:nvCxnSpPr>
           <p:spPr>
-            <a:xfrm rot="10800000">
-              <a:off x="1886930" y="3969810"/>
-              <a:ext cx="175155" cy="1608401"/>
+            <a:xfrm rot="10800000" flipV="1">
+              <a:off x="2143553" y="5418986"/>
+              <a:ext cx="1070239" cy="267236"/>
             </a:xfrm>
-            <a:prstGeom prst="curvedConnector2">
-              <a:avLst/>
+            <a:prstGeom prst="curvedConnector3">
+              <a:avLst>
+                <a:gd name="adj1" fmla="val 50000"/>
+              </a:avLst>
             </a:prstGeom>
             <a:ln>
               <a:headEnd type="none" w="med" len="med"/>
@@ -4013,7 +3865,7 @@
           </p:nvSpPr>
           <p:spPr>
             <a:xfrm>
-              <a:off x="843416" y="4797155"/>
+              <a:off x="2145676" y="5720458"/>
               <a:ext cx="1106841" cy="276999"/>
             </a:xfrm>
             <a:prstGeom prst="rect">
@@ -4077,150 +3929,19 @@
           </a:p>
         </p:txBody>
       </p:sp>
-      <p:grpSp>
-        <p:nvGrpSpPr>
-          <p:cNvPr id="3" name="Group 2"/>
-          <p:cNvGrpSpPr/>
-          <p:nvPr/>
-        </p:nvGrpSpPr>
-        <p:grpSpPr>
-          <a:xfrm>
-            <a:off x="7442363" y="1090297"/>
-            <a:ext cx="2784900" cy="1834647"/>
-            <a:chOff x="9419569" y="2682252"/>
-            <a:chExt cx="2784900" cy="1834647"/>
-          </a:xfrm>
-        </p:grpSpPr>
-        <p:cxnSp>
-          <p:nvCxnSpPr>
-            <p:cNvPr id="17" name="Curved Connector 16"/>
-            <p:cNvCxnSpPr>
-              <a:stCxn id="39" idx="6"/>
-              <a:endCxn id="6" idx="0"/>
-            </p:cNvCxnSpPr>
-            <p:nvPr/>
-          </p:nvCxnSpPr>
-          <p:spPr>
-            <a:xfrm>
-              <a:off x="9419569" y="2977733"/>
-              <a:ext cx="2784900" cy="1539166"/>
-            </a:xfrm>
-            <a:prstGeom prst="curvedConnector2">
-              <a:avLst/>
-            </a:prstGeom>
-            <a:ln>
-              <a:headEnd type="none" w="med" len="med"/>
-              <a:tailEnd type="triangle" w="med" len="med"/>
-            </a:ln>
-          </p:spPr>
-          <p:style>
-            <a:lnRef idx="3">
-              <a:schemeClr val="dk1"/>
-            </a:lnRef>
-            <a:fillRef idx="0">
-              <a:schemeClr val="dk1"/>
-            </a:fillRef>
-            <a:effectRef idx="2">
-              <a:schemeClr val="dk1"/>
-            </a:effectRef>
-            <a:fontRef idx="minor">
-              <a:schemeClr val="tx1"/>
-            </a:fontRef>
-          </p:style>
-        </p:cxnSp>
-        <p:sp>
-          <p:nvSpPr>
-            <p:cNvPr id="38" name="TextBox 37"/>
-            <p:cNvSpPr txBox="1"/>
-            <p:nvPr/>
-          </p:nvSpPr>
-          <p:spPr>
-            <a:xfrm>
-              <a:off x="9966147" y="2682252"/>
-              <a:ext cx="1745931" cy="369332"/>
-            </a:xfrm>
-            <a:prstGeom prst="rect">
-              <a:avLst/>
-            </a:prstGeom>
-            <a:solidFill>
-              <a:srgbClr val="FFCC99">
-                <a:alpha val="30196"/>
-              </a:srgbClr>
-            </a:solidFill>
-          </p:spPr>
-          <p:txBody>
-            <a:bodyPr wrap="square" rtlCol="1">
-              <a:spAutoFit/>
-            </a:bodyPr>
-            <a:lstStyle/>
-            <a:p>
-              <a:pPr algn="l"/>
-              <a:r>
-                <a:rPr lang="en-US" dirty="0" err="1" smtClean="0"/>
-                <a:t>Finish_image</a:t>
-              </a:r>
-              <a:r>
-                <a:rPr lang="en-US" dirty="0" smtClean="0"/>
-                <a:t>=0</a:t>
-              </a:r>
-            </a:p>
-          </p:txBody>
-        </p:sp>
-      </p:grpSp>
-      <p:sp>
-        <p:nvSpPr>
-          <p:cNvPr id="39" name="Oval 38"/>
-          <p:cNvSpPr/>
-          <p:nvPr/>
-        </p:nvSpPr>
-        <p:spPr>
-          <a:xfrm>
-            <a:off x="5257460" y="773710"/>
-            <a:ext cx="2184903" cy="1224136"/>
-          </a:xfrm>
-          <a:prstGeom prst="ellipse">
-            <a:avLst/>
-          </a:prstGeom>
-        </p:spPr>
-        <p:style>
-          <a:lnRef idx="3">
-            <a:schemeClr val="lt1"/>
-          </a:lnRef>
-          <a:fillRef idx="1">
-            <a:schemeClr val="accent4"/>
-          </a:fillRef>
-          <a:effectRef idx="1">
-            <a:schemeClr val="accent4"/>
-          </a:effectRef>
-          <a:fontRef idx="minor">
-            <a:schemeClr val="lt1"/>
-          </a:fontRef>
-        </p:style>
-        <p:txBody>
-          <a:bodyPr rtlCol="1" anchor="ctr"/>
-          <a:lstStyle/>
-          <a:p>
-            <a:pPr algn="ctr"/>
-            <a:r>
-              <a:rPr lang="en-US" b="1" dirty="0" smtClean="0"/>
-              <a:t>Increment Coordinate</a:t>
-            </a:r>
-            <a:endParaRPr lang="he-IL" b="1" dirty="0"/>
-          </a:p>
-        </p:txBody>
-      </p:sp>
       <p:cxnSp>
         <p:nvCxnSpPr>
-          <p:cNvPr id="32" name="Curved Connector 31"/>
+          <p:cNvPr id="17" name="Curved Connector 16"/>
           <p:cNvCxnSpPr>
-            <a:endCxn id="39" idx="3"/>
+            <a:stCxn id="39" idx="6"/>
+            <a:endCxn id="6" idx="0"/>
           </p:cNvCxnSpPr>
           <p:nvPr/>
         </p:nvCxnSpPr>
         <p:spPr>
-          <a:xfrm flipV="1">
-            <a:off x="3440965" y="1818575"/>
-            <a:ext cx="2136467" cy="1423882"/>
+          <a:xfrm>
+            <a:off x="7442363" y="1385778"/>
+            <a:ext cx="2784900" cy="1539166"/>
           </a:xfrm>
           <a:prstGeom prst="curvedConnector2">
             <a:avLst/>
@@ -4247,14 +3968,213 @@
       </p:cxnSp>
       <p:sp>
         <p:nvSpPr>
-          <p:cNvPr id="34" name="TextBox 33"/>
+          <p:cNvPr id="39" name="Oval 38"/>
+          <p:cNvSpPr/>
+          <p:nvPr/>
+        </p:nvSpPr>
+        <p:spPr>
+          <a:xfrm>
+            <a:off x="5257460" y="773710"/>
+            <a:ext cx="2184903" cy="1224136"/>
+          </a:xfrm>
+          <a:prstGeom prst="ellipse">
+            <a:avLst/>
+          </a:prstGeom>
+        </p:spPr>
+        <p:style>
+          <a:lnRef idx="3">
+            <a:schemeClr val="lt1"/>
+          </a:lnRef>
+          <a:fillRef idx="1">
+            <a:schemeClr val="accent4"/>
+          </a:fillRef>
+          <a:effectRef idx="1">
+            <a:schemeClr val="accent4"/>
+          </a:effectRef>
+          <a:fontRef idx="minor">
+            <a:schemeClr val="lt1"/>
+          </a:fontRef>
+        </p:style>
+        <p:txBody>
+          <a:bodyPr rtlCol="1" anchor="ctr"/>
+          <a:lstStyle/>
+          <a:p>
+            <a:pPr algn="ctr"/>
+            <a:r>
+              <a:rPr lang="en-US" b="1" dirty="0" smtClean="0"/>
+              <a:t>Increment Coordinate</a:t>
+            </a:r>
+            <a:endParaRPr lang="he-IL" b="1" dirty="0"/>
+          </a:p>
+        </p:txBody>
+      </p:sp>
+      <p:cxnSp>
+        <p:nvCxnSpPr>
+          <p:cNvPr id="32" name="Curved Connector 31"/>
+          <p:cNvCxnSpPr>
+            <a:stCxn id="8" idx="7"/>
+            <a:endCxn id="39" idx="3"/>
+          </p:cNvCxnSpPr>
+          <p:nvPr/>
+        </p:nvCxnSpPr>
+        <p:spPr>
+          <a:xfrm rot="5400000" flipH="1" flipV="1">
+            <a:off x="4095498" y="1406258"/>
+            <a:ext cx="1069616" cy="1894251"/>
+          </a:xfrm>
+          <a:prstGeom prst="curvedConnector3">
+            <a:avLst>
+              <a:gd name="adj1" fmla="val 50000"/>
+            </a:avLst>
+          </a:prstGeom>
+          <a:ln>
+            <a:headEnd type="none" w="med" len="med"/>
+            <a:tailEnd type="triangle" w="med" len="med"/>
+          </a:ln>
+        </p:spPr>
+        <p:style>
+          <a:lnRef idx="3">
+            <a:schemeClr val="dk1"/>
+          </a:lnRef>
+          <a:fillRef idx="0">
+            <a:schemeClr val="dk1"/>
+          </a:fillRef>
+          <a:effectRef idx="2">
+            <a:schemeClr val="dk1"/>
+          </a:effectRef>
+          <a:fontRef idx="minor">
+            <a:schemeClr val="tx1"/>
+          </a:fontRef>
+        </p:style>
+      </p:cxnSp>
+      <p:sp>
+        <p:nvSpPr>
+          <p:cNvPr id="33" name="Oval 32"/>
+          <p:cNvSpPr/>
+          <p:nvPr/>
+        </p:nvSpPr>
+        <p:spPr>
+          <a:xfrm>
+            <a:off x="528558" y="5074154"/>
+            <a:ext cx="1614994" cy="1224136"/>
+          </a:xfrm>
+          <a:prstGeom prst="ellipse">
+            <a:avLst/>
+          </a:prstGeom>
+        </p:spPr>
+        <p:style>
+          <a:lnRef idx="3">
+            <a:schemeClr val="lt1"/>
+          </a:lnRef>
+          <a:fillRef idx="1">
+            <a:schemeClr val="accent4"/>
+          </a:fillRef>
+          <a:effectRef idx="1">
+            <a:schemeClr val="accent4"/>
+          </a:effectRef>
+          <a:fontRef idx="minor">
+            <a:schemeClr val="lt1"/>
+          </a:fontRef>
+        </p:style>
+        <p:txBody>
+          <a:bodyPr rtlCol="1" anchor="ctr"/>
+          <a:lstStyle/>
+          <a:p>
+            <a:pPr algn="ctr"/>
+            <a:r>
+              <a:rPr lang="en-US" b="1" dirty="0" smtClean="0"/>
+              <a:t>Result to RAM</a:t>
+            </a:r>
+            <a:endParaRPr lang="he-IL" b="1" dirty="0"/>
+          </a:p>
+        </p:txBody>
+      </p:sp>
+      <p:cxnSp>
+        <p:nvCxnSpPr>
+          <p:cNvPr id="43" name="Curved Connector 42"/>
+          <p:cNvCxnSpPr>
+            <a:stCxn id="33" idx="0"/>
+            <a:endCxn id="8" idx="2"/>
+          </p:cNvCxnSpPr>
+          <p:nvPr/>
+        </p:nvCxnSpPr>
+        <p:spPr>
+          <a:xfrm rot="5400000" flipH="1" flipV="1">
+            <a:off x="784850" y="3872193"/>
+            <a:ext cx="1753166" cy="650756"/>
+          </a:xfrm>
+          <a:prstGeom prst="curvedConnector2">
+            <a:avLst/>
+          </a:prstGeom>
+          <a:ln>
+            <a:headEnd type="none" w="med" len="med"/>
+            <a:tailEnd type="triangle" w="med" len="med"/>
+          </a:ln>
+        </p:spPr>
+        <p:style>
+          <a:lnRef idx="3">
+            <a:schemeClr val="dk1"/>
+          </a:lnRef>
+          <a:fillRef idx="0">
+            <a:schemeClr val="dk1"/>
+          </a:fillRef>
+          <a:effectRef idx="2">
+            <a:schemeClr val="dk1"/>
+          </a:effectRef>
+          <a:fontRef idx="minor">
+            <a:schemeClr val="tx1"/>
+          </a:fontRef>
+        </p:style>
+      </p:cxnSp>
+      <p:cxnSp>
+        <p:nvCxnSpPr>
+          <p:cNvPr id="45" name="Curved Connector 44"/>
+          <p:cNvCxnSpPr>
+            <a:stCxn id="39" idx="1"/>
+            <a:endCxn id="4" idx="7"/>
+          </p:cNvCxnSpPr>
+          <p:nvPr/>
+        </p:nvCxnSpPr>
+        <p:spPr>
+          <a:xfrm rot="16200000" flipV="1">
+            <a:off x="3984446" y="-640006"/>
+            <a:ext cx="295481" cy="2890493"/>
+          </a:xfrm>
+          <a:prstGeom prst="curvedConnector3">
+            <a:avLst>
+              <a:gd name="adj1" fmla="val 238036"/>
+            </a:avLst>
+          </a:prstGeom>
+          <a:ln>
+            <a:headEnd type="none" w="med" len="med"/>
+            <a:tailEnd type="triangle" w="med" len="med"/>
+          </a:ln>
+        </p:spPr>
+        <p:style>
+          <a:lnRef idx="3">
+            <a:schemeClr val="dk1"/>
+          </a:lnRef>
+          <a:fillRef idx="0">
+            <a:schemeClr val="dk1"/>
+          </a:fillRef>
+          <a:effectRef idx="2">
+            <a:schemeClr val="dk1"/>
+          </a:effectRef>
+          <a:fontRef idx="minor">
+            <a:schemeClr val="tx1"/>
+          </a:fontRef>
+        </p:style>
+      </p:cxnSp>
+      <p:sp>
+        <p:nvSpPr>
+          <p:cNvPr id="54" name="TextBox 53"/>
           <p:cNvSpPr txBox="1"/>
           <p:nvPr/>
         </p:nvSpPr>
         <p:spPr>
           <a:xfrm>
-            <a:off x="5396653" y="2195572"/>
-            <a:ext cx="1745931" cy="369332"/>
+            <a:off x="3186881" y="348850"/>
+            <a:ext cx="1435423" cy="369332"/>
           </a:xfrm>
           <a:prstGeom prst="rect">
             <a:avLst/>
@@ -4274,12 +4194,440 @@
             <a:pPr algn="l"/>
             <a:r>
               <a:rPr lang="en-US" dirty="0" err="1" smtClean="0"/>
-              <a:t>Finish_image</a:t>
+              <a:t>Final_Pixel</a:t>
+            </a:r>
+            <a:r>
+              <a:rPr lang="en-US" dirty="0" smtClean="0"/>
+              <a:t>=1</a:t>
+            </a:r>
+            <a:endParaRPr lang="en-US" dirty="0" smtClean="0"/>
+          </a:p>
+        </p:txBody>
+      </p:sp>
+      <p:sp>
+        <p:nvSpPr>
+          <p:cNvPr id="55" name="TextBox 54"/>
+          <p:cNvSpPr txBox="1"/>
+          <p:nvPr/>
+        </p:nvSpPr>
+        <p:spPr>
+          <a:xfrm>
+            <a:off x="9374832" y="1616056"/>
+            <a:ext cx="1435423" cy="369332"/>
+          </a:xfrm>
+          <a:prstGeom prst="rect">
+            <a:avLst/>
+          </a:prstGeom>
+          <a:solidFill>
+            <a:srgbClr val="FFCC99">
+              <a:alpha val="30196"/>
+            </a:srgbClr>
+          </a:solidFill>
+        </p:spPr>
+        <p:txBody>
+          <a:bodyPr wrap="square" rtlCol="1">
+            <a:spAutoFit/>
+          </a:bodyPr>
+          <a:lstStyle/>
+          <a:p>
+            <a:pPr algn="l"/>
+            <a:r>
+              <a:rPr lang="en-US" dirty="0" err="1" smtClean="0"/>
+              <a:t>Final_Pixel</a:t>
             </a:r>
             <a:r>
               <a:rPr lang="en-US" dirty="0" smtClean="0"/>
               <a:t>=0</a:t>
             </a:r>
+            <a:endParaRPr lang="en-US" dirty="0" smtClean="0"/>
+          </a:p>
+        </p:txBody>
+      </p:sp>
+      <p:sp>
+        <p:nvSpPr>
+          <p:cNvPr id="36" name="Rectangle 35"/>
+          <p:cNvSpPr/>
+          <p:nvPr/>
+        </p:nvSpPr>
+        <p:spPr>
+          <a:xfrm>
+            <a:off x="6634866" y="6298290"/>
+            <a:ext cx="1596669" cy="559710"/>
+          </a:xfrm>
+          <a:prstGeom prst="rect">
+            <a:avLst/>
+          </a:prstGeom>
+          <a:ln>
+            <a:noFill/>
+          </a:ln>
+          <a:effectLst>
+            <a:outerShdw blurRad="225425" dist="50800" dir="5220000" algn="ctr">
+              <a:srgbClr val="000000">
+                <a:alpha val="33000"/>
+              </a:srgbClr>
+            </a:outerShdw>
+          </a:effectLst>
+          <a:scene3d>
+            <a:camera prst="perspectiveFront" fov="3300000">
+              <a:rot lat="486000" lon="19530000" rev="174000"/>
+            </a:camera>
+            <a:lightRig rig="harsh" dir="t">
+              <a:rot lat="0" lon="0" rev="3000000"/>
+            </a:lightRig>
+          </a:scene3d>
+          <a:sp3d extrusionH="254000" contourW="19050">
+            <a:bevelT w="82550" h="44450" prst="angle"/>
+            <a:bevelB w="82550" h="44450" prst="angle"/>
+            <a:contourClr>
+              <a:srgbClr val="FFFFFF"/>
+            </a:contourClr>
+          </a:sp3d>
+        </p:spPr>
+        <p:style>
+          <a:lnRef idx="0">
+            <a:schemeClr val="accent6"/>
+          </a:lnRef>
+          <a:fillRef idx="3">
+            <a:schemeClr val="accent6"/>
+          </a:fillRef>
+          <a:effectRef idx="3">
+            <a:schemeClr val="accent6"/>
+          </a:effectRef>
+          <a:fontRef idx="minor">
+            <a:schemeClr val="lt1"/>
+          </a:fontRef>
+        </p:style>
+        <p:txBody>
+          <a:bodyPr rtlCol="1" anchor="ctr"/>
+          <a:lstStyle/>
+          <a:p>
+            <a:pPr algn="ctr"/>
+            <a:r>
+              <a:rPr lang="en-US" b="1" dirty="0" err="1" smtClean="0">
+                <a:solidFill>
+                  <a:schemeClr val="tx1"/>
+                </a:solidFill>
+              </a:rPr>
+              <a:t>Read_FSM</a:t>
+            </a:r>
+            <a:endParaRPr lang="he-IL" b="1" dirty="0">
+              <a:solidFill>
+                <a:schemeClr val="tx1"/>
+              </a:solidFill>
+            </a:endParaRPr>
+          </a:p>
+        </p:txBody>
+      </p:sp>
+      <p:sp>
+        <p:nvSpPr>
+          <p:cNvPr id="58" name="Up-Down Arrow 57"/>
+          <p:cNvSpPr/>
+          <p:nvPr/>
+        </p:nvSpPr>
+        <p:spPr>
+          <a:xfrm>
+            <a:off x="7214592" y="5552604"/>
+            <a:ext cx="432048" cy="745687"/>
+          </a:xfrm>
+          <a:prstGeom prst="upDownArrow">
+            <a:avLst>
+              <a:gd name="adj1" fmla="val 27805"/>
+              <a:gd name="adj2" fmla="val 55443"/>
+            </a:avLst>
+          </a:prstGeom>
+        </p:spPr>
+        <p:style>
+          <a:lnRef idx="1">
+            <a:schemeClr val="dk1"/>
+          </a:lnRef>
+          <a:fillRef idx="2">
+            <a:schemeClr val="dk1"/>
+          </a:fillRef>
+          <a:effectRef idx="1">
+            <a:schemeClr val="dk1"/>
+          </a:effectRef>
+          <a:fontRef idx="minor">
+            <a:schemeClr val="dk1"/>
+          </a:fontRef>
+        </p:style>
+        <p:txBody>
+          <a:bodyPr rtlCol="1" anchor="ctr"/>
+          <a:lstStyle/>
+          <a:p>
+            <a:pPr algn="ctr"/>
+            <a:endParaRPr lang="he-IL"/>
+          </a:p>
+        </p:txBody>
+      </p:sp>
+      <p:sp>
+        <p:nvSpPr>
+          <p:cNvPr id="59" name="Up-Down Arrow 58"/>
+          <p:cNvSpPr/>
+          <p:nvPr/>
+        </p:nvSpPr>
+        <p:spPr>
+          <a:xfrm rot="16200000">
+            <a:off x="1379854" y="2768125"/>
+            <a:ext cx="432048" cy="745687"/>
+          </a:xfrm>
+          <a:prstGeom prst="upDownArrow">
+            <a:avLst>
+              <a:gd name="adj1" fmla="val 27805"/>
+              <a:gd name="adj2" fmla="val 55443"/>
+            </a:avLst>
+          </a:prstGeom>
+        </p:spPr>
+        <p:style>
+          <a:lnRef idx="1">
+            <a:schemeClr val="dk1"/>
+          </a:lnRef>
+          <a:fillRef idx="2">
+            <a:schemeClr val="dk1"/>
+          </a:fillRef>
+          <a:effectRef idx="1">
+            <a:schemeClr val="dk1"/>
+          </a:effectRef>
+          <a:fontRef idx="minor">
+            <a:schemeClr val="dk1"/>
+          </a:fontRef>
+        </p:style>
+        <p:txBody>
+          <a:bodyPr rtlCol="1" anchor="ctr"/>
+          <a:lstStyle/>
+          <a:p>
+            <a:pPr algn="ctr"/>
+            <a:endParaRPr lang="he-IL"/>
+          </a:p>
+        </p:txBody>
+      </p:sp>
+      <p:sp>
+        <p:nvSpPr>
+          <p:cNvPr id="62" name="Rectangle 61"/>
+          <p:cNvSpPr/>
+          <p:nvPr/>
+        </p:nvSpPr>
+        <p:spPr>
+          <a:xfrm>
+            <a:off x="-214725" y="3157322"/>
+            <a:ext cx="1596669" cy="559710"/>
+          </a:xfrm>
+          <a:prstGeom prst="rect">
+            <a:avLst/>
+          </a:prstGeom>
+          <a:ln>
+            <a:noFill/>
+          </a:ln>
+          <a:effectLst>
+            <a:outerShdw blurRad="225425" dist="50800" dir="5220000" algn="ctr">
+              <a:srgbClr val="000000">
+                <a:alpha val="33000"/>
+              </a:srgbClr>
+            </a:outerShdw>
+          </a:effectLst>
+          <a:scene3d>
+            <a:camera prst="perspectiveFront" fov="3300000">
+              <a:rot lat="486000" lon="19530000" rev="174000"/>
+            </a:camera>
+            <a:lightRig rig="harsh" dir="t">
+              <a:rot lat="0" lon="0" rev="3000000"/>
+            </a:lightRig>
+          </a:scene3d>
+          <a:sp3d extrusionH="254000" contourW="19050">
+            <a:bevelT w="82550" h="44450" prst="angle"/>
+            <a:bevelB w="82550" h="44450" prst="angle"/>
+            <a:contourClr>
+              <a:srgbClr val="FFFFFF"/>
+            </a:contourClr>
+          </a:sp3d>
+        </p:spPr>
+        <p:style>
+          <a:lnRef idx="0">
+            <a:schemeClr val="accent6"/>
+          </a:lnRef>
+          <a:fillRef idx="3">
+            <a:schemeClr val="accent6"/>
+          </a:fillRef>
+          <a:effectRef idx="3">
+            <a:schemeClr val="accent6"/>
+          </a:effectRef>
+          <a:fontRef idx="minor">
+            <a:schemeClr val="lt1"/>
+          </a:fontRef>
+        </p:style>
+        <p:txBody>
+          <a:bodyPr rtlCol="1" anchor="ctr"/>
+          <a:lstStyle/>
+          <a:p>
+            <a:pPr algn="ctr"/>
+            <a:r>
+              <a:rPr lang="en-US" b="1" dirty="0" err="1" smtClean="0">
+                <a:solidFill>
+                  <a:schemeClr val="tx1"/>
+                </a:solidFill>
+              </a:rPr>
+              <a:t>Write_FSM</a:t>
+            </a:r>
+            <a:endParaRPr lang="he-IL" b="1" dirty="0">
+              <a:solidFill>
+                <a:schemeClr val="tx1"/>
+              </a:solidFill>
+            </a:endParaRPr>
+          </a:p>
+        </p:txBody>
+      </p:sp>
+      <p:sp>
+        <p:nvSpPr>
+          <p:cNvPr id="63" name="TextBox 62"/>
+          <p:cNvSpPr txBox="1"/>
+          <p:nvPr/>
+        </p:nvSpPr>
+        <p:spPr>
+          <a:xfrm>
+            <a:off x="79182" y="4025886"/>
+            <a:ext cx="1435423" cy="369332"/>
+          </a:xfrm>
+          <a:prstGeom prst="rect">
+            <a:avLst/>
+          </a:prstGeom>
+          <a:solidFill>
+            <a:srgbClr val="FFCC99">
+              <a:alpha val="30196"/>
+            </a:srgbClr>
+          </a:solidFill>
+        </p:spPr>
+        <p:txBody>
+          <a:bodyPr wrap="square" rtlCol="1">
+            <a:spAutoFit/>
+          </a:bodyPr>
+          <a:lstStyle/>
+          <a:p>
+            <a:pPr algn="l"/>
+            <a:r>
+              <a:rPr lang="en-US" dirty="0" err="1" smtClean="0"/>
+              <a:t>RAM_Full</a:t>
+            </a:r>
+            <a:r>
+              <a:rPr lang="en-US" dirty="0" smtClean="0"/>
+              <a:t>=1</a:t>
+            </a:r>
+            <a:endParaRPr lang="en-US" dirty="0" smtClean="0"/>
+          </a:p>
+        </p:txBody>
+      </p:sp>
+      <p:cxnSp>
+        <p:nvCxnSpPr>
+          <p:cNvPr id="67" name="Curved Connector 66"/>
+          <p:cNvCxnSpPr>
+            <a:stCxn id="33" idx="0"/>
+            <a:endCxn id="39" idx="4"/>
+          </p:cNvCxnSpPr>
+          <p:nvPr/>
+        </p:nvCxnSpPr>
+        <p:spPr>
+          <a:xfrm rot="5400000" flipH="1" flipV="1">
+            <a:off x="2304829" y="1029072"/>
+            <a:ext cx="3076308" cy="5013857"/>
+          </a:xfrm>
+          <a:prstGeom prst="curvedConnector3">
+            <a:avLst>
+              <a:gd name="adj1" fmla="val 35639"/>
+            </a:avLst>
+          </a:prstGeom>
+          <a:ln>
+            <a:headEnd type="none" w="med" len="med"/>
+            <a:tailEnd type="triangle" w="med" len="med"/>
+          </a:ln>
+        </p:spPr>
+        <p:style>
+          <a:lnRef idx="3">
+            <a:schemeClr val="dk1"/>
+          </a:lnRef>
+          <a:fillRef idx="0">
+            <a:schemeClr val="dk1"/>
+          </a:fillRef>
+          <a:effectRef idx="2">
+            <a:schemeClr val="dk1"/>
+          </a:effectRef>
+          <a:fontRef idx="minor">
+            <a:schemeClr val="tx1"/>
+          </a:fontRef>
+        </p:style>
+      </p:cxnSp>
+      <p:sp>
+        <p:nvSpPr>
+          <p:cNvPr id="68" name="TextBox 67"/>
+          <p:cNvSpPr txBox="1"/>
+          <p:nvPr/>
+        </p:nvSpPr>
+        <p:spPr>
+          <a:xfrm>
+            <a:off x="6141431" y="2555612"/>
+            <a:ext cx="1435423" cy="369332"/>
+          </a:xfrm>
+          <a:prstGeom prst="rect">
+            <a:avLst/>
+          </a:prstGeom>
+          <a:solidFill>
+            <a:srgbClr val="FFCC99">
+              <a:alpha val="30196"/>
+            </a:srgbClr>
+          </a:solidFill>
+        </p:spPr>
+        <p:txBody>
+          <a:bodyPr wrap="square" rtlCol="1">
+            <a:spAutoFit/>
+          </a:bodyPr>
+          <a:lstStyle/>
+          <a:p>
+            <a:pPr algn="l"/>
+            <a:r>
+              <a:rPr lang="en-US" dirty="0" err="1" smtClean="0"/>
+              <a:t>RAM_Full</a:t>
+            </a:r>
+            <a:r>
+              <a:rPr lang="en-US" dirty="0" smtClean="0"/>
+              <a:t>=0</a:t>
+            </a:r>
+            <a:endParaRPr lang="en-US" dirty="0" smtClean="0"/>
+          </a:p>
+        </p:txBody>
+      </p:sp>
+      <p:sp>
+        <p:nvSpPr>
+          <p:cNvPr id="84" name="TextBox 83"/>
+          <p:cNvSpPr txBox="1"/>
+          <p:nvPr/>
+        </p:nvSpPr>
+        <p:spPr>
+          <a:xfrm>
+            <a:off x="4142009" y="2502957"/>
+            <a:ext cx="1435423" cy="369332"/>
+          </a:xfrm>
+          <a:prstGeom prst="rect">
+            <a:avLst/>
+          </a:prstGeom>
+          <a:solidFill>
+            <a:srgbClr val="FFCC99">
+              <a:alpha val="30196"/>
+            </a:srgbClr>
+          </a:solidFill>
+        </p:spPr>
+        <p:txBody>
+          <a:bodyPr wrap="square" rtlCol="1">
+            <a:spAutoFit/>
+          </a:bodyPr>
+          <a:lstStyle/>
+          <a:p>
+            <a:pPr algn="l"/>
+            <a:r>
+              <a:rPr lang="en-US" dirty="0" err="1" smtClean="0"/>
+              <a:t>Final_Pixel</a:t>
+            </a:r>
+            <a:r>
+              <a:rPr lang="en-US" dirty="0" smtClean="0"/>
+              <a:t>=0</a:t>
+            </a:r>
+            <a:endParaRPr lang="en-US" dirty="0" smtClean="0"/>
           </a:p>
         </p:txBody>
       </p:sp>
